--- a/M11 Integration.pptx
+++ b/M11 Integration.pptx
@@ -6,46 +6,35 @@
     <p:sldMasterId id="2147484642" r:id="rId5"/>
   </p:sldMasterIdLst>
   <p:notesMasterIdLst>
-    <p:notesMasterId r:id="rId40"/>
+    <p:notesMasterId r:id="rId29"/>
   </p:notesMasterIdLst>
   <p:handoutMasterIdLst>
-    <p:handoutMasterId r:id="rId41"/>
+    <p:handoutMasterId r:id="rId30"/>
   </p:handoutMasterIdLst>
   <p:sldIdLst>
     <p:sldId id="1719" r:id="rId6"/>
     <p:sldId id="8614" r:id="rId7"/>
     <p:sldId id="3089" r:id="rId8"/>
-    <p:sldId id="8615" r:id="rId9"/>
-    <p:sldId id="340" r:id="rId10"/>
-    <p:sldId id="332" r:id="rId11"/>
-    <p:sldId id="333" r:id="rId12"/>
-    <p:sldId id="334" r:id="rId13"/>
-    <p:sldId id="8616" r:id="rId14"/>
-    <p:sldId id="336" r:id="rId15"/>
-    <p:sldId id="8617" r:id="rId16"/>
-    <p:sldId id="8618" r:id="rId17"/>
-    <p:sldId id="338" r:id="rId18"/>
-    <p:sldId id="8620" r:id="rId19"/>
-    <p:sldId id="339" r:id="rId20"/>
-    <p:sldId id="341" r:id="rId21"/>
-    <p:sldId id="8621" r:id="rId22"/>
-    <p:sldId id="8619" r:id="rId23"/>
-    <p:sldId id="316" r:id="rId24"/>
-    <p:sldId id="317" r:id="rId25"/>
-    <p:sldId id="318" r:id="rId26"/>
-    <p:sldId id="921" r:id="rId27"/>
-    <p:sldId id="920" r:id="rId28"/>
-    <p:sldId id="962" r:id="rId29"/>
-    <p:sldId id="955" r:id="rId30"/>
-    <p:sldId id="922" r:id="rId31"/>
-    <p:sldId id="8622" r:id="rId32"/>
-    <p:sldId id="8627" r:id="rId33"/>
-    <p:sldId id="8624" r:id="rId34"/>
-    <p:sldId id="8623" r:id="rId35"/>
-    <p:sldId id="8625" r:id="rId36"/>
-    <p:sldId id="8626" r:id="rId37"/>
-    <p:sldId id="1722" r:id="rId38"/>
-    <p:sldId id="1532" r:id="rId39"/>
+    <p:sldId id="340" r:id="rId9"/>
+    <p:sldId id="332" r:id="rId10"/>
+    <p:sldId id="333" r:id="rId11"/>
+    <p:sldId id="334" r:id="rId12"/>
+    <p:sldId id="8617" r:id="rId13"/>
+    <p:sldId id="338" r:id="rId14"/>
+    <p:sldId id="339" r:id="rId15"/>
+    <p:sldId id="8621" r:id="rId16"/>
+    <p:sldId id="8619" r:id="rId17"/>
+    <p:sldId id="316" r:id="rId18"/>
+    <p:sldId id="317" r:id="rId19"/>
+    <p:sldId id="318" r:id="rId20"/>
+    <p:sldId id="921" r:id="rId21"/>
+    <p:sldId id="920" r:id="rId22"/>
+    <p:sldId id="962" r:id="rId23"/>
+    <p:sldId id="955" r:id="rId24"/>
+    <p:sldId id="922" r:id="rId25"/>
+    <p:sldId id="8622" r:id="rId26"/>
+    <p:sldId id="1722" r:id="rId27"/>
+    <p:sldId id="1532" r:id="rId28"/>
   </p:sldIdLst>
   <p:sldSz cx="12192000" cy="6858000"/>
   <p:notesSz cx="6858000" cy="9144000"/>
@@ -11994,7 +11983,7 @@
               <a:rPr lang="en-US" smtClean="0">
                 <a:latin typeface="Segoe UI" pitchFamily="34" charset="0"/>
               </a:rPr>
-              <a:t>6/22/2021 3:40 PM</a:t>
+              <a:t>3/16/2022 7:08 PM</a:t>
             </a:fld>
             <a:endParaRPr lang="en-US">
               <a:latin typeface="Segoe UI" pitchFamily="34" charset="0"/>
@@ -12272,7 +12261,7 @@
           <a:p>
             <a:fld id="{386CE63F-9E7F-4C04-9D0D-FCA25A8E9E86}" type="datetime8">
               <a:rPr lang="en-US" smtClean="0"/>
-              <a:t>6/22/2021 3:40 PM</a:t>
+              <a:t>3/16/2022 7:08 PM</a:t>
             </a:fld>
             <a:endParaRPr lang="en-US"/>
           </a:p>
@@ -12639,7 +12628,7 @@
           <a:p>
             <a:fld id="{3619146B-24F9-441E-A368-DB3B5A84C1D4}" type="datetime8">
               <a:rPr lang="en-US" smtClean="0"/>
-              <a:t>6/22/2021 3:40 PM</a:t>
+              <a:t>3/16/2022 7:08 PM</a:t>
             </a:fld>
             <a:endParaRPr lang="en-US"/>
           </a:p>
@@ -12701,122 +12690,166 @@
       </p:grpSpPr>
       <p:sp>
         <p:nvSpPr>
-          <p:cNvPr id="49154" name="Rectangle 76800"/>
+          <p:cNvPr id="2" name="Slide Image Placeholder 1"/>
           <p:cNvSpPr>
-            <a:spLocks noGrp="1" noRot="1" noChangeAspect="1" noChangeArrowheads="1" noTextEdit="1"/>
+            <a:spLocks noGrp="1" noRot="1" noChangeAspect="1"/>
           </p:cNvSpPr>
           <p:nvPr>
             <p:ph type="sldImg"/>
           </p:nvPr>
         </p:nvSpPr>
-        <p:spPr bwMode="auto">
-          <a:xfrm>
-            <a:off x="912813" y="457200"/>
-            <a:ext cx="4981575" cy="2801938"/>
-          </a:xfrm>
-          <a:noFill/>
-          <a:ln w="9525">
-            <a:noFill/>
-          </a:ln>
-        </p:spPr>
+        <p:spPr/>
       </p:sp>
       <p:sp>
         <p:nvSpPr>
-          <p:cNvPr id="49155" name="Rectangle 27649"/>
+          <p:cNvPr id="3" name="Notes Placeholder 2"/>
           <p:cNvSpPr>
-            <a:spLocks noGrp="1" noChangeArrowheads="1"/>
+            <a:spLocks noGrp="1"/>
           </p:cNvSpPr>
           <p:nvPr>
             <p:ph type="body" idx="1"/>
           </p:nvPr>
         </p:nvSpPr>
-        <p:spPr bwMode="auto">
-          <a:noFill/>
-        </p:spPr>
+        <p:spPr/>
         <p:txBody>
-          <a:bodyPr wrap="square" numCol="1" anchor="t" anchorCtr="0" compatLnSpc="1">
-            <a:prstTxWarp prst="textNoShape">
-              <a:avLst/>
-            </a:prstTxWarp>
-          </a:bodyPr>
+          <a:bodyPr/>
           <a:lstStyle/>
           <a:p>
-            <a:pPr marL="0" marR="0" indent="0" algn="l" defTabSz="914361" rtl="0" eaLnBrk="1" fontAlgn="auto" latinLnBrk="0" hangingPunct="1">
-              <a:lnSpc>
-                <a:spcPct val="100000"/>
-              </a:lnSpc>
-              <a:spcBef>
-                <a:spcPct val="0"/>
-              </a:spcBef>
-              <a:spcAft>
-                <a:spcPts val="0"/>
-              </a:spcAft>
-              <a:buClrTx/>
-              <a:buSzTx/>
-              <a:buFontTx/>
-              <a:buNone/>
-              <a:tabLst/>
-              <a:defRPr/>
-            </a:pPr>
             <a:endParaRPr lang="en-US" dirty="0"/>
           </a:p>
         </p:txBody>
       </p:sp>
       <p:sp>
         <p:nvSpPr>
-          <p:cNvPr id="51204" name="Shape 27650"/>
+          <p:cNvPr id="4" name="Header Placeholder 3"/>
           <p:cNvSpPr>
-            <a:spLocks noGrp="1" noChangeArrowheads="1"/>
+            <a:spLocks noGrp="1"/>
           </p:cNvSpPr>
           <p:nvPr>
-            <p:ph type="sldNum" sz="quarter" idx="5"/>
+            <p:ph type="hdr" sz="quarter" idx="10"/>
           </p:nvPr>
         </p:nvSpPr>
-        <p:spPr bwMode="auto">
-          <a:ln>
-            <a:miter lim="800000"/>
-            <a:headEnd/>
-            <a:tailEnd/>
-          </a:ln>
-        </p:spPr>
+        <p:spPr/>
         <p:txBody>
-          <a:bodyPr wrap="square" numCol="1" anchorCtr="0" compatLnSpc="1">
-            <a:prstTxWarp prst="textNoShape">
-              <a:avLst/>
-            </a:prstTxWarp>
-          </a:bodyPr>
+          <a:bodyPr/>
           <a:lstStyle/>
           <a:p>
-            <a:pPr defTabSz="912813" fontAlgn="base">
-              <a:spcBef>
-                <a:spcPct val="0"/>
-              </a:spcBef>
-              <a:spcAft>
-                <a:spcPct val="0"/>
-              </a:spcAft>
-              <a:defRPr/>
-            </a:pPr>
-            <a:fld id="{33FF8D83-ABE4-4775-95B8-9C3CC9D28542}" type="slidenum">
+            <a:r>
+              <a:rPr lang="en-US"/>
+              <a:t>Microsoft Dynamics</a:t>
+            </a:r>
+            <a:endParaRPr lang="en-US" dirty="0"/>
+          </a:p>
+        </p:txBody>
+      </p:sp>
+      <p:sp>
+        <p:nvSpPr>
+          <p:cNvPr id="5" name="Date Placeholder 4"/>
+          <p:cNvSpPr>
+            <a:spLocks noGrp="1"/>
+          </p:cNvSpPr>
+          <p:nvPr>
+            <p:ph type="dt" sz="quarter" idx="11"/>
+          </p:nvPr>
+        </p:nvSpPr>
+        <p:spPr/>
+        <p:txBody>
+          <a:bodyPr/>
+          <a:lstStyle/>
+          <a:p>
+            <a:fld id="{42138498-B9E8-4503-81F6-996E78FEAB48}" type="datetime1">
+              <a:rPr lang="en-US" smtClean="0"/>
+              <a:t>3/16/2022</a:t>
+            </a:fld>
+            <a:endParaRPr lang="en-US" dirty="0"/>
+          </a:p>
+        </p:txBody>
+      </p:sp>
+      <p:sp>
+        <p:nvSpPr>
+          <p:cNvPr id="6" name="Footer Placeholder 5"/>
+          <p:cNvSpPr>
+            <a:spLocks noGrp="1"/>
+          </p:cNvSpPr>
+          <p:nvPr>
+            <p:ph type="ftr" sz="quarter" idx="12"/>
+          </p:nvPr>
+        </p:nvSpPr>
+        <p:spPr/>
+        <p:txBody>
+          <a:bodyPr/>
+          <a:lstStyle/>
+          <a:p>
+            <a:r>
+              <a:rPr lang="en-US" sz="500">
+                <a:solidFill>
+                  <a:srgbClr val="000000"/>
+                </a:solidFill>
+                <a:latin typeface="Segoe UI" pitchFamily="34" charset="0"/>
+              </a:rPr>
+              <a:t>© 2011 Microsoft Corporation. All rights reserved. Microsoft, Windows, Windows Vista and other product names are or may be registered trademarks and/or trademarks in the U.S. and/or other countries.</a:t>
+            </a:r>
+          </a:p>
+          <a:p>
+            <a:r>
+              <a:rPr lang="en-US" sz="500">
+                <a:solidFill>
+                  <a:srgbClr val="000000"/>
+                </a:solidFill>
+                <a:latin typeface="Segoe UI" pitchFamily="34" charset="0"/>
+              </a:rPr>
+              <a:t>The information herein is for informational purposes only and represents the current view of Microsoft Corporation as of the date of this presentation. Because Microsoft must respond to changing market conditions, it should not be interpreted to be a commitment on the part of Microsoft, and Microsoft cannot guarantee the accuracy of any information provided after the date of this presentation.</a:t>
+            </a:r>
+            <a:br>
+              <a:rPr lang="en-US" sz="500">
+                <a:solidFill>
+                  <a:srgbClr val="000000"/>
+                </a:solidFill>
+                <a:latin typeface="Segoe UI" pitchFamily="34" charset="0"/>
+              </a:rPr>
+            </a:br>
+            <a:r>
+              <a:rPr lang="en-US" sz="500">
+                <a:solidFill>
+                  <a:srgbClr val="000000"/>
+                </a:solidFill>
+                <a:latin typeface="Segoe UI" pitchFamily="34" charset="0"/>
+              </a:rPr>
+              <a:t>MICROSOFT MAKES NO WARRANTIES, EXPRESS, IMPLIED OR STATUTORY, AS TO THE INFORMATION IN THIS PRESENTATION.</a:t>
+            </a:r>
+            <a:endParaRPr lang="en-US" sz="500" dirty="0">
+              <a:solidFill>
+                <a:srgbClr val="000000"/>
+              </a:solidFill>
+              <a:latin typeface="Segoe UI" pitchFamily="34" charset="0"/>
+            </a:endParaRPr>
+          </a:p>
+        </p:txBody>
+      </p:sp>
+      <p:sp>
+        <p:nvSpPr>
+          <p:cNvPr id="7" name="Slide Number Placeholder 6"/>
+          <p:cNvSpPr>
+            <a:spLocks noGrp="1"/>
+          </p:cNvSpPr>
+          <p:nvPr>
+            <p:ph type="sldNum" sz="quarter" idx="13"/>
+          </p:nvPr>
+        </p:nvSpPr>
+        <p:spPr/>
+        <p:txBody>
+          <a:bodyPr/>
+          <a:lstStyle/>
+          <a:p>
+            <a:fld id="{8980CB99-47E3-46F4-AAEB-3919FBEFC014}" type="slidenum">
               <a:rPr lang="en-US" smtClean="0">
-                <a:solidFill>
-                  <a:prstClr val="black"/>
-                </a:solidFill>
+                <a:latin typeface="Segoe UI" pitchFamily="34" charset="0"/>
               </a:rPr>
-              <a:pPr defTabSz="912813" fontAlgn="base">
-                <a:spcBef>
-                  <a:spcPct val="0"/>
-                </a:spcBef>
-                <a:spcAft>
-                  <a:spcPct val="0"/>
-                </a:spcAft>
-                <a:defRPr/>
-              </a:pPr>
-              <a:t>16</a:t>
+              <a:pPr/>
+              <a:t>17</a:t>
             </a:fld>
-            <a:endParaRPr lang="en-US">
-              <a:solidFill>
-                <a:prstClr val="black"/>
-              </a:solidFill>
+            <a:endParaRPr lang="en-US" dirty="0">
+              <a:latin typeface="Segoe UI" pitchFamily="34" charset="0"/>
             </a:endParaRPr>
           </a:p>
         </p:txBody>
@@ -12824,7 +12857,7 @@
     </p:spTree>
     <p:extLst>
       <p:ext uri="{BB962C8B-B14F-4D97-AF65-F5344CB8AC3E}">
-        <p14:creationId xmlns:p14="http://schemas.microsoft.com/office/powerpoint/2010/main" val="2837955450"/>
+        <p14:creationId xmlns:p14="http://schemas.microsoft.com/office/powerpoint/2010/main" val="4025866976"/>
       </p:ext>
     </p:extLst>
   </p:cSld>
@@ -12879,15 +12912,18 @@
           <a:lstStyle/>
           <a:p>
             <a:r>
-              <a:rPr lang="en-US" dirty="0"/>
-              <a:t>Could also use Azure API Management in front of Azure Function to add more management</a:t>
-            </a:r>
-          </a:p>
-          <a:p>
-            <a:r>
-              <a:rPr lang="en-US" dirty="0"/>
-              <a:t>Consider the rate and API limits</a:t>
-            </a:r>
+              <a:rPr lang="en-US" sz="1200" b="0" i="0" u="none" strike="noStrike" kern="1200" dirty="0">
+                <a:solidFill>
+                  <a:schemeClr val="tx1"/>
+                </a:solidFill>
+                <a:effectLst/>
+                <a:latin typeface="+mn-lt"/>
+                <a:ea typeface="+mn-ea"/>
+                <a:cs typeface="+mn-cs"/>
+              </a:rPr>
+              <a:t>A consumer group is a view (state, position, or offset) of an entire event hub. Consumer groups enable multiple consuming applications to each have a separate view of the event stream, and to read the stream independently at their own pace and with their own offsets.</a:t>
+            </a:r>
+            <a:endParaRPr lang="en-US" dirty="0"/>
           </a:p>
         </p:txBody>
       </p:sp>
@@ -12898,7 +12934,7 @@
             <a:spLocks noGrp="1"/>
           </p:cNvSpPr>
           <p:nvPr>
-            <p:ph type="hdr" sz="quarter"/>
+            <p:ph type="hdr" sz="quarter" idx="10"/>
           </p:nvPr>
         </p:nvSpPr>
         <p:spPr/>
@@ -12906,18 +12942,22 @@
           <a:bodyPr/>
           <a:lstStyle/>
           <a:p>
-            <a:endParaRPr lang="en-US"/>
+            <a:r>
+              <a:rPr lang="en-US"/>
+              <a:t>Microsoft Dynamics</a:t>
+            </a:r>
+            <a:endParaRPr lang="en-US" dirty="0"/>
           </a:p>
         </p:txBody>
       </p:sp>
       <p:sp>
         <p:nvSpPr>
-          <p:cNvPr id="5" name="Footer Placeholder 4"/>
+          <p:cNvPr id="5" name="Date Placeholder 4"/>
           <p:cNvSpPr>
             <a:spLocks noGrp="1"/>
           </p:cNvSpPr>
           <p:nvPr>
-            <p:ph type="ftr" sz="quarter" idx="4"/>
+            <p:ph type="dt" sz="quarter" idx="11"/>
           </p:nvPr>
         </p:nvSpPr>
         <p:spPr/>
@@ -12925,37 +12965,22 @@
           <a:bodyPr/>
           <a:lstStyle/>
           <a:p>
-            <a:pPr defTabSz="914099" eaLnBrk="0" hangingPunct="0"/>
-            <a:r>
-              <a:rPr lang="en-US" sz="400">
-                <a:gradFill>
-                  <a:gsLst>
-                    <a:gs pos="0">
-                      <a:prstClr val="black"/>
-                    </a:gs>
-                    <a:gs pos="100000">
-                      <a:prstClr val="black"/>
-                    </a:gs>
-                  </a:gsLst>
-                  <a:lin ang="5400000" scaled="0"/>
-                </a:gradFill>
-                <a:latin typeface="Segoe UI" pitchFamily="34" charset="0"/>
-                <a:ea typeface="Segoe UI" pitchFamily="34" charset="0"/>
-                <a:cs typeface="Segoe UI" pitchFamily="34" charset="0"/>
-              </a:rPr>
-              <a:t>© Microsoft Corporation. All rights reserved. MICROSOFT MAKES NO WARRANTIES, EXPRESS, IMPLIED OR STATUTORY, AS TO THE INFORMATION IN THIS PRESENTATION.</a:t>
-            </a:r>
+            <a:fld id="{20DB872F-B64C-439D-A1E4-4810E695A54F}" type="datetime1">
+              <a:rPr lang="en-US" smtClean="0"/>
+              <a:t>3/16/2022</a:t>
+            </a:fld>
+            <a:endParaRPr lang="en-US" dirty="0"/>
           </a:p>
         </p:txBody>
       </p:sp>
       <p:sp>
         <p:nvSpPr>
-          <p:cNvPr id="6" name="Date Placeholder 5"/>
+          <p:cNvPr id="6" name="Footer Placeholder 5"/>
           <p:cNvSpPr>
             <a:spLocks noGrp="1"/>
           </p:cNvSpPr>
           <p:nvPr>
-            <p:ph type="dt" idx="1"/>
+            <p:ph type="ftr" sz="quarter" idx="12"/>
           </p:nvPr>
         </p:nvSpPr>
         <p:spPr/>
@@ -12963,11 +12988,49 @@
           <a:bodyPr/>
           <a:lstStyle/>
           <a:p>
-            <a:fld id="{386CE63F-9E7F-4C04-9D0D-FCA25A8E9E86}" type="datetime8">
-              <a:rPr lang="en-US" smtClean="0"/>
-              <a:t>6/22/2021 3:40 PM</a:t>
-            </a:fld>
-            <a:endParaRPr lang="en-US"/>
+            <a:r>
+              <a:rPr lang="en-US" sz="500">
+                <a:solidFill>
+                  <a:srgbClr val="000000"/>
+                </a:solidFill>
+                <a:latin typeface="Segoe UI" pitchFamily="34" charset="0"/>
+              </a:rPr>
+              <a:t>© 2011 Microsoft Corporation. All rights reserved. Microsoft, Windows, Windows Vista and other product names are or may be registered trademarks and/or trademarks in the U.S. and/or other countries.</a:t>
+            </a:r>
+          </a:p>
+          <a:p>
+            <a:r>
+              <a:rPr lang="en-US" sz="500">
+                <a:solidFill>
+                  <a:srgbClr val="000000"/>
+                </a:solidFill>
+                <a:latin typeface="Segoe UI" pitchFamily="34" charset="0"/>
+              </a:rPr>
+              <a:t>The information herein is for informational purposes only and represents the current view of Microsoft Corporation as of the date of this presentation. Because Microsoft must respond to changing market conditions, it should not be interpreted to be a commitment on the part of Microsoft, and Microsoft cannot guarantee the accuracy of any information provided after the date of this presentation.</a:t>
+            </a:r>
+            <a:br>
+              <a:rPr lang="en-US" sz="500">
+                <a:solidFill>
+                  <a:srgbClr val="000000"/>
+                </a:solidFill>
+                <a:latin typeface="Segoe UI" pitchFamily="34" charset="0"/>
+              </a:rPr>
+            </a:br>
+            <a:r>
+              <a:rPr lang="en-US" sz="500">
+                <a:solidFill>
+                  <a:srgbClr val="000000"/>
+                </a:solidFill>
+                <a:latin typeface="Segoe UI" pitchFamily="34" charset="0"/>
+              </a:rPr>
+              <a:t>MICROSOFT MAKES NO WARRANTIES, EXPRESS, IMPLIED OR STATUTORY, AS TO THE INFORMATION IN THIS PRESENTATION.</a:t>
+            </a:r>
+            <a:endParaRPr lang="en-US" sz="500" dirty="0">
+              <a:solidFill>
+                <a:srgbClr val="000000"/>
+              </a:solidFill>
+              <a:latin typeface="Segoe UI" pitchFamily="34" charset="0"/>
+            </a:endParaRPr>
           </a:p>
         </p:txBody>
       </p:sp>
@@ -12978,7 +13041,7 @@
             <a:spLocks noGrp="1"/>
           </p:cNvSpPr>
           <p:nvPr>
-            <p:ph type="sldNum" sz="quarter" idx="5"/>
+            <p:ph type="sldNum" sz="quarter" idx="13"/>
           </p:nvPr>
         </p:nvSpPr>
         <p:spPr/>
@@ -12986,19 +13049,23 @@
           <a:bodyPr/>
           <a:lstStyle/>
           <a:p>
-            <a:fld id="{B4008EB6-D09E-4580-8CD6-DDB14511944F}" type="slidenum">
-              <a:rPr lang="en-US" smtClean="0"/>
+            <a:fld id="{8980CB99-47E3-46F4-AAEB-3919FBEFC014}" type="slidenum">
+              <a:rPr lang="en-US" smtClean="0">
+                <a:latin typeface="Segoe UI" pitchFamily="34" charset="0"/>
+              </a:rPr>
               <a:pPr/>
-              <a:t>20</a:t>
+              <a:t>18</a:t>
             </a:fld>
-            <a:endParaRPr lang="en-US"/>
+            <a:endParaRPr lang="en-US" dirty="0">
+              <a:latin typeface="Segoe UI" pitchFamily="34" charset="0"/>
+            </a:endParaRPr>
           </a:p>
         </p:txBody>
       </p:sp>
     </p:spTree>
     <p:extLst>
       <p:ext uri="{BB962C8B-B14F-4D97-AF65-F5344CB8AC3E}">
-        <p14:creationId xmlns:p14="http://schemas.microsoft.com/office/powerpoint/2010/main" val="3222552222"/>
+        <p14:creationId xmlns:p14="http://schemas.microsoft.com/office/powerpoint/2010/main" val="1535834173"/>
       </p:ext>
     </p:extLst>
   </p:cSld>
@@ -13094,9 +13161,9 @@
           <a:bodyPr/>
           <a:lstStyle/>
           <a:p>
-            <a:fld id="{42138498-B9E8-4503-81F6-996E78FEAB48}" type="datetime1">
+            <a:fld id="{C3890B81-BA52-420F-8B48-F295A24365AC}" type="datetime1">
               <a:rPr lang="en-US" smtClean="0"/>
-              <a:t>6/22/2021</a:t>
+              <a:t>3/16/2022</a:t>
             </a:fld>
             <a:endParaRPr lang="en-US" dirty="0"/>
           </a:p>
@@ -13183,7 +13250,7 @@
                 <a:latin typeface="Segoe UI" pitchFamily="34" charset="0"/>
               </a:rPr>
               <a:pPr/>
-              <a:t>23</a:t>
+              <a:t>19</a:t>
             </a:fld>
             <a:endParaRPr lang="en-US" dirty="0">
               <a:latin typeface="Segoe UI" pitchFamily="34" charset="0"/>
@@ -13194,7 +13261,7 @@
     </p:spTree>
     <p:extLst>
       <p:ext uri="{BB962C8B-B14F-4D97-AF65-F5344CB8AC3E}">
-        <p14:creationId xmlns:p14="http://schemas.microsoft.com/office/powerpoint/2010/main" val="4025866976"/>
+        <p14:creationId xmlns:p14="http://schemas.microsoft.com/office/powerpoint/2010/main" val="2878602795"/>
       </p:ext>
     </p:extLst>
   </p:cSld>
@@ -13231,7 +13298,12 @@
             <p:ph type="sldImg"/>
           </p:nvPr>
         </p:nvSpPr>
-        <p:spPr/>
+        <p:spPr>
+          <a:xfrm>
+            <a:off x="381000" y="685800"/>
+            <a:ext cx="6096000" cy="3429000"/>
+          </a:xfrm>
+        </p:spPr>
       </p:sp>
       <p:sp>
         <p:nvSpPr>
@@ -13245,22 +13317,12 @@
         </p:nvSpPr>
         <p:spPr/>
         <p:txBody>
-          <a:bodyPr/>
+          <a:bodyPr>
+            <a:normAutofit/>
+          </a:bodyPr>
           <a:lstStyle/>
           <a:p>
-            <a:r>
-              <a:rPr lang="en-US" sz="1200" b="0" i="0" u="none" strike="noStrike" kern="1200" dirty="0">
-                <a:solidFill>
-                  <a:schemeClr val="tx1"/>
-                </a:solidFill>
-                <a:effectLst/>
-                <a:latin typeface="+mn-lt"/>
-                <a:ea typeface="+mn-ea"/>
-                <a:cs typeface="+mn-cs"/>
-              </a:rPr>
-              <a:t>A consumer group is a view (state, position, or offset) of an entire event hub. Consumer groups enable multiple consuming applications to each have a separate view of the event stream, and to read the stream independently at their own pace and with their own offsets.</a:t>
-            </a:r>
-            <a:endParaRPr lang="en-US" dirty="0"/>
+            <a:endParaRPr lang="en-US"/>
           </a:p>
         </p:txBody>
       </p:sp>
@@ -13274,16 +13336,24 @@
             <p:ph type="hdr" sz="quarter" idx="10"/>
           </p:nvPr>
         </p:nvSpPr>
-        <p:spPr/>
+        <p:spPr>
+          <a:xfrm>
+            <a:off x="0" y="0"/>
+            <a:ext cx="2971800" cy="457200"/>
+          </a:xfrm>
+          <a:prstGeom prst="rect">
+            <a:avLst/>
+          </a:prstGeom>
+        </p:spPr>
         <p:txBody>
           <a:bodyPr/>
           <a:lstStyle/>
           <a:p>
-            <a:r>
-              <a:rPr lang="en-US"/>
-              <a:t>Microsoft Dynamics</a:t>
-            </a:r>
-            <a:endParaRPr lang="en-US" dirty="0"/>
+            <a:endParaRPr lang="en-US">
+              <a:solidFill>
+                <a:prstClr val="black"/>
+              </a:solidFill>
+            </a:endParaRPr>
           </a:p>
         </p:txBody>
       </p:sp>
@@ -13294,7 +13364,7 @@
             <a:spLocks noGrp="1"/>
           </p:cNvSpPr>
           <p:nvPr>
-            <p:ph type="dt" sz="quarter" idx="11"/>
+            <p:ph type="dt" idx="11"/>
           </p:nvPr>
         </p:nvSpPr>
         <p:spPr/>
@@ -13302,71 +13372,18 @@
           <a:bodyPr/>
           <a:lstStyle/>
           <a:p>
-            <a:fld id="{20DB872F-B64C-439D-A1E4-4810E695A54F}" type="datetime1">
-              <a:rPr lang="en-US" smtClean="0"/>
-              <a:t>6/22/2021</a:t>
+            <a:fld id="{0ECFDC7D-F4BE-4668-920D-08874925A5D7}" type="datetime8">
+              <a:rPr lang="en-US" smtClean="0">
+                <a:solidFill>
+                  <a:prstClr val="black"/>
+                </a:solidFill>
+              </a:rPr>
+              <a:t>3/16/2022 7:08 PM</a:t>
             </a:fld>
-            <a:endParaRPr lang="en-US" dirty="0"/>
-          </a:p>
-        </p:txBody>
-      </p:sp>
-      <p:sp>
-        <p:nvSpPr>
-          <p:cNvPr id="6" name="Footer Placeholder 5"/>
-          <p:cNvSpPr>
-            <a:spLocks noGrp="1"/>
-          </p:cNvSpPr>
-          <p:nvPr>
-            <p:ph type="ftr" sz="quarter" idx="12"/>
-          </p:nvPr>
-        </p:nvSpPr>
-        <p:spPr/>
-        <p:txBody>
-          <a:bodyPr/>
-          <a:lstStyle/>
-          <a:p>
-            <a:r>
-              <a:rPr lang="en-US" sz="500">
-                <a:solidFill>
-                  <a:srgbClr val="000000"/>
-                </a:solidFill>
-                <a:latin typeface="Segoe UI" pitchFamily="34" charset="0"/>
-              </a:rPr>
-              <a:t>© 2011 Microsoft Corporation. All rights reserved. Microsoft, Windows, Windows Vista and other product names are or may be registered trademarks and/or trademarks in the U.S. and/or other countries.</a:t>
-            </a:r>
-          </a:p>
-          <a:p>
-            <a:r>
-              <a:rPr lang="en-US" sz="500">
-                <a:solidFill>
-                  <a:srgbClr val="000000"/>
-                </a:solidFill>
-                <a:latin typeface="Segoe UI" pitchFamily="34" charset="0"/>
-              </a:rPr>
-              <a:t>The information herein is for informational purposes only and represents the current view of Microsoft Corporation as of the date of this presentation. Because Microsoft must respond to changing market conditions, it should not be interpreted to be a commitment on the part of Microsoft, and Microsoft cannot guarantee the accuracy of any information provided after the date of this presentation.</a:t>
-            </a:r>
-            <a:br>
-              <a:rPr lang="en-US" sz="500">
-                <a:solidFill>
-                  <a:srgbClr val="000000"/>
-                </a:solidFill>
-                <a:latin typeface="Segoe UI" pitchFamily="34" charset="0"/>
-              </a:rPr>
-            </a:br>
-            <a:r>
-              <a:rPr lang="en-US" sz="500">
-                <a:solidFill>
-                  <a:srgbClr val="000000"/>
-                </a:solidFill>
-                <a:latin typeface="Segoe UI" pitchFamily="34" charset="0"/>
-              </a:rPr>
-              <a:t>MICROSOFT MAKES NO WARRANTIES, EXPRESS, IMPLIED OR STATUTORY, AS TO THE INFORMATION IN THIS PRESENTATION.</a:t>
-            </a:r>
-            <a:endParaRPr lang="en-US" sz="500" dirty="0">
+            <a:endParaRPr lang="en-US">
               <a:solidFill>
-                <a:srgbClr val="000000"/>
+                <a:prstClr val="black"/>
               </a:solidFill>
-              <a:latin typeface="Segoe UI" pitchFamily="34" charset="0"/>
             </a:endParaRPr>
           </a:p>
         </p:txBody>
@@ -13386,123 +13403,20 @@
           <a:bodyPr/>
           <a:lstStyle/>
           <a:p>
-            <a:fld id="{8980CB99-47E3-46F4-AAEB-3919FBEFC014}" type="slidenum">
+            <a:fld id="{EC87E0CF-87F6-4B58-B8B8-DCAB2DAAF3CA}" type="slidenum">
               <a:rPr lang="en-US" smtClean="0">
-                <a:latin typeface="Segoe UI" pitchFamily="34" charset="0"/>
+                <a:solidFill>
+                  <a:prstClr val="black"/>
+                </a:solidFill>
               </a:rPr>
               <a:pPr/>
-              <a:t>24</a:t>
+              <a:t>23</a:t>
             </a:fld>
-            <a:endParaRPr lang="en-US" dirty="0">
-              <a:latin typeface="Segoe UI" pitchFamily="34" charset="0"/>
+            <a:endParaRPr lang="en-US">
+              <a:solidFill>
+                <a:prstClr val="black"/>
+              </a:solidFill>
             </a:endParaRPr>
-          </a:p>
-        </p:txBody>
-      </p:sp>
-    </p:spTree>
-    <p:extLst>
-      <p:ext uri="{BB962C8B-B14F-4D97-AF65-F5344CB8AC3E}">
-        <p14:creationId xmlns:p14="http://schemas.microsoft.com/office/powerpoint/2010/main" val="1535834173"/>
-      </p:ext>
-    </p:extLst>
-  </p:cSld>
-  <p:clrMapOvr>
-    <a:masterClrMapping/>
-  </p:clrMapOvr>
-</p:notes>
-</file>
-
-<file path=ppt/notesSlides/notesSlide14.xml><?xml version="1.0" encoding="utf-8"?>
-<p:notes xmlns:a="http://schemas.openxmlformats.org/drawingml/2006/main" xmlns:r="http://schemas.openxmlformats.org/officeDocument/2006/relationships" xmlns:p="http://schemas.openxmlformats.org/presentationml/2006/main">
-  <p:cSld>
-    <p:spTree>
-      <p:nvGrpSpPr>
-        <p:cNvPr id="1" name=""/>
-        <p:cNvGrpSpPr/>
-        <p:nvPr/>
-      </p:nvGrpSpPr>
-      <p:grpSpPr>
-        <a:xfrm>
-          <a:off x="0" y="0"/>
-          <a:ext cx="0" cy="0"/>
-          <a:chOff x="0" y="0"/>
-          <a:chExt cx="0" cy="0"/>
-        </a:xfrm>
-      </p:grpSpPr>
-      <p:sp>
-        <p:nvSpPr>
-          <p:cNvPr id="2" name="Slide Image Placeholder 1"/>
-          <p:cNvSpPr>
-            <a:spLocks noGrp="1" noRot="1" noChangeAspect="1"/>
-          </p:cNvSpPr>
-          <p:nvPr>
-            <p:ph type="sldImg"/>
-          </p:nvPr>
-        </p:nvSpPr>
-        <p:spPr/>
-      </p:sp>
-      <p:sp>
-        <p:nvSpPr>
-          <p:cNvPr id="3" name="Notes Placeholder 2"/>
-          <p:cNvSpPr>
-            <a:spLocks noGrp="1"/>
-          </p:cNvSpPr>
-          <p:nvPr>
-            <p:ph type="body" idx="1"/>
-          </p:nvPr>
-        </p:nvSpPr>
-        <p:spPr/>
-        <p:txBody>
-          <a:bodyPr/>
-          <a:lstStyle/>
-          <a:p>
-            <a:endParaRPr lang="en-US" dirty="0"/>
-          </a:p>
-        </p:txBody>
-      </p:sp>
-      <p:sp>
-        <p:nvSpPr>
-          <p:cNvPr id="4" name="Header Placeholder 3"/>
-          <p:cNvSpPr>
-            <a:spLocks noGrp="1"/>
-          </p:cNvSpPr>
-          <p:nvPr>
-            <p:ph type="hdr" sz="quarter" idx="10"/>
-          </p:nvPr>
-        </p:nvSpPr>
-        <p:spPr/>
-        <p:txBody>
-          <a:bodyPr/>
-          <a:lstStyle/>
-          <a:p>
-            <a:r>
-              <a:rPr lang="en-US"/>
-              <a:t>Microsoft Dynamics</a:t>
-            </a:r>
-            <a:endParaRPr lang="en-US" dirty="0"/>
-          </a:p>
-        </p:txBody>
-      </p:sp>
-      <p:sp>
-        <p:nvSpPr>
-          <p:cNvPr id="5" name="Date Placeholder 4"/>
-          <p:cNvSpPr>
-            <a:spLocks noGrp="1"/>
-          </p:cNvSpPr>
-          <p:nvPr>
-            <p:ph type="dt" sz="quarter" idx="11"/>
-          </p:nvPr>
-        </p:nvSpPr>
-        <p:spPr/>
-        <p:txBody>
-          <a:bodyPr/>
-          <a:lstStyle/>
-          <a:p>
-            <a:fld id="{C3890B81-BA52-420F-8B48-F295A24365AC}" type="datetime1">
-              <a:rPr lang="en-US" smtClean="0"/>
-              <a:t>6/22/2021</a:t>
-            </a:fld>
-            <a:endParaRPr lang="en-US" dirty="0"/>
           </a:p>
         </p:txBody>
       </p:sp>
@@ -13513,179 +13427,7 @@
             <a:spLocks noGrp="1"/>
           </p:cNvSpPr>
           <p:nvPr>
-            <p:ph type="ftr" sz="quarter" idx="12"/>
-          </p:nvPr>
-        </p:nvSpPr>
-        <p:spPr/>
-        <p:txBody>
-          <a:bodyPr/>
-          <a:lstStyle/>
-          <a:p>
-            <a:r>
-              <a:rPr lang="en-US" sz="500">
-                <a:solidFill>
-                  <a:srgbClr val="000000"/>
-                </a:solidFill>
-                <a:latin typeface="Segoe UI" pitchFamily="34" charset="0"/>
-              </a:rPr>
-              <a:t>© 2011 Microsoft Corporation. All rights reserved. Microsoft, Windows, Windows Vista and other product names are or may be registered trademarks and/or trademarks in the U.S. and/or other countries.</a:t>
-            </a:r>
-          </a:p>
-          <a:p>
-            <a:r>
-              <a:rPr lang="en-US" sz="500">
-                <a:solidFill>
-                  <a:srgbClr val="000000"/>
-                </a:solidFill>
-                <a:latin typeface="Segoe UI" pitchFamily="34" charset="0"/>
-              </a:rPr>
-              <a:t>The information herein is for informational purposes only and represents the current view of Microsoft Corporation as of the date of this presentation. Because Microsoft must respond to changing market conditions, it should not be interpreted to be a commitment on the part of Microsoft, and Microsoft cannot guarantee the accuracy of any information provided after the date of this presentation.</a:t>
-            </a:r>
-            <a:br>
-              <a:rPr lang="en-US" sz="500">
-                <a:solidFill>
-                  <a:srgbClr val="000000"/>
-                </a:solidFill>
-                <a:latin typeface="Segoe UI" pitchFamily="34" charset="0"/>
-              </a:rPr>
-            </a:br>
-            <a:r>
-              <a:rPr lang="en-US" sz="500">
-                <a:solidFill>
-                  <a:srgbClr val="000000"/>
-                </a:solidFill>
-                <a:latin typeface="Segoe UI" pitchFamily="34" charset="0"/>
-              </a:rPr>
-              <a:t>MICROSOFT MAKES NO WARRANTIES, EXPRESS, IMPLIED OR STATUTORY, AS TO THE INFORMATION IN THIS PRESENTATION.</a:t>
-            </a:r>
-            <a:endParaRPr lang="en-US" sz="500" dirty="0">
-              <a:solidFill>
-                <a:srgbClr val="000000"/>
-              </a:solidFill>
-              <a:latin typeface="Segoe UI" pitchFamily="34" charset="0"/>
-            </a:endParaRPr>
-          </a:p>
-        </p:txBody>
-      </p:sp>
-      <p:sp>
-        <p:nvSpPr>
-          <p:cNvPr id="7" name="Slide Number Placeholder 6"/>
-          <p:cNvSpPr>
-            <a:spLocks noGrp="1"/>
-          </p:cNvSpPr>
-          <p:nvPr>
-            <p:ph type="sldNum" sz="quarter" idx="13"/>
-          </p:nvPr>
-        </p:nvSpPr>
-        <p:spPr/>
-        <p:txBody>
-          <a:bodyPr/>
-          <a:lstStyle/>
-          <a:p>
-            <a:fld id="{8980CB99-47E3-46F4-AAEB-3919FBEFC014}" type="slidenum">
-              <a:rPr lang="en-US" smtClean="0">
-                <a:latin typeface="Segoe UI" pitchFamily="34" charset="0"/>
-              </a:rPr>
-              <a:pPr/>
-              <a:t>25</a:t>
-            </a:fld>
-            <a:endParaRPr lang="en-US" dirty="0">
-              <a:latin typeface="Segoe UI" pitchFamily="34" charset="0"/>
-            </a:endParaRPr>
-          </a:p>
-        </p:txBody>
-      </p:sp>
-    </p:spTree>
-    <p:extLst>
-      <p:ext uri="{BB962C8B-B14F-4D97-AF65-F5344CB8AC3E}">
-        <p14:creationId xmlns:p14="http://schemas.microsoft.com/office/powerpoint/2010/main" val="2878602795"/>
-      </p:ext>
-    </p:extLst>
-  </p:cSld>
-  <p:clrMapOvr>
-    <a:masterClrMapping/>
-  </p:clrMapOvr>
-</p:notes>
-</file>
-
-<file path=ppt/notesSlides/notesSlide15.xml><?xml version="1.0" encoding="utf-8"?>
-<p:notes xmlns:a="http://schemas.openxmlformats.org/drawingml/2006/main" xmlns:r="http://schemas.openxmlformats.org/officeDocument/2006/relationships" xmlns:p="http://schemas.openxmlformats.org/presentationml/2006/main">
-  <p:cSld>
-    <p:spTree>
-      <p:nvGrpSpPr>
-        <p:cNvPr id="1" name=""/>
-        <p:cNvGrpSpPr/>
-        <p:nvPr/>
-      </p:nvGrpSpPr>
-      <p:grpSpPr>
-        <a:xfrm>
-          <a:off x="0" y="0"/>
-          <a:ext cx="0" cy="0"/>
-          <a:chOff x="0" y="0"/>
-          <a:chExt cx="0" cy="0"/>
-        </a:xfrm>
-      </p:grpSpPr>
-      <p:sp>
-        <p:nvSpPr>
-          <p:cNvPr id="2" name="Slide Image Placeholder 1"/>
-          <p:cNvSpPr>
-            <a:spLocks noGrp="1" noRot="1" noChangeAspect="1"/>
-          </p:cNvSpPr>
-          <p:nvPr>
-            <p:ph type="sldImg"/>
-          </p:nvPr>
-        </p:nvSpPr>
-        <p:spPr/>
-      </p:sp>
-      <p:sp>
-        <p:nvSpPr>
-          <p:cNvPr id="3" name="Notes Placeholder 2"/>
-          <p:cNvSpPr>
-            <a:spLocks noGrp="1"/>
-          </p:cNvSpPr>
-          <p:nvPr>
-            <p:ph type="body" idx="1"/>
-          </p:nvPr>
-        </p:nvSpPr>
-        <p:spPr/>
-        <p:txBody>
-          <a:bodyPr/>
-          <a:lstStyle/>
-          <a:p>
-            <a:r>
-              <a:rPr lang="en-US" dirty="0"/>
-              <a:t>Trainer- the next set of slides should act as a large group exercise that you lead, the notes are for you to use in answering students’ questions.</a:t>
-            </a:r>
-          </a:p>
-        </p:txBody>
-      </p:sp>
-      <p:sp>
-        <p:nvSpPr>
-          <p:cNvPr id="4" name="Header Placeholder 3"/>
-          <p:cNvSpPr>
-            <a:spLocks noGrp="1"/>
-          </p:cNvSpPr>
-          <p:nvPr>
-            <p:ph type="hdr" sz="quarter"/>
-          </p:nvPr>
-        </p:nvSpPr>
-        <p:spPr/>
-        <p:txBody>
-          <a:bodyPr/>
-          <a:lstStyle/>
-          <a:p>
-            <a:endParaRPr lang="en-US"/>
-          </a:p>
-        </p:txBody>
-      </p:sp>
-      <p:sp>
-        <p:nvSpPr>
-          <p:cNvPr id="5" name="Footer Placeholder 4"/>
-          <p:cNvSpPr>
-            <a:spLocks noGrp="1"/>
-          </p:cNvSpPr>
-          <p:nvPr>
-            <p:ph type="ftr" sz="quarter" idx="4"/>
+            <p:ph type="ftr" sz="quarter" idx="14"/>
           </p:nvPr>
         </p:nvSpPr>
         <p:spPr/>
@@ -13716,1061 +13458,10 @@
           </a:p>
         </p:txBody>
       </p:sp>
-      <p:sp>
-        <p:nvSpPr>
-          <p:cNvPr id="6" name="Date Placeholder 5"/>
-          <p:cNvSpPr>
-            <a:spLocks noGrp="1"/>
-          </p:cNvSpPr>
-          <p:nvPr>
-            <p:ph type="dt" idx="1"/>
-          </p:nvPr>
-        </p:nvSpPr>
-        <p:spPr/>
-        <p:txBody>
-          <a:bodyPr/>
-          <a:lstStyle/>
-          <a:p>
-            <a:fld id="{386CE63F-9E7F-4C04-9D0D-FCA25A8E9E86}" type="datetime8">
-              <a:rPr lang="en-US" smtClean="0"/>
-              <a:t>6/22/2021 3:40 PM</a:t>
-            </a:fld>
-            <a:endParaRPr lang="en-US"/>
-          </a:p>
-        </p:txBody>
-      </p:sp>
-      <p:sp>
-        <p:nvSpPr>
-          <p:cNvPr id="7" name="Slide Number Placeholder 6"/>
-          <p:cNvSpPr>
-            <a:spLocks noGrp="1"/>
-          </p:cNvSpPr>
-          <p:nvPr>
-            <p:ph type="sldNum" sz="quarter" idx="5"/>
-          </p:nvPr>
-        </p:nvSpPr>
-        <p:spPr/>
-        <p:txBody>
-          <a:bodyPr/>
-          <a:lstStyle/>
-          <a:p>
-            <a:fld id="{B4008EB6-D09E-4580-8CD6-DDB14511944F}" type="slidenum">
-              <a:rPr lang="en-US" smtClean="0"/>
-              <a:pPr/>
-              <a:t>28</a:t>
-            </a:fld>
-            <a:endParaRPr lang="en-US"/>
-          </a:p>
-        </p:txBody>
-      </p:sp>
     </p:spTree>
     <p:extLst>
       <p:ext uri="{BB962C8B-B14F-4D97-AF65-F5344CB8AC3E}">
-        <p14:creationId xmlns:p14="http://schemas.microsoft.com/office/powerpoint/2010/main" val="3287856966"/>
-      </p:ext>
-    </p:extLst>
-  </p:cSld>
-  <p:clrMapOvr>
-    <a:masterClrMapping/>
-  </p:clrMapOvr>
-</p:notes>
-</file>
-
-<file path=ppt/notesSlides/notesSlide16.xml><?xml version="1.0" encoding="utf-8"?>
-<p:notes xmlns:a="http://schemas.openxmlformats.org/drawingml/2006/main" xmlns:r="http://schemas.openxmlformats.org/officeDocument/2006/relationships" xmlns:p="http://schemas.openxmlformats.org/presentationml/2006/main">
-  <p:cSld>
-    <p:spTree>
-      <p:nvGrpSpPr>
-        <p:cNvPr id="1" name=""/>
-        <p:cNvGrpSpPr/>
-        <p:nvPr/>
-      </p:nvGrpSpPr>
-      <p:grpSpPr>
-        <a:xfrm>
-          <a:off x="0" y="0"/>
-          <a:ext cx="0" cy="0"/>
-          <a:chOff x="0" y="0"/>
-          <a:chExt cx="0" cy="0"/>
-        </a:xfrm>
-      </p:grpSpPr>
-      <p:sp>
-        <p:nvSpPr>
-          <p:cNvPr id="2" name="Slide Image Placeholder 1"/>
-          <p:cNvSpPr>
-            <a:spLocks noGrp="1" noRot="1" noChangeAspect="1"/>
-          </p:cNvSpPr>
-          <p:nvPr>
-            <p:ph type="sldImg"/>
-          </p:nvPr>
-        </p:nvSpPr>
-        <p:spPr/>
-      </p:sp>
-      <p:sp>
-        <p:nvSpPr>
-          <p:cNvPr id="3" name="Notes Placeholder 2"/>
-          <p:cNvSpPr>
-            <a:spLocks noGrp="1"/>
-          </p:cNvSpPr>
-          <p:nvPr>
-            <p:ph type="body" idx="1"/>
-          </p:nvPr>
-        </p:nvSpPr>
-        <p:spPr/>
-        <p:txBody>
-          <a:bodyPr/>
-          <a:lstStyle/>
-          <a:p>
-            <a:r>
-              <a:rPr lang="en-US" dirty="0"/>
-              <a:t>Instructor notes:</a:t>
-            </a:r>
-          </a:p>
-          <a:p>
-            <a:pPr marL="171450" indent="-171450">
-              <a:buFont typeface="Wingdings" panose="05000000000000000000" pitchFamily="2" charset="2"/>
-              <a:buChar char="§"/>
-            </a:pPr>
-            <a:r>
-              <a:rPr lang="en-US" dirty="0"/>
-              <a:t>There are currently 555,000 properties on the data</a:t>
-            </a:r>
-          </a:p>
-          <a:p>
-            <a:pPr marL="171450" indent="-171450">
-              <a:buFont typeface="Wingdings" panose="05000000000000000000" pitchFamily="2" charset="2"/>
-              <a:buChar char="§"/>
-            </a:pPr>
-            <a:r>
-              <a:rPr lang="en-US" dirty="0"/>
-              <a:t>Approximately 1K records are changed or new each week </a:t>
-            </a:r>
-          </a:p>
-          <a:p>
-            <a:pPr marL="171450" indent="-171450">
-              <a:buFont typeface="Wingdings" panose="05000000000000000000" pitchFamily="2" charset="2"/>
-              <a:buChar char="§"/>
-            </a:pPr>
-            <a:r>
-              <a:rPr lang="en-US" dirty="0"/>
-              <a:t>They provide an updated file once a week</a:t>
-            </a:r>
-          </a:p>
-          <a:p>
-            <a:pPr marL="171450" indent="-171450">
-              <a:buFont typeface="Wingdings" panose="05000000000000000000" pitchFamily="2" charset="2"/>
-              <a:buChar char="§"/>
-            </a:pPr>
-            <a:r>
-              <a:rPr lang="en-US" dirty="0"/>
-              <a:t>The file is in JSON format and can be downloaded for a provided URL</a:t>
-            </a:r>
-          </a:p>
-          <a:p>
-            <a:pPr marL="171450" indent="-171450">
-              <a:buFont typeface="Wingdings" panose="05000000000000000000" pitchFamily="2" charset="2"/>
-              <a:buChar char="§"/>
-            </a:pPr>
-            <a:r>
-              <a:rPr lang="en-US" dirty="0"/>
-              <a:t>Each property is identified by a County and Parcel ID in that county this is a unique key</a:t>
-            </a:r>
-          </a:p>
-          <a:p>
-            <a:pPr marL="171450" indent="-171450">
-              <a:buFont typeface="Wingdings" panose="05000000000000000000" pitchFamily="2" charset="2"/>
-              <a:buChar char="§"/>
-            </a:pPr>
-            <a:r>
-              <a:rPr lang="en-US" dirty="0"/>
-              <a:t>There are 20 columns in the data</a:t>
-            </a:r>
-          </a:p>
-          <a:p>
-            <a:endParaRPr lang="en-US" dirty="0"/>
-          </a:p>
-          <a:p>
-            <a:endParaRPr lang="en-US" dirty="0"/>
-          </a:p>
-        </p:txBody>
-      </p:sp>
-      <p:sp>
-        <p:nvSpPr>
-          <p:cNvPr id="4" name="Header Placeholder 3"/>
-          <p:cNvSpPr>
-            <a:spLocks noGrp="1"/>
-          </p:cNvSpPr>
-          <p:nvPr>
-            <p:ph type="hdr" sz="quarter"/>
-          </p:nvPr>
-        </p:nvSpPr>
-        <p:spPr/>
-        <p:txBody>
-          <a:bodyPr/>
-          <a:lstStyle/>
-          <a:p>
-            <a:endParaRPr lang="en-US"/>
-          </a:p>
-        </p:txBody>
-      </p:sp>
-      <p:sp>
-        <p:nvSpPr>
-          <p:cNvPr id="5" name="Footer Placeholder 4"/>
-          <p:cNvSpPr>
-            <a:spLocks noGrp="1"/>
-          </p:cNvSpPr>
-          <p:nvPr>
-            <p:ph type="ftr" sz="quarter" idx="4"/>
-          </p:nvPr>
-        </p:nvSpPr>
-        <p:spPr/>
-        <p:txBody>
-          <a:bodyPr/>
-          <a:lstStyle/>
-          <a:p>
-            <a:pPr defTabSz="914099" eaLnBrk="0" hangingPunct="0"/>
-            <a:r>
-              <a:rPr lang="en-US" sz="400">
-                <a:gradFill>
-                  <a:gsLst>
-                    <a:gs pos="0">
-                      <a:prstClr val="black"/>
-                    </a:gs>
-                    <a:gs pos="100000">
-                      <a:prstClr val="black"/>
-                    </a:gs>
-                  </a:gsLst>
-                  <a:lin ang="5400000" scaled="0"/>
-                </a:gradFill>
-                <a:latin typeface="Segoe UI" pitchFamily="34" charset="0"/>
-                <a:ea typeface="Segoe UI" pitchFamily="34" charset="0"/>
-                <a:cs typeface="Segoe UI" pitchFamily="34" charset="0"/>
-              </a:rPr>
-              <a:t>© Microsoft Corporation. All rights reserved. MICROSOFT MAKES NO WARRANTIES, EXPRESS, IMPLIED OR STATUTORY, AS TO THE INFORMATION IN THIS PRESENTATION.</a:t>
-            </a:r>
-          </a:p>
-        </p:txBody>
-      </p:sp>
-      <p:sp>
-        <p:nvSpPr>
-          <p:cNvPr id="6" name="Date Placeholder 5"/>
-          <p:cNvSpPr>
-            <a:spLocks noGrp="1"/>
-          </p:cNvSpPr>
-          <p:nvPr>
-            <p:ph type="dt" idx="1"/>
-          </p:nvPr>
-        </p:nvSpPr>
-        <p:spPr/>
-        <p:txBody>
-          <a:bodyPr/>
-          <a:lstStyle/>
-          <a:p>
-            <a:fld id="{386CE63F-9E7F-4C04-9D0D-FCA25A8E9E86}" type="datetime8">
-              <a:rPr lang="en-US" smtClean="0"/>
-              <a:t>6/22/2021 3:40 PM</a:t>
-            </a:fld>
-            <a:endParaRPr lang="en-US"/>
-          </a:p>
-        </p:txBody>
-      </p:sp>
-      <p:sp>
-        <p:nvSpPr>
-          <p:cNvPr id="7" name="Slide Number Placeholder 6"/>
-          <p:cNvSpPr>
-            <a:spLocks noGrp="1"/>
-          </p:cNvSpPr>
-          <p:nvPr>
-            <p:ph type="sldNum" sz="quarter" idx="5"/>
-          </p:nvPr>
-        </p:nvSpPr>
-        <p:spPr/>
-        <p:txBody>
-          <a:bodyPr/>
-          <a:lstStyle/>
-          <a:p>
-            <a:fld id="{B4008EB6-D09E-4580-8CD6-DDB14511944F}" type="slidenum">
-              <a:rPr lang="en-US" smtClean="0"/>
-              <a:pPr/>
-              <a:t>29</a:t>
-            </a:fld>
-            <a:endParaRPr lang="en-US"/>
-          </a:p>
-        </p:txBody>
-      </p:sp>
-    </p:spTree>
-    <p:extLst>
-      <p:ext uri="{BB962C8B-B14F-4D97-AF65-F5344CB8AC3E}">
-        <p14:creationId xmlns:p14="http://schemas.microsoft.com/office/powerpoint/2010/main" val="2646906116"/>
-      </p:ext>
-    </p:extLst>
-  </p:cSld>
-  <p:clrMapOvr>
-    <a:masterClrMapping/>
-  </p:clrMapOvr>
-</p:notes>
-</file>
-
-<file path=ppt/notesSlides/notesSlide17.xml><?xml version="1.0" encoding="utf-8"?>
-<p:notes xmlns:a="http://schemas.openxmlformats.org/drawingml/2006/main" xmlns:r="http://schemas.openxmlformats.org/officeDocument/2006/relationships" xmlns:p="http://schemas.openxmlformats.org/presentationml/2006/main">
-  <p:cSld>
-    <p:spTree>
-      <p:nvGrpSpPr>
-        <p:cNvPr id="1" name=""/>
-        <p:cNvGrpSpPr/>
-        <p:nvPr/>
-      </p:nvGrpSpPr>
-      <p:grpSpPr>
-        <a:xfrm>
-          <a:off x="0" y="0"/>
-          <a:ext cx="0" cy="0"/>
-          <a:chOff x="0" y="0"/>
-          <a:chExt cx="0" cy="0"/>
-        </a:xfrm>
-      </p:grpSpPr>
-      <p:sp>
-        <p:nvSpPr>
-          <p:cNvPr id="2" name="Slide Image Placeholder 1"/>
-          <p:cNvSpPr>
-            <a:spLocks noGrp="1" noRot="1" noChangeAspect="1"/>
-          </p:cNvSpPr>
-          <p:nvPr>
-            <p:ph type="sldImg"/>
-          </p:nvPr>
-        </p:nvSpPr>
-        <p:spPr/>
-      </p:sp>
-      <p:sp>
-        <p:nvSpPr>
-          <p:cNvPr id="3" name="Notes Placeholder 2"/>
-          <p:cNvSpPr>
-            <a:spLocks noGrp="1"/>
-          </p:cNvSpPr>
-          <p:nvPr>
-            <p:ph type="body" idx="1"/>
-          </p:nvPr>
-        </p:nvSpPr>
-        <p:spPr/>
-        <p:txBody>
-          <a:bodyPr/>
-          <a:lstStyle/>
-          <a:p>
-            <a:r>
-              <a:rPr lang="en-US" dirty="0"/>
-              <a:t>Instructor notes:</a:t>
-            </a:r>
-          </a:p>
-          <a:p>
-            <a:pPr marL="171450" indent="-171450">
-              <a:buFont typeface="Wingdings" panose="05000000000000000000" pitchFamily="2" charset="2"/>
-              <a:buChar char="§"/>
-            </a:pPr>
-            <a:r>
-              <a:rPr lang="en-US" dirty="0"/>
-              <a:t>The data can only be stored locally for 24 hours</a:t>
-            </a:r>
-          </a:p>
-          <a:p>
-            <a:pPr marL="171450" indent="-171450">
-              <a:buFont typeface="Wingdings" panose="05000000000000000000" pitchFamily="2" charset="2"/>
-              <a:buChar char="§"/>
-            </a:pPr>
-            <a:r>
-              <a:rPr lang="en-US" dirty="0"/>
-              <a:t>They provide a REST API using </a:t>
-            </a:r>
-            <a:r>
-              <a:rPr lang="en-US" dirty="0" err="1"/>
-              <a:t>oAuth</a:t>
-            </a:r>
-            <a:r>
-              <a:rPr lang="en-US" dirty="0"/>
-              <a:t> to access the data</a:t>
-            </a:r>
-          </a:p>
-          <a:p>
-            <a:pPr marL="171450" indent="-171450">
-              <a:buFont typeface="Wingdings" panose="05000000000000000000" pitchFamily="2" charset="2"/>
-              <a:buChar char="§"/>
-            </a:pPr>
-            <a:r>
-              <a:rPr lang="en-US" dirty="0"/>
-              <a:t>They have downtime each weekend for 2 hours</a:t>
-            </a:r>
-          </a:p>
-          <a:p>
-            <a:pPr marL="171450" indent="-171450">
-              <a:buFont typeface="Wingdings" panose="05000000000000000000" pitchFamily="2" charset="2"/>
-              <a:buChar char="§"/>
-            </a:pPr>
-            <a:r>
-              <a:rPr lang="en-US" dirty="0"/>
-              <a:t>App is a model-driven application</a:t>
-            </a:r>
-          </a:p>
-          <a:p>
-            <a:pPr marL="171450" indent="-171450">
-              <a:buFont typeface="Wingdings" panose="05000000000000000000" pitchFamily="2" charset="2"/>
-              <a:buChar char="§"/>
-            </a:pPr>
-            <a:r>
-              <a:rPr lang="en-US" dirty="0"/>
-              <a:t>Data is updated all the time</a:t>
-            </a:r>
-          </a:p>
-          <a:p>
-            <a:pPr marL="171450" indent="-171450">
-              <a:buFont typeface="Wingdings" panose="05000000000000000000" pitchFamily="2" charset="2"/>
-              <a:buChar char="§"/>
-            </a:pPr>
-            <a:endParaRPr lang="en-US" dirty="0"/>
-          </a:p>
-          <a:p>
-            <a:pPr marL="171450" indent="-171450">
-              <a:buFont typeface="Wingdings" panose="05000000000000000000" pitchFamily="2" charset="2"/>
-              <a:buChar char="§"/>
-            </a:pPr>
-            <a:endParaRPr lang="en-US" dirty="0"/>
-          </a:p>
-          <a:p>
-            <a:pPr marL="171450" indent="-171450">
-              <a:buFont typeface="Wingdings" panose="05000000000000000000" pitchFamily="2" charset="2"/>
-              <a:buChar char="§"/>
-            </a:pPr>
-            <a:r>
-              <a:rPr lang="en-US" dirty="0"/>
-              <a:t>Answer is Custom Connector with Embedded Canvas Apps</a:t>
-            </a:r>
-          </a:p>
-        </p:txBody>
-      </p:sp>
-      <p:sp>
-        <p:nvSpPr>
-          <p:cNvPr id="4" name="Header Placeholder 3"/>
-          <p:cNvSpPr>
-            <a:spLocks noGrp="1"/>
-          </p:cNvSpPr>
-          <p:nvPr>
-            <p:ph type="hdr" sz="quarter"/>
-          </p:nvPr>
-        </p:nvSpPr>
-        <p:spPr/>
-        <p:txBody>
-          <a:bodyPr/>
-          <a:lstStyle/>
-          <a:p>
-            <a:endParaRPr lang="en-US"/>
-          </a:p>
-        </p:txBody>
-      </p:sp>
-      <p:sp>
-        <p:nvSpPr>
-          <p:cNvPr id="5" name="Footer Placeholder 4"/>
-          <p:cNvSpPr>
-            <a:spLocks noGrp="1"/>
-          </p:cNvSpPr>
-          <p:nvPr>
-            <p:ph type="ftr" sz="quarter" idx="4"/>
-          </p:nvPr>
-        </p:nvSpPr>
-        <p:spPr/>
-        <p:txBody>
-          <a:bodyPr/>
-          <a:lstStyle/>
-          <a:p>
-            <a:pPr defTabSz="914099" eaLnBrk="0" hangingPunct="0"/>
-            <a:r>
-              <a:rPr lang="en-US" sz="400">
-                <a:gradFill>
-                  <a:gsLst>
-                    <a:gs pos="0">
-                      <a:prstClr val="black"/>
-                    </a:gs>
-                    <a:gs pos="100000">
-                      <a:prstClr val="black"/>
-                    </a:gs>
-                  </a:gsLst>
-                  <a:lin ang="5400000" scaled="0"/>
-                </a:gradFill>
-                <a:latin typeface="Segoe UI" pitchFamily="34" charset="0"/>
-                <a:ea typeface="Segoe UI" pitchFamily="34" charset="0"/>
-                <a:cs typeface="Segoe UI" pitchFamily="34" charset="0"/>
-              </a:rPr>
-              <a:t>© Microsoft Corporation. All rights reserved. MICROSOFT MAKES NO WARRANTIES, EXPRESS, IMPLIED OR STATUTORY, AS TO THE INFORMATION IN THIS PRESENTATION.</a:t>
-            </a:r>
-          </a:p>
-        </p:txBody>
-      </p:sp>
-      <p:sp>
-        <p:nvSpPr>
-          <p:cNvPr id="6" name="Date Placeholder 5"/>
-          <p:cNvSpPr>
-            <a:spLocks noGrp="1"/>
-          </p:cNvSpPr>
-          <p:nvPr>
-            <p:ph type="dt" idx="1"/>
-          </p:nvPr>
-        </p:nvSpPr>
-        <p:spPr/>
-        <p:txBody>
-          <a:bodyPr/>
-          <a:lstStyle/>
-          <a:p>
-            <a:fld id="{386CE63F-9E7F-4C04-9D0D-FCA25A8E9E86}" type="datetime8">
-              <a:rPr lang="en-US" smtClean="0"/>
-              <a:t>6/22/2021 3:40 PM</a:t>
-            </a:fld>
-            <a:endParaRPr lang="en-US"/>
-          </a:p>
-        </p:txBody>
-      </p:sp>
-      <p:sp>
-        <p:nvSpPr>
-          <p:cNvPr id="7" name="Slide Number Placeholder 6"/>
-          <p:cNvSpPr>
-            <a:spLocks noGrp="1"/>
-          </p:cNvSpPr>
-          <p:nvPr>
-            <p:ph type="sldNum" sz="quarter" idx="5"/>
-          </p:nvPr>
-        </p:nvSpPr>
-        <p:spPr/>
-        <p:txBody>
-          <a:bodyPr/>
-          <a:lstStyle/>
-          <a:p>
-            <a:fld id="{B4008EB6-D09E-4580-8CD6-DDB14511944F}" type="slidenum">
-              <a:rPr lang="en-US" smtClean="0"/>
-              <a:pPr/>
-              <a:t>30</a:t>
-            </a:fld>
-            <a:endParaRPr lang="en-US"/>
-          </a:p>
-        </p:txBody>
-      </p:sp>
-    </p:spTree>
-    <p:extLst>
-      <p:ext uri="{BB962C8B-B14F-4D97-AF65-F5344CB8AC3E}">
-        <p14:creationId xmlns:p14="http://schemas.microsoft.com/office/powerpoint/2010/main" val="2707216898"/>
-      </p:ext>
-    </p:extLst>
-  </p:cSld>
-  <p:clrMapOvr>
-    <a:masterClrMapping/>
-  </p:clrMapOvr>
-</p:notes>
-</file>
-
-<file path=ppt/notesSlides/notesSlide18.xml><?xml version="1.0" encoding="utf-8"?>
-<p:notes xmlns:a="http://schemas.openxmlformats.org/drawingml/2006/main" xmlns:r="http://schemas.openxmlformats.org/officeDocument/2006/relationships" xmlns:p="http://schemas.openxmlformats.org/presentationml/2006/main">
-  <p:cSld>
-    <p:spTree>
-      <p:nvGrpSpPr>
-        <p:cNvPr id="1" name=""/>
-        <p:cNvGrpSpPr/>
-        <p:nvPr/>
-      </p:nvGrpSpPr>
-      <p:grpSpPr>
-        <a:xfrm>
-          <a:off x="0" y="0"/>
-          <a:ext cx="0" cy="0"/>
-          <a:chOff x="0" y="0"/>
-          <a:chExt cx="0" cy="0"/>
-        </a:xfrm>
-      </p:grpSpPr>
-      <p:sp>
-        <p:nvSpPr>
-          <p:cNvPr id="2" name="Slide Image Placeholder 1"/>
-          <p:cNvSpPr>
-            <a:spLocks noGrp="1" noRot="1" noChangeAspect="1"/>
-          </p:cNvSpPr>
-          <p:nvPr>
-            <p:ph type="sldImg"/>
-          </p:nvPr>
-        </p:nvSpPr>
-        <p:spPr/>
-      </p:sp>
-      <p:sp>
-        <p:nvSpPr>
-          <p:cNvPr id="3" name="Notes Placeholder 2"/>
-          <p:cNvSpPr>
-            <a:spLocks noGrp="1"/>
-          </p:cNvSpPr>
-          <p:nvPr>
-            <p:ph type="body" idx="1"/>
-          </p:nvPr>
-        </p:nvSpPr>
-        <p:spPr/>
-        <p:txBody>
-          <a:bodyPr/>
-          <a:lstStyle/>
-          <a:p>
-            <a:r>
-              <a:rPr lang="en-US" dirty="0"/>
-              <a:t>Instructor notes:</a:t>
-            </a:r>
-          </a:p>
-          <a:p>
-            <a:pPr marL="171450" indent="-171450">
-              <a:buFont typeface="Wingdings" panose="05000000000000000000" pitchFamily="2" charset="2"/>
-              <a:buChar char="§"/>
-            </a:pPr>
-            <a:r>
-              <a:rPr lang="en-US" dirty="0"/>
-              <a:t>The 3</a:t>
-            </a:r>
-            <a:r>
-              <a:rPr lang="en-US" baseline="30000" dirty="0"/>
-              <a:t>rd</a:t>
-            </a:r>
-            <a:r>
-              <a:rPr lang="en-US" dirty="0"/>
-              <a:t> party has provided a JSON schema for the data they need</a:t>
-            </a:r>
-          </a:p>
-          <a:p>
-            <a:pPr marL="171450" indent="-171450">
-              <a:buFont typeface="Wingdings" panose="05000000000000000000" pitchFamily="2" charset="2"/>
-              <a:buChar char="§"/>
-            </a:pPr>
-            <a:r>
-              <a:rPr lang="en-US" dirty="0"/>
-              <a:t>The 3</a:t>
-            </a:r>
-            <a:r>
-              <a:rPr lang="en-US" baseline="30000" dirty="0"/>
-              <a:t>rd</a:t>
-            </a:r>
-            <a:r>
-              <a:rPr lang="en-US" dirty="0"/>
-              <a:t> party has provided a webhook </a:t>
-            </a:r>
-            <a:r>
-              <a:rPr lang="en-US" dirty="0" err="1"/>
-              <a:t>url</a:t>
-            </a:r>
-            <a:r>
-              <a:rPr lang="en-US" dirty="0"/>
-              <a:t> to post the data to</a:t>
-            </a:r>
-          </a:p>
-          <a:p>
-            <a:pPr marL="171450" indent="-171450">
-              <a:buFont typeface="Wingdings" panose="05000000000000000000" pitchFamily="2" charset="2"/>
-              <a:buChar char="§"/>
-            </a:pPr>
-            <a:endParaRPr lang="en-US" dirty="0"/>
-          </a:p>
-          <a:p>
-            <a:pPr marL="171450" indent="-171450">
-              <a:buFont typeface="Wingdings" panose="05000000000000000000" pitchFamily="2" charset="2"/>
-              <a:buChar char="§"/>
-            </a:pPr>
-            <a:endParaRPr lang="en-US" dirty="0"/>
-          </a:p>
-          <a:p>
-            <a:pPr marL="171450" indent="-171450">
-              <a:buFont typeface="Wingdings" panose="05000000000000000000" pitchFamily="2" charset="2"/>
-              <a:buChar char="§"/>
-            </a:pPr>
-            <a:r>
-              <a:rPr lang="en-US" dirty="0"/>
-              <a:t>Possible Options</a:t>
-            </a:r>
-          </a:p>
-          <a:p>
-            <a:pPr marL="384432" lvl="1" indent="-171450">
-              <a:buFont typeface="Wingdings" panose="05000000000000000000" pitchFamily="2" charset="2"/>
-              <a:buChar char="§"/>
-            </a:pPr>
-            <a:r>
-              <a:rPr lang="en-US" dirty="0"/>
-              <a:t>Power Automate trigger on create/update use HTTP  to post to webhook</a:t>
-            </a:r>
-          </a:p>
-          <a:p>
-            <a:pPr marL="384432" lvl="1" indent="-171450">
-              <a:buFont typeface="Wingdings" panose="05000000000000000000" pitchFamily="2" charset="2"/>
-              <a:buChar char="§"/>
-            </a:pPr>
-            <a:r>
-              <a:rPr lang="en-US" dirty="0"/>
-              <a:t>Publish to Azure Service Bus Queue , Azure Function that publishes to webhook in proper format</a:t>
-            </a:r>
-          </a:p>
-          <a:p>
-            <a:pPr marL="171450" indent="-171450">
-              <a:buFont typeface="Wingdings" panose="05000000000000000000" pitchFamily="2" charset="2"/>
-              <a:buChar char="§"/>
-            </a:pPr>
-            <a:endParaRPr lang="en-US" dirty="0"/>
-          </a:p>
-          <a:p>
-            <a:pPr marL="171450" indent="-171450">
-              <a:buFont typeface="Wingdings" panose="05000000000000000000" pitchFamily="2" charset="2"/>
-              <a:buChar char="§"/>
-            </a:pPr>
-            <a:endParaRPr lang="en-US" dirty="0"/>
-          </a:p>
-          <a:p>
-            <a:endParaRPr lang="en-US" dirty="0"/>
-          </a:p>
-        </p:txBody>
-      </p:sp>
-      <p:sp>
-        <p:nvSpPr>
-          <p:cNvPr id="4" name="Header Placeholder 3"/>
-          <p:cNvSpPr>
-            <a:spLocks noGrp="1"/>
-          </p:cNvSpPr>
-          <p:nvPr>
-            <p:ph type="hdr" sz="quarter"/>
-          </p:nvPr>
-        </p:nvSpPr>
-        <p:spPr/>
-        <p:txBody>
-          <a:bodyPr/>
-          <a:lstStyle/>
-          <a:p>
-            <a:endParaRPr lang="en-US"/>
-          </a:p>
-        </p:txBody>
-      </p:sp>
-      <p:sp>
-        <p:nvSpPr>
-          <p:cNvPr id="5" name="Footer Placeholder 4"/>
-          <p:cNvSpPr>
-            <a:spLocks noGrp="1"/>
-          </p:cNvSpPr>
-          <p:nvPr>
-            <p:ph type="ftr" sz="quarter" idx="4"/>
-          </p:nvPr>
-        </p:nvSpPr>
-        <p:spPr/>
-        <p:txBody>
-          <a:bodyPr/>
-          <a:lstStyle/>
-          <a:p>
-            <a:pPr defTabSz="914099" eaLnBrk="0" hangingPunct="0"/>
-            <a:r>
-              <a:rPr lang="en-US" sz="400">
-                <a:gradFill>
-                  <a:gsLst>
-                    <a:gs pos="0">
-                      <a:prstClr val="black"/>
-                    </a:gs>
-                    <a:gs pos="100000">
-                      <a:prstClr val="black"/>
-                    </a:gs>
-                  </a:gsLst>
-                  <a:lin ang="5400000" scaled="0"/>
-                </a:gradFill>
-                <a:latin typeface="Segoe UI" pitchFamily="34" charset="0"/>
-                <a:ea typeface="Segoe UI" pitchFamily="34" charset="0"/>
-                <a:cs typeface="Segoe UI" pitchFamily="34" charset="0"/>
-              </a:rPr>
-              <a:t>© Microsoft Corporation. All rights reserved. MICROSOFT MAKES NO WARRANTIES, EXPRESS, IMPLIED OR STATUTORY, AS TO THE INFORMATION IN THIS PRESENTATION.</a:t>
-            </a:r>
-          </a:p>
-        </p:txBody>
-      </p:sp>
-      <p:sp>
-        <p:nvSpPr>
-          <p:cNvPr id="6" name="Date Placeholder 5"/>
-          <p:cNvSpPr>
-            <a:spLocks noGrp="1"/>
-          </p:cNvSpPr>
-          <p:nvPr>
-            <p:ph type="dt" idx="1"/>
-          </p:nvPr>
-        </p:nvSpPr>
-        <p:spPr/>
-        <p:txBody>
-          <a:bodyPr/>
-          <a:lstStyle/>
-          <a:p>
-            <a:fld id="{386CE63F-9E7F-4C04-9D0D-FCA25A8E9E86}" type="datetime8">
-              <a:rPr lang="en-US" smtClean="0"/>
-              <a:t>6/22/2021 3:40 PM</a:t>
-            </a:fld>
-            <a:endParaRPr lang="en-US"/>
-          </a:p>
-        </p:txBody>
-      </p:sp>
-      <p:sp>
-        <p:nvSpPr>
-          <p:cNvPr id="7" name="Slide Number Placeholder 6"/>
-          <p:cNvSpPr>
-            <a:spLocks noGrp="1"/>
-          </p:cNvSpPr>
-          <p:nvPr>
-            <p:ph type="sldNum" sz="quarter" idx="5"/>
-          </p:nvPr>
-        </p:nvSpPr>
-        <p:spPr/>
-        <p:txBody>
-          <a:bodyPr/>
-          <a:lstStyle/>
-          <a:p>
-            <a:fld id="{B4008EB6-D09E-4580-8CD6-DDB14511944F}" type="slidenum">
-              <a:rPr lang="en-US" smtClean="0"/>
-              <a:pPr/>
-              <a:t>31</a:t>
-            </a:fld>
-            <a:endParaRPr lang="en-US"/>
-          </a:p>
-        </p:txBody>
-      </p:sp>
-    </p:spTree>
-    <p:extLst>
-      <p:ext uri="{BB962C8B-B14F-4D97-AF65-F5344CB8AC3E}">
-        <p14:creationId xmlns:p14="http://schemas.microsoft.com/office/powerpoint/2010/main" val="3208678126"/>
-      </p:ext>
-    </p:extLst>
-  </p:cSld>
-  <p:clrMapOvr>
-    <a:masterClrMapping/>
-  </p:clrMapOvr>
-</p:notes>
-</file>
-
-<file path=ppt/notesSlides/notesSlide19.xml><?xml version="1.0" encoding="utf-8"?>
-<p:notes xmlns:a="http://schemas.openxmlformats.org/drawingml/2006/main" xmlns:r="http://schemas.openxmlformats.org/officeDocument/2006/relationships" xmlns:p="http://schemas.openxmlformats.org/presentationml/2006/main">
-  <p:cSld>
-    <p:spTree>
-      <p:nvGrpSpPr>
-        <p:cNvPr id="1" name=""/>
-        <p:cNvGrpSpPr/>
-        <p:nvPr/>
-      </p:nvGrpSpPr>
-      <p:grpSpPr>
-        <a:xfrm>
-          <a:off x="0" y="0"/>
-          <a:ext cx="0" cy="0"/>
-          <a:chOff x="0" y="0"/>
-          <a:chExt cx="0" cy="0"/>
-        </a:xfrm>
-      </p:grpSpPr>
-      <p:sp>
-        <p:nvSpPr>
-          <p:cNvPr id="2" name="Slide Image Placeholder 1"/>
-          <p:cNvSpPr>
-            <a:spLocks noGrp="1" noRot="1" noChangeAspect="1"/>
-          </p:cNvSpPr>
-          <p:nvPr>
-            <p:ph type="sldImg"/>
-          </p:nvPr>
-        </p:nvSpPr>
-        <p:spPr/>
-      </p:sp>
-      <p:sp>
-        <p:nvSpPr>
-          <p:cNvPr id="3" name="Notes Placeholder 2"/>
-          <p:cNvSpPr>
-            <a:spLocks noGrp="1"/>
-          </p:cNvSpPr>
-          <p:nvPr>
-            <p:ph type="body" idx="1"/>
-          </p:nvPr>
-        </p:nvSpPr>
-        <p:spPr/>
-        <p:txBody>
-          <a:bodyPr/>
-          <a:lstStyle/>
-          <a:p>
-            <a:r>
-              <a:rPr lang="en-US" dirty="0"/>
-              <a:t>Instructor notes:</a:t>
-            </a:r>
-          </a:p>
-          <a:p>
-            <a:pPr marL="171450" indent="-171450">
-              <a:buFont typeface="Wingdings" panose="05000000000000000000" pitchFamily="2" charset="2"/>
-              <a:buChar char="§"/>
-            </a:pPr>
-            <a:r>
-              <a:rPr lang="en-US" dirty="0"/>
-              <a:t>They are on the same internal network</a:t>
-            </a:r>
-          </a:p>
-          <a:p>
-            <a:pPr marL="171450" indent="-171450">
-              <a:buFont typeface="Wingdings" panose="05000000000000000000" pitchFamily="2" charset="2"/>
-              <a:buChar char="§"/>
-            </a:pPr>
-            <a:r>
-              <a:rPr lang="en-US" dirty="0"/>
-              <a:t>They would send about 25 leads a week</a:t>
-            </a:r>
-          </a:p>
-          <a:p>
-            <a:pPr marL="171450" indent="-171450">
-              <a:buFont typeface="Wingdings" panose="05000000000000000000" pitchFamily="2" charset="2"/>
-              <a:buChar char="§"/>
-            </a:pPr>
-            <a:endParaRPr lang="en-US" dirty="0"/>
-          </a:p>
-          <a:p>
-            <a:pPr marL="171450" indent="-171450">
-              <a:buFont typeface="Wingdings" panose="05000000000000000000" pitchFamily="2" charset="2"/>
-              <a:buChar char="§"/>
-            </a:pPr>
-            <a:endParaRPr lang="en-US" dirty="0"/>
-          </a:p>
-          <a:p>
-            <a:pPr marL="171450" indent="-171450">
-              <a:buFont typeface="Wingdings" panose="05000000000000000000" pitchFamily="2" charset="2"/>
-              <a:buChar char="§"/>
-            </a:pPr>
-            <a:r>
-              <a:rPr lang="en-US" dirty="0"/>
-              <a:t>Possible solution</a:t>
-            </a:r>
-          </a:p>
-          <a:p>
-            <a:pPr marL="0" indent="0">
-              <a:buFont typeface="Wingdings" panose="05000000000000000000" pitchFamily="2" charset="2"/>
-              <a:buNone/>
-            </a:pPr>
-            <a:r>
-              <a:rPr lang="en-US" dirty="0"/>
-              <a:t>   - Push back to do via e-mail, to queue with someone keying it</a:t>
-            </a:r>
-          </a:p>
-          <a:p>
-            <a:pPr marL="0" indent="0">
-              <a:buFont typeface="Wingdings" panose="05000000000000000000" pitchFamily="2" charset="2"/>
-              <a:buNone/>
-            </a:pPr>
-            <a:r>
-              <a:rPr lang="en-US" dirty="0"/>
-              <a:t>- Could just give them </a:t>
-            </a:r>
-            <a:r>
-              <a:rPr lang="en-US"/>
-              <a:t>a license</a:t>
-            </a:r>
-            <a:endParaRPr lang="en-US" dirty="0"/>
-          </a:p>
-          <a:p>
-            <a:pPr marL="171450" indent="-171450">
-              <a:buFont typeface="Wingdings" panose="05000000000000000000" pitchFamily="2" charset="2"/>
-              <a:buChar char="§"/>
-            </a:pPr>
-            <a:endParaRPr lang="en-US" dirty="0"/>
-          </a:p>
-          <a:p>
-            <a:endParaRPr lang="en-US" dirty="0"/>
-          </a:p>
-        </p:txBody>
-      </p:sp>
-      <p:sp>
-        <p:nvSpPr>
-          <p:cNvPr id="4" name="Header Placeholder 3"/>
-          <p:cNvSpPr>
-            <a:spLocks noGrp="1"/>
-          </p:cNvSpPr>
-          <p:nvPr>
-            <p:ph type="hdr" sz="quarter"/>
-          </p:nvPr>
-        </p:nvSpPr>
-        <p:spPr/>
-        <p:txBody>
-          <a:bodyPr/>
-          <a:lstStyle/>
-          <a:p>
-            <a:endParaRPr lang="en-US"/>
-          </a:p>
-        </p:txBody>
-      </p:sp>
-      <p:sp>
-        <p:nvSpPr>
-          <p:cNvPr id="5" name="Footer Placeholder 4"/>
-          <p:cNvSpPr>
-            <a:spLocks noGrp="1"/>
-          </p:cNvSpPr>
-          <p:nvPr>
-            <p:ph type="ftr" sz="quarter" idx="4"/>
-          </p:nvPr>
-        </p:nvSpPr>
-        <p:spPr/>
-        <p:txBody>
-          <a:bodyPr/>
-          <a:lstStyle/>
-          <a:p>
-            <a:pPr defTabSz="914099" eaLnBrk="0" hangingPunct="0"/>
-            <a:r>
-              <a:rPr lang="en-US" sz="400">
-                <a:gradFill>
-                  <a:gsLst>
-                    <a:gs pos="0">
-                      <a:prstClr val="black"/>
-                    </a:gs>
-                    <a:gs pos="100000">
-                      <a:prstClr val="black"/>
-                    </a:gs>
-                  </a:gsLst>
-                  <a:lin ang="5400000" scaled="0"/>
-                </a:gradFill>
-                <a:latin typeface="Segoe UI" pitchFamily="34" charset="0"/>
-                <a:ea typeface="Segoe UI" pitchFamily="34" charset="0"/>
-                <a:cs typeface="Segoe UI" pitchFamily="34" charset="0"/>
-              </a:rPr>
-              <a:t>© Microsoft Corporation. All rights reserved. MICROSOFT MAKES NO WARRANTIES, EXPRESS, IMPLIED OR STATUTORY, AS TO THE INFORMATION IN THIS PRESENTATION.</a:t>
-            </a:r>
-          </a:p>
-        </p:txBody>
-      </p:sp>
-      <p:sp>
-        <p:nvSpPr>
-          <p:cNvPr id="6" name="Date Placeholder 5"/>
-          <p:cNvSpPr>
-            <a:spLocks noGrp="1"/>
-          </p:cNvSpPr>
-          <p:nvPr>
-            <p:ph type="dt" idx="1"/>
-          </p:nvPr>
-        </p:nvSpPr>
-        <p:spPr/>
-        <p:txBody>
-          <a:bodyPr/>
-          <a:lstStyle/>
-          <a:p>
-            <a:fld id="{386CE63F-9E7F-4C04-9D0D-FCA25A8E9E86}" type="datetime8">
-              <a:rPr lang="en-US" smtClean="0"/>
-              <a:t>6/22/2021 3:40 PM</a:t>
-            </a:fld>
-            <a:endParaRPr lang="en-US"/>
-          </a:p>
-        </p:txBody>
-      </p:sp>
-      <p:sp>
-        <p:nvSpPr>
-          <p:cNvPr id="7" name="Slide Number Placeholder 6"/>
-          <p:cNvSpPr>
-            <a:spLocks noGrp="1"/>
-          </p:cNvSpPr>
-          <p:nvPr>
-            <p:ph type="sldNum" sz="quarter" idx="5"/>
-          </p:nvPr>
-        </p:nvSpPr>
-        <p:spPr/>
-        <p:txBody>
-          <a:bodyPr/>
-          <a:lstStyle/>
-          <a:p>
-            <a:fld id="{B4008EB6-D09E-4580-8CD6-DDB14511944F}" type="slidenum">
-              <a:rPr lang="en-US" smtClean="0"/>
-              <a:pPr/>
-              <a:t>32</a:t>
-            </a:fld>
-            <a:endParaRPr lang="en-US"/>
-          </a:p>
-        </p:txBody>
-      </p:sp>
-    </p:spTree>
-    <p:extLst>
-      <p:ext uri="{BB962C8B-B14F-4D97-AF65-F5344CB8AC3E}">
-        <p14:creationId xmlns:p14="http://schemas.microsoft.com/office/powerpoint/2010/main" val="1180210665"/>
+        <p14:creationId xmlns:p14="http://schemas.microsoft.com/office/powerpoint/2010/main" val="2185510719"/>
       </p:ext>
     </p:extLst>
   </p:cSld>
@@ -14948,7 +13639,7 @@
                   <a:prstClr val="black"/>
                 </a:solidFill>
               </a:rPr>
-              <a:t>6/22/2021</a:t>
+              <a:t>3/16/2022</a:t>
             </a:fld>
             <a:endParaRPr lang="en-US" dirty="0">
               <a:solidFill>
@@ -14980,7 +13671,7 @@
                 </a:solidFill>
               </a:rPr>
               <a:pPr/>
-              <a:t>5</a:t>
+              <a:t>4</a:t>
             </a:fld>
             <a:endParaRPr lang="en-US" dirty="0">
               <a:solidFill>
@@ -14994,206 +13685,6 @@
     <p:extLst>
       <p:ext uri="{BB962C8B-B14F-4D97-AF65-F5344CB8AC3E}">
         <p14:creationId xmlns:p14="http://schemas.microsoft.com/office/powerpoint/2010/main" val="4146375515"/>
-      </p:ext>
-    </p:extLst>
-  </p:cSld>
-  <p:clrMapOvr>
-    <a:masterClrMapping/>
-  </p:clrMapOvr>
-</p:notes>
-</file>
-
-<file path=ppt/notesSlides/notesSlide20.xml><?xml version="1.0" encoding="utf-8"?>
-<p:notes xmlns:a="http://schemas.openxmlformats.org/drawingml/2006/main" xmlns:r="http://schemas.openxmlformats.org/officeDocument/2006/relationships" xmlns:p="http://schemas.openxmlformats.org/presentationml/2006/main">
-  <p:cSld>
-    <p:spTree>
-      <p:nvGrpSpPr>
-        <p:cNvPr id="1" name=""/>
-        <p:cNvGrpSpPr/>
-        <p:nvPr/>
-      </p:nvGrpSpPr>
-      <p:grpSpPr>
-        <a:xfrm>
-          <a:off x="0" y="0"/>
-          <a:ext cx="0" cy="0"/>
-          <a:chOff x="0" y="0"/>
-          <a:chExt cx="0" cy="0"/>
-        </a:xfrm>
-      </p:grpSpPr>
-      <p:sp>
-        <p:nvSpPr>
-          <p:cNvPr id="2" name="Slide Image Placeholder 1"/>
-          <p:cNvSpPr>
-            <a:spLocks noGrp="1" noRot="1" noChangeAspect="1"/>
-          </p:cNvSpPr>
-          <p:nvPr>
-            <p:ph type="sldImg"/>
-          </p:nvPr>
-        </p:nvSpPr>
-        <p:spPr>
-          <a:xfrm>
-            <a:off x="381000" y="685800"/>
-            <a:ext cx="6096000" cy="3429000"/>
-          </a:xfrm>
-        </p:spPr>
-      </p:sp>
-      <p:sp>
-        <p:nvSpPr>
-          <p:cNvPr id="3" name="Notes Placeholder 2"/>
-          <p:cNvSpPr>
-            <a:spLocks noGrp="1"/>
-          </p:cNvSpPr>
-          <p:nvPr>
-            <p:ph type="body" idx="1"/>
-          </p:nvPr>
-        </p:nvSpPr>
-        <p:spPr/>
-        <p:txBody>
-          <a:bodyPr>
-            <a:normAutofit/>
-          </a:bodyPr>
-          <a:lstStyle/>
-          <a:p>
-            <a:endParaRPr lang="en-US"/>
-          </a:p>
-        </p:txBody>
-      </p:sp>
-      <p:sp>
-        <p:nvSpPr>
-          <p:cNvPr id="4" name="Header Placeholder 3"/>
-          <p:cNvSpPr>
-            <a:spLocks noGrp="1"/>
-          </p:cNvSpPr>
-          <p:nvPr>
-            <p:ph type="hdr" sz="quarter" idx="10"/>
-          </p:nvPr>
-        </p:nvSpPr>
-        <p:spPr>
-          <a:xfrm>
-            <a:off x="0" y="0"/>
-            <a:ext cx="2971800" cy="457200"/>
-          </a:xfrm>
-          <a:prstGeom prst="rect">
-            <a:avLst/>
-          </a:prstGeom>
-        </p:spPr>
-        <p:txBody>
-          <a:bodyPr/>
-          <a:lstStyle/>
-          <a:p>
-            <a:endParaRPr lang="en-US">
-              <a:solidFill>
-                <a:prstClr val="black"/>
-              </a:solidFill>
-            </a:endParaRPr>
-          </a:p>
-        </p:txBody>
-      </p:sp>
-      <p:sp>
-        <p:nvSpPr>
-          <p:cNvPr id="5" name="Date Placeholder 4"/>
-          <p:cNvSpPr>
-            <a:spLocks noGrp="1"/>
-          </p:cNvSpPr>
-          <p:nvPr>
-            <p:ph type="dt" idx="11"/>
-          </p:nvPr>
-        </p:nvSpPr>
-        <p:spPr/>
-        <p:txBody>
-          <a:bodyPr/>
-          <a:lstStyle/>
-          <a:p>
-            <a:fld id="{0ECFDC7D-F4BE-4668-920D-08874925A5D7}" type="datetime8">
-              <a:rPr lang="en-US" smtClean="0">
-                <a:solidFill>
-                  <a:prstClr val="black"/>
-                </a:solidFill>
-              </a:rPr>
-              <a:t>6/22/2021 3:40 PM</a:t>
-            </a:fld>
-            <a:endParaRPr lang="en-US">
-              <a:solidFill>
-                <a:prstClr val="black"/>
-              </a:solidFill>
-            </a:endParaRPr>
-          </a:p>
-        </p:txBody>
-      </p:sp>
-      <p:sp>
-        <p:nvSpPr>
-          <p:cNvPr id="7" name="Slide Number Placeholder 6"/>
-          <p:cNvSpPr>
-            <a:spLocks noGrp="1"/>
-          </p:cNvSpPr>
-          <p:nvPr>
-            <p:ph type="sldNum" sz="quarter" idx="13"/>
-          </p:nvPr>
-        </p:nvSpPr>
-        <p:spPr/>
-        <p:txBody>
-          <a:bodyPr/>
-          <a:lstStyle/>
-          <a:p>
-            <a:fld id="{EC87E0CF-87F6-4B58-B8B8-DCAB2DAAF3CA}" type="slidenum">
-              <a:rPr lang="en-US" smtClean="0">
-                <a:solidFill>
-                  <a:prstClr val="black"/>
-                </a:solidFill>
-              </a:rPr>
-              <a:pPr/>
-              <a:t>34</a:t>
-            </a:fld>
-            <a:endParaRPr lang="en-US">
-              <a:solidFill>
-                <a:prstClr val="black"/>
-              </a:solidFill>
-            </a:endParaRPr>
-          </a:p>
-        </p:txBody>
-      </p:sp>
-      <p:sp>
-        <p:nvSpPr>
-          <p:cNvPr id="6" name="Footer Placeholder 5"/>
-          <p:cNvSpPr>
-            <a:spLocks noGrp="1"/>
-          </p:cNvSpPr>
-          <p:nvPr>
-            <p:ph type="ftr" sz="quarter" idx="14"/>
-          </p:nvPr>
-        </p:nvSpPr>
-        <p:spPr/>
-        <p:txBody>
-          <a:bodyPr/>
-          <a:lstStyle/>
-          <a:p>
-            <a:pPr defTabSz="914099" eaLnBrk="0" hangingPunct="0"/>
-            <a:r>
-              <a:rPr lang="en-US" sz="400">
-                <a:gradFill>
-                  <a:gsLst>
-                    <a:gs pos="0">
-                      <a:prstClr val="black"/>
-                    </a:gs>
-                    <a:gs pos="100000">
-                      <a:prstClr val="black"/>
-                    </a:gs>
-                  </a:gsLst>
-                  <a:lin ang="5400000" scaled="0"/>
-                </a:gradFill>
-                <a:latin typeface="Segoe UI" pitchFamily="34" charset="0"/>
-                <a:ea typeface="Segoe UI" pitchFamily="34" charset="0"/>
-                <a:cs typeface="Segoe UI" pitchFamily="34" charset="0"/>
-              </a:rPr>
-              <a:t>© Microsoft Corporation. All rights reserved. MICROSOFT MAKES NO WARRANTIES, EXPRESS, IMPLIED OR STATUTORY, AS TO THE INFORMATION IN THIS PRESENTATION.</a:t>
-            </a:r>
-          </a:p>
-        </p:txBody>
-      </p:sp>
-    </p:spTree>
-    <p:extLst>
-      <p:ext uri="{BB962C8B-B14F-4D97-AF65-F5344CB8AC3E}">
-        <p14:creationId xmlns:p14="http://schemas.microsoft.com/office/powerpoint/2010/main" val="2185510719"/>
       </p:ext>
     </p:extLst>
   </p:cSld>
@@ -15313,7 +13804,7 @@
           <a:p>
             <a:fld id="{42ED8D14-173D-4110-AECD-7629855D26E6}" type="datetime1">
               <a:rPr lang="en-US" smtClean="0"/>
-              <a:t>6/22/2021</a:t>
+              <a:t>3/16/2022</a:t>
             </a:fld>
             <a:endParaRPr lang="en-US" dirty="0"/>
           </a:p>
@@ -15393,7 +13884,7 @@
             <a:fld id="{8B263312-38AA-4E1E-B2B5-0F8F122B24FE}" type="slidenum">
               <a:rPr lang="en-US" smtClean="0"/>
               <a:pPr/>
-              <a:t>6</a:t>
+              <a:t>5</a:t>
             </a:fld>
             <a:endParaRPr lang="en-US" dirty="0"/>
           </a:p>
@@ -15535,7 +14026,7 @@
           <a:p>
             <a:fld id="{6B287A4B-D5A5-4D0F-AB90-50BA8B53A1B9}" type="datetime1">
               <a:rPr lang="en-US" smtClean="0"/>
-              <a:t>6/22/2021</a:t>
+              <a:t>3/16/2022</a:t>
             </a:fld>
             <a:endParaRPr lang="en-US" dirty="0"/>
           </a:p>
@@ -15615,7 +14106,7 @@
             <a:fld id="{8B263312-38AA-4E1E-B2B5-0F8F122B24FE}" type="slidenum">
               <a:rPr lang="en-US" smtClean="0"/>
               <a:pPr/>
-              <a:t>7</a:t>
+              <a:t>6</a:t>
             </a:fld>
             <a:endParaRPr lang="en-US" dirty="0"/>
           </a:p>
@@ -15887,7 +14378,7 @@
               <a:pPr>
                 <a:defRPr/>
               </a:pPr>
-              <a:t>8</a:t>
+              <a:t>7</a:t>
             </a:fld>
             <a:endParaRPr lang="en-US" dirty="0"/>
           </a:p>
@@ -15907,6 +14398,222 @@
 </file>
 
 <file path=ppt/notesSlides/notesSlide6.xml><?xml version="1.0" encoding="utf-8"?>
+<p:notes xmlns:a="http://schemas.openxmlformats.org/drawingml/2006/main" xmlns:r="http://schemas.openxmlformats.org/officeDocument/2006/relationships" xmlns:p="http://schemas.openxmlformats.org/presentationml/2006/main">
+  <p:cSld>
+    <p:spTree>
+      <p:nvGrpSpPr>
+        <p:cNvPr id="1" name=""/>
+        <p:cNvGrpSpPr/>
+        <p:nvPr/>
+      </p:nvGrpSpPr>
+      <p:grpSpPr>
+        <a:xfrm>
+          <a:off x="0" y="0"/>
+          <a:ext cx="0" cy="0"/>
+          <a:chOff x="0" y="0"/>
+          <a:chExt cx="0" cy="0"/>
+        </a:xfrm>
+      </p:grpSpPr>
+      <p:sp>
+        <p:nvSpPr>
+          <p:cNvPr id="2" name="Slide Image Placeholder 1"/>
+          <p:cNvSpPr>
+            <a:spLocks noGrp="1" noRot="1" noChangeAspect="1"/>
+          </p:cNvSpPr>
+          <p:nvPr>
+            <p:ph type="sldImg"/>
+          </p:nvPr>
+        </p:nvSpPr>
+        <p:spPr/>
+      </p:sp>
+      <p:sp>
+        <p:nvSpPr>
+          <p:cNvPr id="3" name="Notes Placeholder 2"/>
+          <p:cNvSpPr>
+            <a:spLocks noGrp="1"/>
+          </p:cNvSpPr>
+          <p:nvPr>
+            <p:ph type="body" idx="1"/>
+          </p:nvPr>
+        </p:nvSpPr>
+        <p:spPr/>
+        <p:txBody>
+          <a:bodyPr/>
+          <a:lstStyle/>
+          <a:p>
+            <a:pPr marL="0" marR="0" lvl="0" indent="0" algn="l" defTabSz="914367" rtl="0" eaLnBrk="1" fontAlgn="auto" latinLnBrk="0" hangingPunct="1">
+              <a:lnSpc>
+                <a:spcPct val="90000"/>
+              </a:lnSpc>
+              <a:spcBef>
+                <a:spcPts val="0"/>
+              </a:spcBef>
+              <a:spcAft>
+                <a:spcPts val="333"/>
+              </a:spcAft>
+              <a:buClrTx/>
+              <a:buSzTx/>
+              <a:buFontTx/>
+              <a:buNone/>
+              <a:tabLst/>
+              <a:defRPr/>
+            </a:pPr>
+            <a:r>
+              <a:rPr lang="en-US" dirty="0"/>
+              <a:t>These are items that will influence</a:t>
+            </a:r>
+            <a:r>
+              <a:rPr lang="en-US" baseline="0" dirty="0"/>
+              <a:t> how you integrate</a:t>
+            </a:r>
+          </a:p>
+          <a:p>
+            <a:pPr marL="0" marR="0" lvl="0" indent="0" algn="l" defTabSz="914367" rtl="0" eaLnBrk="1" fontAlgn="auto" latinLnBrk="0" hangingPunct="1">
+              <a:lnSpc>
+                <a:spcPct val="90000"/>
+              </a:lnSpc>
+              <a:spcBef>
+                <a:spcPts val="0"/>
+              </a:spcBef>
+              <a:spcAft>
+                <a:spcPts val="333"/>
+              </a:spcAft>
+              <a:buClrTx/>
+              <a:buSzTx/>
+              <a:buFontTx/>
+              <a:buNone/>
+              <a:tabLst/>
+              <a:defRPr/>
+            </a:pPr>
+            <a:r>
+              <a:rPr lang="en-US" baseline="0" dirty="0"/>
+              <a:t>Quality of data and Security, and Politics are others</a:t>
+            </a:r>
+            <a:endParaRPr lang="en-US" dirty="0"/>
+          </a:p>
+          <a:p>
+            <a:endParaRPr lang="en-US" dirty="0"/>
+          </a:p>
+        </p:txBody>
+      </p:sp>
+      <p:sp>
+        <p:nvSpPr>
+          <p:cNvPr id="4" name="Header Placeholder 3"/>
+          <p:cNvSpPr>
+            <a:spLocks noGrp="1"/>
+          </p:cNvSpPr>
+          <p:nvPr>
+            <p:ph type="hdr" sz="quarter"/>
+          </p:nvPr>
+        </p:nvSpPr>
+        <p:spPr/>
+        <p:txBody>
+          <a:bodyPr/>
+          <a:lstStyle/>
+          <a:p>
+            <a:endParaRPr lang="en-US"/>
+          </a:p>
+        </p:txBody>
+      </p:sp>
+      <p:sp>
+        <p:nvSpPr>
+          <p:cNvPr id="5" name="Footer Placeholder 4"/>
+          <p:cNvSpPr>
+            <a:spLocks noGrp="1"/>
+          </p:cNvSpPr>
+          <p:nvPr>
+            <p:ph type="ftr" sz="quarter" idx="4"/>
+          </p:nvPr>
+        </p:nvSpPr>
+        <p:spPr/>
+        <p:txBody>
+          <a:bodyPr/>
+          <a:lstStyle/>
+          <a:p>
+            <a:pPr defTabSz="914099" eaLnBrk="0" hangingPunct="0"/>
+            <a:r>
+              <a:rPr lang="en-US" sz="400">
+                <a:gradFill>
+                  <a:gsLst>
+                    <a:gs pos="0">
+                      <a:prstClr val="black"/>
+                    </a:gs>
+                    <a:gs pos="100000">
+                      <a:prstClr val="black"/>
+                    </a:gs>
+                  </a:gsLst>
+                  <a:lin ang="5400000" scaled="0"/>
+                </a:gradFill>
+                <a:latin typeface="Segoe UI" pitchFamily="34" charset="0"/>
+                <a:ea typeface="Segoe UI" pitchFamily="34" charset="0"/>
+                <a:cs typeface="Segoe UI" pitchFamily="34" charset="0"/>
+              </a:rPr>
+              <a:t>© Microsoft Corporation. All rights reserved. MICROSOFT MAKES NO WARRANTIES, EXPRESS, IMPLIED OR STATUTORY, AS TO THE INFORMATION IN THIS PRESENTATION.</a:t>
+            </a:r>
+          </a:p>
+        </p:txBody>
+      </p:sp>
+      <p:sp>
+        <p:nvSpPr>
+          <p:cNvPr id="6" name="Date Placeholder 5"/>
+          <p:cNvSpPr>
+            <a:spLocks noGrp="1"/>
+          </p:cNvSpPr>
+          <p:nvPr>
+            <p:ph type="dt" idx="1"/>
+          </p:nvPr>
+        </p:nvSpPr>
+        <p:spPr/>
+        <p:txBody>
+          <a:bodyPr/>
+          <a:lstStyle/>
+          <a:p>
+            <a:fld id="{386CE63F-9E7F-4C04-9D0D-FCA25A8E9E86}" type="datetime8">
+              <a:rPr lang="en-US" smtClean="0"/>
+              <a:t>3/16/2022 7:08 PM</a:t>
+            </a:fld>
+            <a:endParaRPr lang="en-US"/>
+          </a:p>
+        </p:txBody>
+      </p:sp>
+      <p:sp>
+        <p:nvSpPr>
+          <p:cNvPr id="7" name="Slide Number Placeholder 6"/>
+          <p:cNvSpPr>
+            <a:spLocks noGrp="1"/>
+          </p:cNvSpPr>
+          <p:nvPr>
+            <p:ph type="sldNum" sz="quarter" idx="5"/>
+          </p:nvPr>
+        </p:nvSpPr>
+        <p:spPr/>
+        <p:txBody>
+          <a:bodyPr/>
+          <a:lstStyle/>
+          <a:p>
+            <a:fld id="{B4008EB6-D09E-4580-8CD6-DDB14511944F}" type="slidenum">
+              <a:rPr lang="en-US" smtClean="0"/>
+              <a:pPr/>
+              <a:t>8</a:t>
+            </a:fld>
+            <a:endParaRPr lang="en-US"/>
+          </a:p>
+        </p:txBody>
+      </p:sp>
+    </p:spTree>
+    <p:extLst>
+      <p:ext uri="{BB962C8B-B14F-4D97-AF65-F5344CB8AC3E}">
+        <p14:creationId xmlns:p14="http://schemas.microsoft.com/office/powerpoint/2010/main" val="1383722850"/>
+      </p:ext>
+    </p:extLst>
+  </p:cSld>
+  <p:clrMapOvr>
+    <a:masterClrMapping/>
+  </p:clrMapOvr>
+</p:notes>
+</file>
+
+<file path=ppt/notesSlides/notesSlide7.xml><?xml version="1.0" encoding="utf-8"?>
 <p:notes xmlns:a="http://schemas.openxmlformats.org/drawingml/2006/main" xmlns:r="http://schemas.openxmlformats.org/officeDocument/2006/relationships" xmlns:p="http://schemas.openxmlformats.org/presentationml/2006/main">
   <p:cSld>
     <p:spTree>
@@ -15957,30 +14664,37 @@
           <a:p>
             <a:r>
               <a:rPr lang="en-US" dirty="0"/>
-              <a:t>Just as real are the perceived challenges</a:t>
-            </a:r>
+              <a:t>systems that are too tightly coupled then become hard to change independently.</a:t>
+            </a:r>
+          </a:p>
+          <a:p>
+            <a:endParaRPr lang="en-US" dirty="0"/>
           </a:p>
           <a:p>
             <a:r>
               <a:rPr lang="en-US" dirty="0"/>
-              <a:t>Expensive and Complex</a:t>
-            </a:r>
+              <a:t>Multiple partners/parties involved in building and not coordinated</a:t>
+            </a:r>
+          </a:p>
+          <a:p>
+            <a:endParaRPr lang="en-US" dirty="0"/>
           </a:p>
           <a:p>
             <a:r>
               <a:rPr lang="en-US" dirty="0"/>
-              <a:t>Brittle - tightly coupled systems are hard to change</a:t>
-            </a:r>
+              <a:t>Who is building integration doesn’t know the platform</a:t>
+            </a:r>
+          </a:p>
+          <a:p>
+            <a:endParaRPr lang="en-US" dirty="0"/>
           </a:p>
           <a:p>
             <a:r>
               <a:rPr lang="en-US" dirty="0"/>
-              <a:t>Loss of knowledge and/or particular skills can</a:t>
-            </a:r>
-            <a:r>
-              <a:rPr lang="en-US" baseline="0" dirty="0"/>
-              <a:t> also be a challenge</a:t>
-            </a:r>
+              <a:t>Not being clear what the system of record is</a:t>
+            </a:r>
+          </a:p>
+          <a:p>
             <a:endParaRPr lang="en-US" dirty="0"/>
           </a:p>
         </p:txBody>
@@ -16023,9 +14737,9 @@
           <a:bodyPr/>
           <a:lstStyle/>
           <a:p>
-            <a:fld id="{EEC04D14-1840-4F9C-82D0-C9C5021C9A82}" type="datetime1">
+            <a:fld id="{78674971-944B-4FA5-9DCA-D5A199BB31A5}" type="datetime1">
               <a:rPr lang="en-US" smtClean="0"/>
-              <a:t>6/22/2021</a:t>
+              <a:t>3/16/2022</a:t>
             </a:fld>
             <a:endParaRPr lang="en-US" dirty="0"/>
           </a:p>
@@ -16105,7 +14819,7 @@
             <a:fld id="{8B263312-38AA-4E1E-B2B5-0F8F122B24FE}" type="slidenum">
               <a:rPr lang="en-US" smtClean="0"/>
               <a:pPr/>
-              <a:t>10</a:t>
+              <a:t>9</a:t>
             </a:fld>
             <a:endParaRPr lang="en-US" dirty="0"/>
           </a:p>
@@ -16114,223 +14828,7 @@
     </p:spTree>
     <p:extLst>
       <p:ext uri="{BB962C8B-B14F-4D97-AF65-F5344CB8AC3E}">
-        <p14:creationId xmlns:p14="http://schemas.microsoft.com/office/powerpoint/2010/main" val="3648117864"/>
-      </p:ext>
-    </p:extLst>
-  </p:cSld>
-  <p:clrMapOvr>
-    <a:masterClrMapping/>
-  </p:clrMapOvr>
-</p:notes>
-</file>
-
-<file path=ppt/notesSlides/notesSlide7.xml><?xml version="1.0" encoding="utf-8"?>
-<p:notes xmlns:a="http://schemas.openxmlformats.org/drawingml/2006/main" xmlns:r="http://schemas.openxmlformats.org/officeDocument/2006/relationships" xmlns:p="http://schemas.openxmlformats.org/presentationml/2006/main">
-  <p:cSld>
-    <p:spTree>
-      <p:nvGrpSpPr>
-        <p:cNvPr id="1" name=""/>
-        <p:cNvGrpSpPr/>
-        <p:nvPr/>
-      </p:nvGrpSpPr>
-      <p:grpSpPr>
-        <a:xfrm>
-          <a:off x="0" y="0"/>
-          <a:ext cx="0" cy="0"/>
-          <a:chOff x="0" y="0"/>
-          <a:chExt cx="0" cy="0"/>
-        </a:xfrm>
-      </p:grpSpPr>
-      <p:sp>
-        <p:nvSpPr>
-          <p:cNvPr id="2" name="Slide Image Placeholder 1"/>
-          <p:cNvSpPr>
-            <a:spLocks noGrp="1" noRot="1" noChangeAspect="1"/>
-          </p:cNvSpPr>
-          <p:nvPr>
-            <p:ph type="sldImg"/>
-          </p:nvPr>
-        </p:nvSpPr>
-        <p:spPr/>
-      </p:sp>
-      <p:sp>
-        <p:nvSpPr>
-          <p:cNvPr id="3" name="Notes Placeholder 2"/>
-          <p:cNvSpPr>
-            <a:spLocks noGrp="1"/>
-          </p:cNvSpPr>
-          <p:nvPr>
-            <p:ph type="body" idx="1"/>
-          </p:nvPr>
-        </p:nvSpPr>
-        <p:spPr/>
-        <p:txBody>
-          <a:bodyPr/>
-          <a:lstStyle/>
-          <a:p>
-            <a:pPr marL="0" marR="0" lvl="0" indent="0" algn="l" defTabSz="914367" rtl="0" eaLnBrk="1" fontAlgn="auto" latinLnBrk="0" hangingPunct="1">
-              <a:lnSpc>
-                <a:spcPct val="90000"/>
-              </a:lnSpc>
-              <a:spcBef>
-                <a:spcPts val="0"/>
-              </a:spcBef>
-              <a:spcAft>
-                <a:spcPts val="333"/>
-              </a:spcAft>
-              <a:buClrTx/>
-              <a:buSzTx/>
-              <a:buFontTx/>
-              <a:buNone/>
-              <a:tabLst/>
-              <a:defRPr/>
-            </a:pPr>
-            <a:r>
-              <a:rPr lang="en-US" dirty="0"/>
-              <a:t>These are items that will influence</a:t>
-            </a:r>
-            <a:r>
-              <a:rPr lang="en-US" baseline="0" dirty="0"/>
-              <a:t> how you integrate</a:t>
-            </a:r>
-          </a:p>
-          <a:p>
-            <a:pPr marL="0" marR="0" lvl="0" indent="0" algn="l" defTabSz="914367" rtl="0" eaLnBrk="1" fontAlgn="auto" latinLnBrk="0" hangingPunct="1">
-              <a:lnSpc>
-                <a:spcPct val="90000"/>
-              </a:lnSpc>
-              <a:spcBef>
-                <a:spcPts val="0"/>
-              </a:spcBef>
-              <a:spcAft>
-                <a:spcPts val="333"/>
-              </a:spcAft>
-              <a:buClrTx/>
-              <a:buSzTx/>
-              <a:buFontTx/>
-              <a:buNone/>
-              <a:tabLst/>
-              <a:defRPr/>
-            </a:pPr>
-            <a:r>
-              <a:rPr lang="en-US" baseline="0" dirty="0"/>
-              <a:t>Quality of data and Security, and Politics are others</a:t>
-            </a:r>
-            <a:endParaRPr lang="en-US" dirty="0"/>
-          </a:p>
-          <a:p>
-            <a:endParaRPr lang="en-US" dirty="0"/>
-          </a:p>
-        </p:txBody>
-      </p:sp>
-      <p:sp>
-        <p:nvSpPr>
-          <p:cNvPr id="4" name="Header Placeholder 3"/>
-          <p:cNvSpPr>
-            <a:spLocks noGrp="1"/>
-          </p:cNvSpPr>
-          <p:nvPr>
-            <p:ph type="hdr" sz="quarter"/>
-          </p:nvPr>
-        </p:nvSpPr>
-        <p:spPr/>
-        <p:txBody>
-          <a:bodyPr/>
-          <a:lstStyle/>
-          <a:p>
-            <a:endParaRPr lang="en-US"/>
-          </a:p>
-        </p:txBody>
-      </p:sp>
-      <p:sp>
-        <p:nvSpPr>
-          <p:cNvPr id="5" name="Footer Placeholder 4"/>
-          <p:cNvSpPr>
-            <a:spLocks noGrp="1"/>
-          </p:cNvSpPr>
-          <p:nvPr>
-            <p:ph type="ftr" sz="quarter" idx="4"/>
-          </p:nvPr>
-        </p:nvSpPr>
-        <p:spPr/>
-        <p:txBody>
-          <a:bodyPr/>
-          <a:lstStyle/>
-          <a:p>
-            <a:pPr defTabSz="914099" eaLnBrk="0" hangingPunct="0"/>
-            <a:r>
-              <a:rPr lang="en-US" sz="400">
-                <a:gradFill>
-                  <a:gsLst>
-                    <a:gs pos="0">
-                      <a:prstClr val="black"/>
-                    </a:gs>
-                    <a:gs pos="100000">
-                      <a:prstClr val="black"/>
-                    </a:gs>
-                  </a:gsLst>
-                  <a:lin ang="5400000" scaled="0"/>
-                </a:gradFill>
-                <a:latin typeface="Segoe UI" pitchFamily="34" charset="0"/>
-                <a:ea typeface="Segoe UI" pitchFamily="34" charset="0"/>
-                <a:cs typeface="Segoe UI" pitchFamily="34" charset="0"/>
-              </a:rPr>
-              <a:t>© Microsoft Corporation. All rights reserved. MICROSOFT MAKES NO WARRANTIES, EXPRESS, IMPLIED OR STATUTORY, AS TO THE INFORMATION IN THIS PRESENTATION.</a:t>
-            </a:r>
-          </a:p>
-        </p:txBody>
-      </p:sp>
-      <p:sp>
-        <p:nvSpPr>
-          <p:cNvPr id="6" name="Date Placeholder 5"/>
-          <p:cNvSpPr>
-            <a:spLocks noGrp="1"/>
-          </p:cNvSpPr>
-          <p:nvPr>
-            <p:ph type="dt" idx="1"/>
-          </p:nvPr>
-        </p:nvSpPr>
-        <p:spPr/>
-        <p:txBody>
-          <a:bodyPr/>
-          <a:lstStyle/>
-          <a:p>
-            <a:fld id="{386CE63F-9E7F-4C04-9D0D-FCA25A8E9E86}" type="datetime8">
-              <a:rPr lang="en-US" smtClean="0"/>
-              <a:t>6/22/2021 3:40 PM</a:t>
-            </a:fld>
-            <a:endParaRPr lang="en-US"/>
-          </a:p>
-        </p:txBody>
-      </p:sp>
-      <p:sp>
-        <p:nvSpPr>
-          <p:cNvPr id="7" name="Slide Number Placeholder 6"/>
-          <p:cNvSpPr>
-            <a:spLocks noGrp="1"/>
-          </p:cNvSpPr>
-          <p:nvPr>
-            <p:ph type="sldNum" sz="quarter" idx="5"/>
-          </p:nvPr>
-        </p:nvSpPr>
-        <p:spPr/>
-        <p:txBody>
-          <a:bodyPr/>
-          <a:lstStyle/>
-          <a:p>
-            <a:fld id="{B4008EB6-D09E-4580-8CD6-DDB14511944F}" type="slidenum">
-              <a:rPr lang="en-US" smtClean="0"/>
-              <a:pPr/>
-              <a:t>11</a:t>
-            </a:fld>
-            <a:endParaRPr lang="en-US"/>
-          </a:p>
-        </p:txBody>
-      </p:sp>
-    </p:spTree>
-    <p:extLst>
-      <p:ext uri="{BB962C8B-B14F-4D97-AF65-F5344CB8AC3E}">
-        <p14:creationId xmlns:p14="http://schemas.microsoft.com/office/powerpoint/2010/main" val="1383722850"/>
+        <p14:creationId xmlns:p14="http://schemas.microsoft.com/office/powerpoint/2010/main" val="173309429"/>
       </p:ext>
     </p:extLst>
   </p:cSld>
@@ -16389,39 +14887,47 @@
           <a:bodyPr/>
           <a:lstStyle/>
           <a:p>
+            <a:pPr marL="0" indent="0">
+              <a:buNone/>
+            </a:pPr>
             <a:r>
               <a:rPr lang="en-US" dirty="0"/>
-              <a:t>systems that are too tightly coupled then become hard to change independently.</a:t>
-            </a:r>
-          </a:p>
-          <a:p>
-            <a:endParaRPr lang="en-US" dirty="0"/>
-          </a:p>
-          <a:p>
-            <a:r>
-              <a:rPr lang="en-US" dirty="0"/>
-              <a:t>Multiple partners/parties involved in building and not coordinated</a:t>
-            </a:r>
-          </a:p>
-          <a:p>
-            <a:endParaRPr lang="en-US" dirty="0"/>
-          </a:p>
-          <a:p>
-            <a:r>
-              <a:rPr lang="en-US" dirty="0"/>
-              <a:t>Who is building integration doesn’t know the platform</a:t>
-            </a:r>
-          </a:p>
-          <a:p>
-            <a:endParaRPr lang="en-US" dirty="0"/>
-          </a:p>
-          <a:p>
-            <a:r>
-              <a:rPr lang="en-US" dirty="0"/>
-              <a:t>Not being clear what the system of record is</a:t>
-            </a:r>
-          </a:p>
-          <a:p>
+              <a:t>This</a:t>
+            </a:r>
+            <a:r>
+              <a:rPr lang="en-US" baseline="0" dirty="0"/>
+              <a:t> talks to how every situation is unique and while in the course we will talk about specific integration scenarios the ones you encounter in real projects may vary widely.  While it’s good to be introduced to a technology and how to integrate, it is more important that you develop skills to evaluate real project needs that certainly won’t be as cookie cutter.  Using the principals, ideas and concepts though you can navigate though a complex integration challenge.</a:t>
+            </a:r>
+          </a:p>
+          <a:p>
+            <a:pPr marL="0" indent="0">
+              <a:buNone/>
+            </a:pPr>
+            <a:endParaRPr lang="en-US" baseline="0" dirty="0"/>
+          </a:p>
+          <a:p>
+            <a:pPr marL="0" indent="0">
+              <a:buNone/>
+            </a:pPr>
+            <a:r>
+              <a:rPr lang="en-US" baseline="0" dirty="0"/>
+              <a:t>In some cases it also is still cheaper to hire staff then to build the integration, as technologist, we often overlook non technical solutions that are still viable.</a:t>
+            </a:r>
+          </a:p>
+          <a:p>
+            <a:pPr marL="0" indent="0">
+              <a:buNone/>
+            </a:pPr>
+            <a:endParaRPr lang="en-US" baseline="0" dirty="0"/>
+          </a:p>
+          <a:p>
+            <a:pPr marL="0" indent="0">
+              <a:buNone/>
+            </a:pPr>
+            <a:r>
+              <a:rPr lang="en-US" baseline="0" dirty="0"/>
+              <a:t>Do we really need the integration? Does it need to be real-time?</a:t>
+            </a:r>
             <a:endParaRPr lang="en-US" dirty="0"/>
           </a:p>
         </p:txBody>
@@ -16464,9 +14970,9 @@
           <a:bodyPr/>
           <a:lstStyle/>
           <a:p>
-            <a:fld id="{78674971-944B-4FA5-9DCA-D5A199BB31A5}" type="datetime1">
+            <a:fld id="{F1C1BC40-3ECA-43C9-B49A-8A69324F263F}" type="datetime1">
               <a:rPr lang="en-US" smtClean="0"/>
-              <a:t>6/22/2021</a:t>
+              <a:t>3/16/2022</a:t>
             </a:fld>
             <a:endParaRPr lang="en-US" dirty="0"/>
           </a:p>
@@ -16546,7 +15052,7 @@
             <a:fld id="{8B263312-38AA-4E1E-B2B5-0F8F122B24FE}" type="slidenum">
               <a:rPr lang="en-US" smtClean="0"/>
               <a:pPr/>
-              <a:t>13</a:t>
+              <a:t>10</a:t>
             </a:fld>
             <a:endParaRPr lang="en-US" dirty="0"/>
           </a:p>
@@ -16555,7 +15061,7 @@
     </p:spTree>
     <p:extLst>
       <p:ext uri="{BB962C8B-B14F-4D97-AF65-F5344CB8AC3E}">
-        <p14:creationId xmlns:p14="http://schemas.microsoft.com/office/powerpoint/2010/main" val="173309429"/>
+        <p14:creationId xmlns:p14="http://schemas.microsoft.com/office/powerpoint/2010/main" val="1799189622"/>
       </p:ext>
     </p:extLst>
   </p:cSld>
@@ -16592,12 +15098,7 @@
             <p:ph type="sldImg"/>
           </p:nvPr>
         </p:nvSpPr>
-        <p:spPr>
-          <a:xfrm>
-            <a:off x="3094038" y="795338"/>
-            <a:ext cx="3902075" cy="2195512"/>
-          </a:xfrm>
-        </p:spPr>
+        <p:spPr/>
       </p:sp>
       <p:sp>
         <p:nvSpPr>
@@ -16614,48 +15115,16 @@
           <a:bodyPr/>
           <a:lstStyle/>
           <a:p>
-            <a:pPr marL="0" indent="0">
-              <a:buNone/>
-            </a:pPr>
             <a:r>
               <a:rPr lang="en-US" dirty="0"/>
-              <a:t>This</a:t>
-            </a:r>
-            <a:r>
-              <a:rPr lang="en-US" baseline="0" dirty="0"/>
-              <a:t> talks to how every situation is unique and while in the course we will talk about specific integration scenarios the ones you encounter in real projects may vary widely.  While it’s good to be introduced to a technology and how to integrate, it is more important that you develop skills to evaluate real project needs that certainly won’t be as cookie cutter.  Using the principals, ideas and concepts though you can navigate though a complex integration challenge.</a:t>
-            </a:r>
-          </a:p>
-          <a:p>
-            <a:pPr marL="0" indent="0">
-              <a:buNone/>
-            </a:pPr>
-            <a:endParaRPr lang="en-US" baseline="0" dirty="0"/>
-          </a:p>
-          <a:p>
-            <a:pPr marL="0" indent="0">
-              <a:buNone/>
-            </a:pPr>
-            <a:r>
-              <a:rPr lang="en-US" baseline="0" dirty="0"/>
-              <a:t>In some cases it also is still cheaper to hire staff then to build the integration, as technologist, we often overlook non technical solutions that are still viable.</a:t>
-            </a:r>
-          </a:p>
-          <a:p>
-            <a:pPr marL="0" indent="0">
-              <a:buNone/>
-            </a:pPr>
-            <a:endParaRPr lang="en-US" baseline="0" dirty="0"/>
-          </a:p>
-          <a:p>
-            <a:pPr marL="0" indent="0">
-              <a:buNone/>
-            </a:pPr>
-            <a:r>
-              <a:rPr lang="en-US" baseline="0" dirty="0"/>
-              <a:t>Do we really need the integration? Does it need to be real-time?</a:t>
-            </a:r>
-            <a:endParaRPr lang="en-US" dirty="0"/>
+              <a:t>Could also use Azure API Management in front of Azure Function to add more management</a:t>
+            </a:r>
+          </a:p>
+          <a:p>
+            <a:r>
+              <a:rPr lang="en-US" dirty="0"/>
+              <a:t>Consider the rate and API limits</a:t>
+            </a:r>
           </a:p>
         </p:txBody>
       </p:sp>
@@ -16666,7 +15135,7 @@
             <a:spLocks noGrp="1"/>
           </p:cNvSpPr>
           <p:nvPr>
-            <p:ph type="hdr" sz="quarter" idx="10"/>
+            <p:ph type="hdr" sz="quarter"/>
           </p:nvPr>
         </p:nvSpPr>
         <p:spPr/>
@@ -16674,22 +15143,18 @@
           <a:bodyPr/>
           <a:lstStyle/>
           <a:p>
-            <a:r>
-              <a:rPr lang="en-US"/>
-              <a:t>SMSG Readiness</a:t>
-            </a:r>
-            <a:endParaRPr lang="en-US" dirty="0"/>
+            <a:endParaRPr lang="en-US"/>
           </a:p>
         </p:txBody>
       </p:sp>
       <p:sp>
         <p:nvSpPr>
-          <p:cNvPr id="5" name="Date Placeholder 4"/>
+          <p:cNvPr id="5" name="Footer Placeholder 4"/>
           <p:cNvSpPr>
             <a:spLocks noGrp="1"/>
           </p:cNvSpPr>
           <p:nvPr>
-            <p:ph type="dt" idx="11"/>
+            <p:ph type="ftr" sz="quarter" idx="4"/>
           </p:nvPr>
         </p:nvSpPr>
         <p:spPr/>
@@ -16697,22 +15162,37 @@
           <a:bodyPr/>
           <a:lstStyle/>
           <a:p>
-            <a:fld id="{F1C1BC40-3ECA-43C9-B49A-8A69324F263F}" type="datetime1">
-              <a:rPr lang="en-US" smtClean="0"/>
-              <a:t>6/22/2021</a:t>
-            </a:fld>
-            <a:endParaRPr lang="en-US" dirty="0"/>
+            <a:pPr defTabSz="914099" eaLnBrk="0" hangingPunct="0"/>
+            <a:r>
+              <a:rPr lang="en-US" sz="400">
+                <a:gradFill>
+                  <a:gsLst>
+                    <a:gs pos="0">
+                      <a:prstClr val="black"/>
+                    </a:gs>
+                    <a:gs pos="100000">
+                      <a:prstClr val="black"/>
+                    </a:gs>
+                  </a:gsLst>
+                  <a:lin ang="5400000" scaled="0"/>
+                </a:gradFill>
+                <a:latin typeface="Segoe UI" pitchFamily="34" charset="0"/>
+                <a:ea typeface="Segoe UI" pitchFamily="34" charset="0"/>
+                <a:cs typeface="Segoe UI" pitchFamily="34" charset="0"/>
+              </a:rPr>
+              <a:t>© Microsoft Corporation. All rights reserved. MICROSOFT MAKES NO WARRANTIES, EXPRESS, IMPLIED OR STATUTORY, AS TO THE INFORMATION IN THIS PRESENTATION.</a:t>
+            </a:r>
           </a:p>
         </p:txBody>
       </p:sp>
       <p:sp>
         <p:nvSpPr>
-          <p:cNvPr id="6" name="Footer Placeholder 5"/>
+          <p:cNvPr id="6" name="Date Placeholder 5"/>
           <p:cNvSpPr>
             <a:spLocks noGrp="1"/>
           </p:cNvSpPr>
           <p:nvPr>
-            <p:ph type="ftr" sz="quarter" idx="12"/>
+            <p:ph type="dt" idx="1"/>
           </p:nvPr>
         </p:nvSpPr>
         <p:spPr/>
@@ -16720,44 +15200,11 @@
           <a:bodyPr/>
           <a:lstStyle/>
           <a:p>
-            <a:r>
-              <a:rPr lang="en-US">
-                <a:solidFill>
-                  <a:srgbClr val="000000"/>
-                </a:solidFill>
-              </a:rPr>
-              <a:t>© 2010 Microsoft Corporation. All rights reserved. Microsoft, Windows, Windows Vista and other product names are or may be registered trademarks and/or trademarks in the U.S. and/or other countries.</a:t>
-            </a:r>
-          </a:p>
-          <a:p>
-            <a:r>
-              <a:rPr lang="en-US">
-                <a:solidFill>
-                  <a:srgbClr val="000000"/>
-                </a:solidFill>
-              </a:rPr>
-              <a:t>The information herein is for informational purposes only and represents the current view of Microsoft Corporation as of the date of this presentation.  Because Microsoft must respond to changing market conditions, it should not be interpreted to be a commitment on the part of Microsoft, and Microsoft cannot guarantee the accuracy of any information provided after the date of this presentation.  </a:t>
-            </a:r>
-            <a:br>
-              <a:rPr lang="en-US">
-                <a:solidFill>
-                  <a:srgbClr val="000000"/>
-                </a:solidFill>
-              </a:rPr>
-            </a:br>
-            <a:r>
-              <a:rPr lang="en-US">
-                <a:solidFill>
-                  <a:srgbClr val="000000"/>
-                </a:solidFill>
-              </a:rPr>
-              <a:t>MICROSOFT MAKES NO WARRANTIES, EXPRESS, IMPLIED OR STATUTORY, AS TO THE INFORMATION IN THIS PRESENTATION.</a:t>
-            </a:r>
-            <a:endParaRPr lang="en-US" dirty="0">
-              <a:solidFill>
-                <a:srgbClr val="000000"/>
-              </a:solidFill>
-            </a:endParaRPr>
+            <a:fld id="{386CE63F-9E7F-4C04-9D0D-FCA25A8E9E86}" type="datetime8">
+              <a:rPr lang="en-US" smtClean="0"/>
+              <a:t>3/16/2022 7:08 PM</a:t>
+            </a:fld>
+            <a:endParaRPr lang="en-US"/>
           </a:p>
         </p:txBody>
       </p:sp>
@@ -16768,7 +15215,7 @@
             <a:spLocks noGrp="1"/>
           </p:cNvSpPr>
           <p:nvPr>
-            <p:ph type="sldNum" sz="quarter" idx="13"/>
+            <p:ph type="sldNum" sz="quarter" idx="5"/>
           </p:nvPr>
         </p:nvSpPr>
         <p:spPr/>
@@ -16776,19 +15223,19 @@
           <a:bodyPr/>
           <a:lstStyle/>
           <a:p>
-            <a:fld id="{8B263312-38AA-4E1E-B2B5-0F8F122B24FE}" type="slidenum">
+            <a:fld id="{B4008EB6-D09E-4580-8CD6-DDB14511944F}" type="slidenum">
               <a:rPr lang="en-US" smtClean="0"/>
               <a:pPr/>
-              <a:t>15</a:t>
+              <a:t>14</a:t>
             </a:fld>
-            <a:endParaRPr lang="en-US" dirty="0"/>
+            <a:endParaRPr lang="en-US"/>
           </a:p>
         </p:txBody>
       </p:sp>
     </p:spTree>
     <p:extLst>
       <p:ext uri="{BB962C8B-B14F-4D97-AF65-F5344CB8AC3E}">
-        <p14:creationId xmlns:p14="http://schemas.microsoft.com/office/powerpoint/2010/main" val="1799189622"/>
+        <p14:creationId xmlns:p14="http://schemas.microsoft.com/office/powerpoint/2010/main" val="3222552222"/>
       </p:ext>
     </p:extLst>
   </p:cSld>
@@ -32356,1313 +30803,6 @@
           <a:p>
             <a:r>
               <a:rPr lang="en-US" dirty="0"/>
-              <a:t>Common Integration Challenges</a:t>
-            </a:r>
-          </a:p>
-        </p:txBody>
-      </p:sp>
-      <p:sp>
-        <p:nvSpPr>
-          <p:cNvPr id="4" name="Content Placeholder 3"/>
-          <p:cNvSpPr>
-            <a:spLocks noGrp="1"/>
-          </p:cNvSpPr>
-          <p:nvPr>
-            <p:ph type="body" sz="quarter" idx="10"/>
-          </p:nvPr>
-        </p:nvSpPr>
-        <p:spPr>
-          <a:xfrm>
-            <a:off x="586740" y="1096423"/>
-            <a:ext cx="11018520" cy="5761577"/>
-          </a:xfrm>
-        </p:spPr>
-        <p:txBody>
-          <a:bodyPr/>
-          <a:lstStyle/>
-          <a:p>
-            <a:pPr marL="342900" indent="-342900">
-              <a:buFont typeface="Wingdings" panose="05000000000000000000" pitchFamily="2" charset="2"/>
-              <a:buChar char="§"/>
-            </a:pPr>
-            <a:r>
-              <a:rPr lang="en-US" sz="2400" dirty="0"/>
-              <a:t>Security boundaries</a:t>
-            </a:r>
-            <a:br>
-              <a:rPr lang="en-US" sz="2400" dirty="0"/>
-            </a:br>
-            <a:endParaRPr lang="en-US" sz="2400" dirty="0"/>
-          </a:p>
-          <a:p>
-            <a:pPr marL="342900" indent="-342900">
-              <a:buFont typeface="Wingdings" panose="05000000000000000000" pitchFamily="2" charset="2"/>
-              <a:buChar char="§"/>
-            </a:pPr>
-            <a:r>
-              <a:rPr lang="en-US" sz="2400" dirty="0"/>
-              <a:t>No real time connection to work with other system or data </a:t>
-            </a:r>
-            <a:br>
-              <a:rPr lang="en-US" sz="2400" dirty="0"/>
-            </a:br>
-            <a:endParaRPr lang="en-US" sz="2400" dirty="0"/>
-          </a:p>
-          <a:p>
-            <a:pPr marL="342900" indent="-342900">
-              <a:buFont typeface="Wingdings" panose="05000000000000000000" pitchFamily="2" charset="2"/>
-              <a:buChar char="§"/>
-            </a:pPr>
-            <a:r>
-              <a:rPr lang="en-US" sz="2400" dirty="0"/>
-              <a:t>Incompatible technologies</a:t>
-            </a:r>
-            <a:br>
-              <a:rPr lang="en-US" sz="2400" dirty="0"/>
-            </a:br>
-            <a:endParaRPr lang="en-US" sz="2400" dirty="0"/>
-          </a:p>
-          <a:p>
-            <a:pPr marL="342900" indent="-342900">
-              <a:buFont typeface="Wingdings" panose="05000000000000000000" pitchFamily="2" charset="2"/>
-              <a:buChar char="§"/>
-            </a:pPr>
-            <a:r>
-              <a:rPr lang="en-US" sz="2400" dirty="0"/>
-              <a:t>Company policies</a:t>
-            </a:r>
-            <a:br>
-              <a:rPr lang="en-US" sz="2400" dirty="0"/>
-            </a:br>
-            <a:endParaRPr lang="en-US" sz="2400" dirty="0"/>
-          </a:p>
-          <a:p>
-            <a:pPr marL="342900" indent="-342900">
-              <a:buFont typeface="Wingdings" panose="05000000000000000000" pitchFamily="2" charset="2"/>
-              <a:buChar char="§"/>
-            </a:pPr>
-            <a:r>
-              <a:rPr lang="en-US" sz="2400" dirty="0"/>
-              <a:t>Regulatory requirements or restrictions</a:t>
-            </a:r>
-            <a:br>
-              <a:rPr lang="en-US" sz="2400" dirty="0"/>
-            </a:br>
-            <a:endParaRPr lang="en-US" sz="2400" dirty="0"/>
-          </a:p>
-          <a:p>
-            <a:pPr marL="342900" indent="-342900">
-              <a:buFont typeface="Wingdings" panose="05000000000000000000" pitchFamily="2" charset="2"/>
-              <a:buChar char="§"/>
-            </a:pPr>
-            <a:r>
-              <a:rPr lang="en-US" sz="2400" dirty="0"/>
-              <a:t>Legacy systems</a:t>
-            </a:r>
-            <a:br>
-              <a:rPr lang="en-US" sz="2400" dirty="0"/>
-            </a:br>
-            <a:endParaRPr lang="en-US" sz="2400" dirty="0"/>
-          </a:p>
-          <a:p>
-            <a:pPr marL="342900" indent="-342900">
-              <a:buFont typeface="Wingdings" panose="05000000000000000000" pitchFamily="2" charset="2"/>
-              <a:buChar char="§"/>
-            </a:pPr>
-            <a:r>
-              <a:rPr lang="en-US" sz="2400" dirty="0"/>
-              <a:t>Too much data/missing data</a:t>
-            </a:r>
-          </a:p>
-          <a:p>
-            <a:endParaRPr lang="en-US" dirty="0"/>
-          </a:p>
-        </p:txBody>
-      </p:sp>
-    </p:spTree>
-    <p:extLst>
-      <p:ext uri="{BB962C8B-B14F-4D97-AF65-F5344CB8AC3E}">
-        <p14:creationId xmlns:p14="http://schemas.microsoft.com/office/powerpoint/2010/main" val="4091320892"/>
-      </p:ext>
-    </p:extLst>
-  </p:cSld>
-  <p:clrMapOvr>
-    <a:masterClrMapping/>
-  </p:clrMapOvr>
-  <mc:AlternateContent xmlns:mc="http://schemas.openxmlformats.org/markup-compatibility/2006" xmlns:p14="http://schemas.microsoft.com/office/powerpoint/2010/main">
-    <mc:Choice Requires="p14">
-      <p:transition spd="med" p14:dur="700">
-        <p:fade/>
-      </p:transition>
-    </mc:Choice>
-    <mc:Fallback xmlns="">
-      <p:transition spd="med">
-        <p:fade/>
-      </p:transition>
-    </mc:Fallback>
-  </mc:AlternateContent>
-</p:sld>
-</file>
-
-<file path=ppt/slides/slide11.xml><?xml version="1.0" encoding="utf-8"?>
-<p:sld xmlns:a="http://schemas.openxmlformats.org/drawingml/2006/main" xmlns:r="http://schemas.openxmlformats.org/officeDocument/2006/relationships" xmlns:p="http://schemas.openxmlformats.org/presentationml/2006/main">
-  <p:cSld>
-    <p:spTree>
-      <p:nvGrpSpPr>
-        <p:cNvPr id="1" name=""/>
-        <p:cNvGrpSpPr/>
-        <p:nvPr/>
-      </p:nvGrpSpPr>
-      <p:grpSpPr>
-        <a:xfrm>
-          <a:off x="0" y="0"/>
-          <a:ext cx="0" cy="0"/>
-          <a:chOff x="0" y="0"/>
-          <a:chExt cx="0" cy="0"/>
-        </a:xfrm>
-      </p:grpSpPr>
-      <p:sp>
-        <p:nvSpPr>
-          <p:cNvPr id="2" name="Title 1">
-            <a:extLst>
-              <a:ext uri="{FF2B5EF4-FFF2-40B4-BE49-F238E27FC236}">
-                <a16:creationId xmlns:a16="http://schemas.microsoft.com/office/drawing/2014/main" id="{6C841B39-DB91-4534-AE2D-871F094398D2}"/>
-              </a:ext>
-            </a:extLst>
-          </p:cNvPr>
-          <p:cNvSpPr>
-            <a:spLocks noGrp="1"/>
-          </p:cNvSpPr>
-          <p:nvPr>
-            <p:ph type="title"/>
-          </p:nvPr>
-        </p:nvSpPr>
-        <p:spPr/>
-        <p:txBody>
-          <a:bodyPr/>
-          <a:lstStyle/>
-          <a:p>
-            <a:r>
-              <a:rPr lang="en-US" dirty="0"/>
-              <a:t>Integration influencers</a:t>
-            </a:r>
-          </a:p>
-        </p:txBody>
-      </p:sp>
-      <p:sp>
-        <p:nvSpPr>
-          <p:cNvPr id="3" name="Text Placeholder 2">
-            <a:extLst>
-              <a:ext uri="{FF2B5EF4-FFF2-40B4-BE49-F238E27FC236}">
-                <a16:creationId xmlns:a16="http://schemas.microsoft.com/office/drawing/2014/main" id="{E66AA6B0-04CF-4867-B43C-BE6DC3A3D6A3}"/>
-              </a:ext>
-            </a:extLst>
-          </p:cNvPr>
-          <p:cNvSpPr>
-            <a:spLocks noGrp="1"/>
-          </p:cNvSpPr>
-          <p:nvPr>
-            <p:ph type="body" sz="quarter" idx="10"/>
-          </p:nvPr>
-        </p:nvSpPr>
-        <p:spPr>
-          <a:xfrm>
-            <a:off x="584200" y="1435497"/>
-            <a:ext cx="11018520" cy="5416868"/>
-          </a:xfrm>
-        </p:spPr>
-        <p:txBody>
-          <a:bodyPr/>
-          <a:lstStyle/>
-          <a:p>
-            <a:pPr marL="457200" indent="-457200"/>
-            <a:r>
-              <a:rPr lang="en-US" dirty="0"/>
-              <a:t>Volume of data being moved/accessed</a:t>
-            </a:r>
-          </a:p>
-          <a:p>
-            <a:pPr marL="685800" lvl="1" indent="-457200"/>
-            <a:r>
-              <a:rPr lang="en-US" dirty="0"/>
-              <a:t>Type of data- reference or actionable</a:t>
-            </a:r>
-            <a:br>
-              <a:rPr lang="en-US" dirty="0"/>
-            </a:br>
-            <a:endParaRPr lang="en-US" dirty="0"/>
-          </a:p>
-          <a:p>
-            <a:pPr marL="457200" indent="-457200"/>
-            <a:r>
-              <a:rPr lang="en-US" dirty="0"/>
-              <a:t>Latency to access or work with other system</a:t>
-            </a:r>
-            <a:br>
-              <a:rPr lang="en-US" dirty="0"/>
-            </a:br>
-            <a:endParaRPr lang="en-US" dirty="0"/>
-          </a:p>
-          <a:p>
-            <a:pPr marL="457200" indent="-457200"/>
-            <a:r>
-              <a:rPr lang="en-US" dirty="0"/>
-              <a:t>Reliability requirements</a:t>
-            </a:r>
-            <a:br>
-              <a:rPr lang="en-US" dirty="0"/>
-            </a:br>
-            <a:endParaRPr lang="en-US" dirty="0"/>
-          </a:p>
-          <a:p>
-            <a:pPr marL="457200" indent="-457200"/>
-            <a:r>
-              <a:rPr lang="en-US" dirty="0"/>
-              <a:t>Impact of duplication of data or functionality</a:t>
-            </a:r>
-            <a:br>
-              <a:rPr lang="en-US" dirty="0"/>
-            </a:br>
-            <a:endParaRPr lang="en-US" dirty="0"/>
-          </a:p>
-          <a:p>
-            <a:pPr marL="457200" indent="-457200"/>
-            <a:r>
-              <a:rPr lang="en-US" dirty="0"/>
-              <a:t>Fit with existing Microsoft Power Platform capability</a:t>
-            </a:r>
-            <a:br>
-              <a:rPr lang="en-US" dirty="0"/>
-            </a:br>
-            <a:endParaRPr lang="en-US" dirty="0"/>
-          </a:p>
-          <a:p>
-            <a:pPr marL="457200" indent="-457200"/>
-            <a:r>
-              <a:rPr lang="en-US" dirty="0"/>
-              <a:t>Cost/Time/Resources</a:t>
-            </a:r>
-          </a:p>
-        </p:txBody>
-      </p:sp>
-    </p:spTree>
-    <p:extLst>
-      <p:ext uri="{BB962C8B-B14F-4D97-AF65-F5344CB8AC3E}">
-        <p14:creationId xmlns:p14="http://schemas.microsoft.com/office/powerpoint/2010/main" val="389249297"/>
-      </p:ext>
-    </p:extLst>
-  </p:cSld>
-  <p:clrMapOvr>
-    <a:masterClrMapping/>
-  </p:clrMapOvr>
-  <mc:AlternateContent xmlns:mc="http://schemas.openxmlformats.org/markup-compatibility/2006" xmlns:p14="http://schemas.microsoft.com/office/powerpoint/2010/main">
-    <mc:Choice Requires="p14">
-      <p:transition spd="med" p14:dur="700">
-        <p:fade/>
-      </p:transition>
-    </mc:Choice>
-    <mc:Fallback xmlns="">
-      <p:transition spd="med">
-        <p:fade/>
-      </p:transition>
-    </mc:Fallback>
-  </mc:AlternateContent>
-</p:sld>
-</file>
-
-<file path=ppt/slides/slide12.xml><?xml version="1.0" encoding="utf-8"?>
-<p:sld xmlns:a="http://schemas.openxmlformats.org/drawingml/2006/main" xmlns:r="http://schemas.openxmlformats.org/officeDocument/2006/relationships" xmlns:p="http://schemas.openxmlformats.org/presentationml/2006/main">
-  <p:cSld>
-    <p:spTree>
-      <p:nvGrpSpPr>
-        <p:cNvPr id="1" name=""/>
-        <p:cNvGrpSpPr/>
-        <p:nvPr/>
-      </p:nvGrpSpPr>
-      <p:grpSpPr>
-        <a:xfrm>
-          <a:off x="0" y="0"/>
-          <a:ext cx="0" cy="0"/>
-          <a:chOff x="0" y="0"/>
-          <a:chExt cx="0" cy="0"/>
-        </a:xfrm>
-      </p:grpSpPr>
-      <p:sp>
-        <p:nvSpPr>
-          <p:cNvPr id="3" name="Title 2">
-            <a:extLst>
-              <a:ext uri="{FF2B5EF4-FFF2-40B4-BE49-F238E27FC236}">
-                <a16:creationId xmlns:a16="http://schemas.microsoft.com/office/drawing/2014/main" id="{04A2F86E-2D36-4156-AD35-499B5264EAF4}"/>
-              </a:ext>
-            </a:extLst>
-          </p:cNvPr>
-          <p:cNvSpPr>
-            <a:spLocks noGrp="1"/>
-          </p:cNvSpPr>
-          <p:nvPr>
-            <p:ph type="title"/>
-          </p:nvPr>
-        </p:nvSpPr>
-        <p:spPr>
-          <a:xfrm>
-            <a:off x="644358" y="1044553"/>
-            <a:ext cx="4160520" cy="861774"/>
-          </a:xfrm>
-        </p:spPr>
-        <p:txBody>
-          <a:bodyPr/>
-          <a:lstStyle/>
-          <a:p>
-            <a:r>
-              <a:rPr lang="en-US" dirty="0"/>
-              <a:t>What are some things you have seen cause integrations to fail?</a:t>
-            </a:r>
-          </a:p>
-        </p:txBody>
-      </p:sp>
-      <p:sp>
-        <p:nvSpPr>
-          <p:cNvPr id="2" name="Picture Placeholder 1">
-            <a:extLst>
-              <a:ext uri="{FF2B5EF4-FFF2-40B4-BE49-F238E27FC236}">
-                <a16:creationId xmlns:a16="http://schemas.microsoft.com/office/drawing/2014/main" id="{253AAD83-0C4A-45C2-96BB-F5929998F90E}"/>
-              </a:ext>
-            </a:extLst>
-          </p:cNvPr>
-          <p:cNvSpPr>
-            <a:spLocks noGrp="1"/>
-          </p:cNvSpPr>
-          <p:nvPr>
-            <p:ph type="pic" sz="quarter" idx="11"/>
-          </p:nvPr>
-        </p:nvSpPr>
-        <p:spPr/>
-      </p:sp>
-      <p:sp>
-        <p:nvSpPr>
-          <p:cNvPr id="4" name="manager" title="Icon of three people with lines connecting them">
-            <a:extLst>
-              <a:ext uri="{FF2B5EF4-FFF2-40B4-BE49-F238E27FC236}">
-                <a16:creationId xmlns:a16="http://schemas.microsoft.com/office/drawing/2014/main" id="{44BE7A4D-FE4C-4722-8858-4A67C987C050}"/>
-              </a:ext>
-            </a:extLst>
-          </p:cNvPr>
-          <p:cNvSpPr>
-            <a:spLocks noChangeAspect="1" noEditPoints="1"/>
-          </p:cNvSpPr>
-          <p:nvPr/>
-        </p:nvSpPr>
-        <p:spPr bwMode="auto">
-          <a:xfrm>
-            <a:off x="7855800" y="2219246"/>
-            <a:ext cx="1814400" cy="1828800"/>
-          </a:xfrm>
-          <a:custGeom>
-            <a:avLst/>
-            <a:gdLst>
-              <a:gd name="T0" fmla="*/ 128 w 348"/>
-              <a:gd name="T1" fmla="*/ 46 h 352"/>
-              <a:gd name="T2" fmla="*/ 174 w 348"/>
-              <a:gd name="T3" fmla="*/ 0 h 352"/>
-              <a:gd name="T4" fmla="*/ 220 w 348"/>
-              <a:gd name="T5" fmla="*/ 46 h 352"/>
-              <a:gd name="T6" fmla="*/ 174 w 348"/>
-              <a:gd name="T7" fmla="*/ 91 h 352"/>
-              <a:gd name="T8" fmla="*/ 128 w 348"/>
-              <a:gd name="T9" fmla="*/ 46 h 352"/>
-              <a:gd name="T10" fmla="*/ 231 w 348"/>
-              <a:gd name="T11" fmla="*/ 148 h 352"/>
-              <a:gd name="T12" fmla="*/ 174 w 348"/>
-              <a:gd name="T13" fmla="*/ 91 h 352"/>
-              <a:gd name="T14" fmla="*/ 117 w 348"/>
-              <a:gd name="T15" fmla="*/ 148 h 352"/>
-              <a:gd name="T16" fmla="*/ 57 w 348"/>
-              <a:gd name="T17" fmla="*/ 295 h 352"/>
-              <a:gd name="T18" fmla="*/ 102 w 348"/>
-              <a:gd name="T19" fmla="*/ 249 h 352"/>
-              <a:gd name="T20" fmla="*/ 57 w 348"/>
-              <a:gd name="T21" fmla="*/ 204 h 352"/>
-              <a:gd name="T22" fmla="*/ 11 w 348"/>
-              <a:gd name="T23" fmla="*/ 249 h 352"/>
-              <a:gd name="T24" fmla="*/ 57 w 348"/>
-              <a:gd name="T25" fmla="*/ 295 h 352"/>
-              <a:gd name="T26" fmla="*/ 114 w 348"/>
-              <a:gd name="T27" fmla="*/ 352 h 352"/>
-              <a:gd name="T28" fmla="*/ 57 w 348"/>
-              <a:gd name="T29" fmla="*/ 295 h 352"/>
-              <a:gd name="T30" fmla="*/ 0 w 348"/>
-              <a:gd name="T31" fmla="*/ 352 h 352"/>
-              <a:gd name="T32" fmla="*/ 291 w 348"/>
-              <a:gd name="T33" fmla="*/ 295 h 352"/>
-              <a:gd name="T34" fmla="*/ 337 w 348"/>
-              <a:gd name="T35" fmla="*/ 249 h 352"/>
-              <a:gd name="T36" fmla="*/ 291 w 348"/>
-              <a:gd name="T37" fmla="*/ 204 h 352"/>
-              <a:gd name="T38" fmla="*/ 246 w 348"/>
-              <a:gd name="T39" fmla="*/ 249 h 352"/>
-              <a:gd name="T40" fmla="*/ 291 w 348"/>
-              <a:gd name="T41" fmla="*/ 295 h 352"/>
-              <a:gd name="T42" fmla="*/ 348 w 348"/>
-              <a:gd name="T43" fmla="*/ 352 h 352"/>
-              <a:gd name="T44" fmla="*/ 291 w 348"/>
-              <a:gd name="T45" fmla="*/ 295 h 352"/>
-              <a:gd name="T46" fmla="*/ 234 w 348"/>
-              <a:gd name="T47" fmla="*/ 352 h 352"/>
-              <a:gd name="T48" fmla="*/ 224 w 348"/>
-              <a:gd name="T49" fmla="*/ 219 h 352"/>
-              <a:gd name="T50" fmla="*/ 174 w 348"/>
-              <a:gd name="T51" fmla="*/ 169 h 352"/>
-              <a:gd name="T52" fmla="*/ 124 w 348"/>
-              <a:gd name="T53" fmla="*/ 219 h 352"/>
-            </a:gdLst>
-            <a:ahLst/>
-            <a:cxnLst>
-              <a:cxn ang="0">
-                <a:pos x="T0" y="T1"/>
-              </a:cxn>
-              <a:cxn ang="0">
-                <a:pos x="T2" y="T3"/>
-              </a:cxn>
-              <a:cxn ang="0">
-                <a:pos x="T4" y="T5"/>
-              </a:cxn>
-              <a:cxn ang="0">
-                <a:pos x="T6" y="T7"/>
-              </a:cxn>
-              <a:cxn ang="0">
-                <a:pos x="T8" y="T9"/>
-              </a:cxn>
-              <a:cxn ang="0">
-                <a:pos x="T10" y="T11"/>
-              </a:cxn>
-              <a:cxn ang="0">
-                <a:pos x="T12" y="T13"/>
-              </a:cxn>
-              <a:cxn ang="0">
-                <a:pos x="T14" y="T15"/>
-              </a:cxn>
-              <a:cxn ang="0">
-                <a:pos x="T16" y="T17"/>
-              </a:cxn>
-              <a:cxn ang="0">
-                <a:pos x="T18" y="T19"/>
-              </a:cxn>
-              <a:cxn ang="0">
-                <a:pos x="T20" y="T21"/>
-              </a:cxn>
-              <a:cxn ang="0">
-                <a:pos x="T22" y="T23"/>
-              </a:cxn>
-              <a:cxn ang="0">
-                <a:pos x="T24" y="T25"/>
-              </a:cxn>
-              <a:cxn ang="0">
-                <a:pos x="T26" y="T27"/>
-              </a:cxn>
-              <a:cxn ang="0">
-                <a:pos x="T28" y="T29"/>
-              </a:cxn>
-              <a:cxn ang="0">
-                <a:pos x="T30" y="T31"/>
-              </a:cxn>
-              <a:cxn ang="0">
-                <a:pos x="T32" y="T33"/>
-              </a:cxn>
-              <a:cxn ang="0">
-                <a:pos x="T34" y="T35"/>
-              </a:cxn>
-              <a:cxn ang="0">
-                <a:pos x="T36" y="T37"/>
-              </a:cxn>
-              <a:cxn ang="0">
-                <a:pos x="T38" y="T39"/>
-              </a:cxn>
-              <a:cxn ang="0">
-                <a:pos x="T40" y="T41"/>
-              </a:cxn>
-              <a:cxn ang="0">
-                <a:pos x="T42" y="T43"/>
-              </a:cxn>
-              <a:cxn ang="0">
-                <a:pos x="T44" y="T45"/>
-              </a:cxn>
-              <a:cxn ang="0">
-                <a:pos x="T46" y="T47"/>
-              </a:cxn>
-              <a:cxn ang="0">
-                <a:pos x="T48" y="T49"/>
-              </a:cxn>
-              <a:cxn ang="0">
-                <a:pos x="T50" y="T51"/>
-              </a:cxn>
-              <a:cxn ang="0">
-                <a:pos x="T52" y="T53"/>
-              </a:cxn>
-            </a:cxnLst>
-            <a:rect l="0" t="0" r="r" b="b"/>
-            <a:pathLst>
-              <a:path w="348" h="352">
-                <a:moveTo>
-                  <a:pt x="128" y="46"/>
-                </a:moveTo>
-                <a:cubicBezTo>
-                  <a:pt x="128" y="20"/>
-                  <a:pt x="149" y="0"/>
-                  <a:pt x="174" y="0"/>
-                </a:cubicBezTo>
-                <a:cubicBezTo>
-                  <a:pt x="199" y="0"/>
-                  <a:pt x="220" y="20"/>
-                  <a:pt x="220" y="46"/>
-                </a:cubicBezTo>
-                <a:cubicBezTo>
-                  <a:pt x="220" y="71"/>
-                  <a:pt x="199" y="91"/>
-                  <a:pt x="174" y="91"/>
-                </a:cubicBezTo>
-                <a:cubicBezTo>
-                  <a:pt x="149" y="91"/>
-                  <a:pt x="128" y="71"/>
-                  <a:pt x="128" y="46"/>
-                </a:cubicBezTo>
-                <a:close/>
-                <a:moveTo>
-                  <a:pt x="231" y="148"/>
-                </a:moveTo>
-                <a:cubicBezTo>
-                  <a:pt x="231" y="117"/>
-                  <a:pt x="206" y="91"/>
-                  <a:pt x="174" y="91"/>
-                </a:cubicBezTo>
-                <a:cubicBezTo>
-                  <a:pt x="142" y="91"/>
-                  <a:pt x="117" y="117"/>
-                  <a:pt x="117" y="148"/>
-                </a:cubicBezTo>
-                <a:moveTo>
-                  <a:pt x="57" y="295"/>
-                </a:moveTo>
-                <a:cubicBezTo>
-                  <a:pt x="82" y="295"/>
-                  <a:pt x="102" y="275"/>
-                  <a:pt x="102" y="249"/>
-                </a:cubicBezTo>
-                <a:cubicBezTo>
-                  <a:pt x="102" y="224"/>
-                  <a:pt x="82" y="204"/>
-                  <a:pt x="57" y="204"/>
-                </a:cubicBezTo>
-                <a:cubicBezTo>
-                  <a:pt x="32" y="204"/>
-                  <a:pt x="11" y="224"/>
-                  <a:pt x="11" y="249"/>
-                </a:cubicBezTo>
-                <a:cubicBezTo>
-                  <a:pt x="11" y="275"/>
-                  <a:pt x="32" y="295"/>
-                  <a:pt x="57" y="295"/>
-                </a:cubicBezTo>
-                <a:close/>
-                <a:moveTo>
-                  <a:pt x="114" y="352"/>
-                </a:moveTo>
-                <a:cubicBezTo>
-                  <a:pt x="114" y="320"/>
-                  <a:pt x="88" y="295"/>
-                  <a:pt x="57" y="295"/>
-                </a:cubicBezTo>
-                <a:cubicBezTo>
-                  <a:pt x="25" y="295"/>
-                  <a:pt x="0" y="320"/>
-                  <a:pt x="0" y="352"/>
-                </a:cubicBezTo>
-                <a:moveTo>
-                  <a:pt x="291" y="295"/>
-                </a:moveTo>
-                <a:cubicBezTo>
-                  <a:pt x="316" y="295"/>
-                  <a:pt x="337" y="275"/>
-                  <a:pt x="337" y="249"/>
-                </a:cubicBezTo>
-                <a:cubicBezTo>
-                  <a:pt x="337" y="224"/>
-                  <a:pt x="316" y="204"/>
-                  <a:pt x="291" y="204"/>
-                </a:cubicBezTo>
-                <a:cubicBezTo>
-                  <a:pt x="266" y="204"/>
-                  <a:pt x="246" y="224"/>
-                  <a:pt x="246" y="249"/>
-                </a:cubicBezTo>
-                <a:cubicBezTo>
-                  <a:pt x="246" y="275"/>
-                  <a:pt x="266" y="295"/>
-                  <a:pt x="291" y="295"/>
-                </a:cubicBezTo>
-                <a:close/>
-                <a:moveTo>
-                  <a:pt x="348" y="352"/>
-                </a:moveTo>
-                <a:cubicBezTo>
-                  <a:pt x="348" y="320"/>
-                  <a:pt x="323" y="295"/>
-                  <a:pt x="291" y="295"/>
-                </a:cubicBezTo>
-                <a:cubicBezTo>
-                  <a:pt x="260" y="295"/>
-                  <a:pt x="234" y="320"/>
-                  <a:pt x="234" y="352"/>
-                </a:cubicBezTo>
-                <a:moveTo>
-                  <a:pt x="224" y="219"/>
-                </a:moveTo>
-                <a:cubicBezTo>
-                  <a:pt x="174" y="169"/>
-                  <a:pt x="174" y="169"/>
-                  <a:pt x="174" y="169"/>
-                </a:cubicBezTo>
-                <a:cubicBezTo>
-                  <a:pt x="124" y="219"/>
-                  <a:pt x="124" y="219"/>
-                  <a:pt x="124" y="219"/>
-                </a:cubicBezTo>
-              </a:path>
-            </a:pathLst>
-          </a:custGeom>
-          <a:solidFill>
-            <a:schemeClr val="accent2"/>
-          </a:solidFill>
-          <a:ln w="15875" cap="sq">
-            <a:solidFill>
-              <a:schemeClr val="bg2"/>
-            </a:solidFill>
-            <a:prstDash val="solid"/>
-            <a:miter lim="800000"/>
-            <a:headEnd/>
-            <a:tailEnd/>
-          </a:ln>
-        </p:spPr>
-        <p:txBody>
-          <a:bodyPr vert="horz" wrap="square" lIns="91440" tIns="45720" rIns="91440" bIns="45720" numCol="1" anchor="t" anchorCtr="0" compatLnSpc="1">
-            <a:prstTxWarp prst="textNoShape">
-              <a:avLst/>
-            </a:prstTxWarp>
-          </a:bodyPr>
-          <a:lstStyle/>
-          <a:p>
-            <a:endParaRPr lang="en-US" dirty="0"/>
-          </a:p>
-        </p:txBody>
-      </p:sp>
-      <p:sp>
-        <p:nvSpPr>
-          <p:cNvPr id="5" name="Text Placeholder 2">
-            <a:extLst>
-              <a:ext uri="{FF2B5EF4-FFF2-40B4-BE49-F238E27FC236}">
-                <a16:creationId xmlns:a16="http://schemas.microsoft.com/office/drawing/2014/main" id="{A6F43C5F-3B74-440E-BED7-662216EB4A92}"/>
-              </a:ext>
-            </a:extLst>
-          </p:cNvPr>
-          <p:cNvSpPr txBox="1">
-            <a:spLocks/>
-          </p:cNvSpPr>
-          <p:nvPr/>
-        </p:nvSpPr>
-        <p:spPr>
-          <a:xfrm>
-            <a:off x="457200" y="5758041"/>
-            <a:ext cx="4162425" cy="307777"/>
-          </a:xfrm>
-          <a:prstGeom prst="rect">
-            <a:avLst/>
-          </a:prstGeom>
-        </p:spPr>
-        <p:txBody>
-          <a:bodyPr/>
-          <a:lstStyle>
-            <a:lvl1pPr marL="228600" marR="0" indent="-228600" algn="l" defTabSz="932742" rtl="0" eaLnBrk="1" fontAlgn="auto" latinLnBrk="0" hangingPunct="1">
-              <a:lnSpc>
-                <a:spcPct val="100000"/>
-              </a:lnSpc>
-              <a:spcBef>
-                <a:spcPct val="20000"/>
-              </a:spcBef>
-              <a:spcAft>
-                <a:spcPts val="0"/>
-              </a:spcAft>
-              <a:buClrTx/>
-              <a:buSzPct val="90000"/>
-              <a:buFont typeface="Wingdings" panose="05000000000000000000" pitchFamily="2" charset="2"/>
-              <a:buChar char=""/>
-              <a:tabLst/>
-              <a:defRPr sz="2800" kern="1200" spc="0" baseline="0">
-                <a:gradFill>
-                  <a:gsLst>
-                    <a:gs pos="1250">
-                      <a:schemeClr val="tx1"/>
-                    </a:gs>
-                    <a:gs pos="100000">
-                      <a:schemeClr val="tx1"/>
-                    </a:gs>
-                  </a:gsLst>
-                  <a:lin ang="5400000" scaled="0"/>
-                </a:gradFill>
-                <a:latin typeface="+mn-lt"/>
-                <a:ea typeface="+mn-ea"/>
-                <a:cs typeface="Segoe UI Semilight" panose="020B0402040204020203" pitchFamily="34" charset="0"/>
-              </a:defRPr>
-            </a:lvl1pPr>
-            <a:lvl2pPr marL="457200" marR="0" indent="-228600" algn="l" defTabSz="932742" rtl="0" eaLnBrk="1" fontAlgn="auto" latinLnBrk="0" hangingPunct="1">
-              <a:lnSpc>
-                <a:spcPct val="100000"/>
-              </a:lnSpc>
-              <a:spcBef>
-                <a:spcPct val="20000"/>
-              </a:spcBef>
-              <a:spcAft>
-                <a:spcPts val="0"/>
-              </a:spcAft>
-              <a:buClrTx/>
-              <a:buSzPct val="90000"/>
-              <a:buFont typeface="Wingdings" panose="05000000000000000000" pitchFamily="2" charset="2"/>
-              <a:buChar char=""/>
-              <a:tabLst/>
-              <a:defRPr sz="2000" kern="1200" spc="0" baseline="0">
-                <a:gradFill>
-                  <a:gsLst>
-                    <a:gs pos="1250">
-                      <a:schemeClr val="tx1"/>
-                    </a:gs>
-                    <a:gs pos="100000">
-                      <a:schemeClr val="tx1"/>
-                    </a:gs>
-                  </a:gsLst>
-                  <a:lin ang="5400000" scaled="0"/>
-                </a:gradFill>
-                <a:latin typeface="+mn-lt"/>
-                <a:ea typeface="+mn-ea"/>
-                <a:cs typeface="+mn-cs"/>
-              </a:defRPr>
-            </a:lvl2pPr>
-            <a:lvl3pPr marL="657225" marR="0" indent="-200025" algn="l" defTabSz="932742" rtl="0" eaLnBrk="1" fontAlgn="auto" latinLnBrk="0" hangingPunct="1">
-              <a:lnSpc>
-                <a:spcPct val="100000"/>
-              </a:lnSpc>
-              <a:spcBef>
-                <a:spcPct val="20000"/>
-              </a:spcBef>
-              <a:spcAft>
-                <a:spcPts val="0"/>
-              </a:spcAft>
-              <a:buClrTx/>
-              <a:buSzPct val="90000"/>
-              <a:buFont typeface="Wingdings" panose="05000000000000000000" pitchFamily="2" charset="2"/>
-              <a:buChar char=""/>
-              <a:tabLst/>
-              <a:defRPr sz="1600" kern="1200" spc="0" baseline="0">
-                <a:gradFill>
-                  <a:gsLst>
-                    <a:gs pos="1250">
-                      <a:schemeClr val="tx1"/>
-                    </a:gs>
-                    <a:gs pos="100000">
-                      <a:schemeClr val="tx1"/>
-                    </a:gs>
-                  </a:gsLst>
-                  <a:lin ang="5400000" scaled="0"/>
-                </a:gradFill>
-                <a:latin typeface="+mn-lt"/>
-                <a:ea typeface="+mn-ea"/>
-                <a:cs typeface="+mn-cs"/>
-              </a:defRPr>
-            </a:lvl3pPr>
-            <a:lvl4pPr marL="842963" marR="0" indent="-180975" algn="l" defTabSz="932742" rtl="0" eaLnBrk="1" fontAlgn="auto" latinLnBrk="0" hangingPunct="1">
-              <a:lnSpc>
-                <a:spcPct val="100000"/>
-              </a:lnSpc>
-              <a:spcBef>
-                <a:spcPct val="20000"/>
-              </a:spcBef>
-              <a:spcAft>
-                <a:spcPts val="0"/>
-              </a:spcAft>
-              <a:buClrTx/>
-              <a:buSzPct val="90000"/>
-              <a:buFont typeface="Wingdings" panose="05000000000000000000" pitchFamily="2" charset="2"/>
-              <a:buChar char=""/>
-              <a:tabLst/>
-              <a:defRPr sz="1400" kern="1200" spc="0" baseline="0">
-                <a:gradFill>
-                  <a:gsLst>
-                    <a:gs pos="1250">
-                      <a:schemeClr val="tx1"/>
-                    </a:gs>
-                    <a:gs pos="100000">
-                      <a:schemeClr val="tx1"/>
-                    </a:gs>
-                  </a:gsLst>
-                  <a:lin ang="5400000" scaled="0"/>
-                </a:gradFill>
-                <a:latin typeface="+mn-lt"/>
-                <a:ea typeface="+mn-ea"/>
-                <a:cs typeface="+mn-cs"/>
-              </a:defRPr>
-            </a:lvl4pPr>
-            <a:lvl5pPr marL="1023938" marR="0" indent="-168275" algn="l" defTabSz="932742" rtl="0" eaLnBrk="1" fontAlgn="auto" latinLnBrk="0" hangingPunct="1">
-              <a:lnSpc>
-                <a:spcPct val="100000"/>
-              </a:lnSpc>
-              <a:spcBef>
-                <a:spcPct val="20000"/>
-              </a:spcBef>
-              <a:spcAft>
-                <a:spcPts val="0"/>
-              </a:spcAft>
-              <a:buClrTx/>
-              <a:buSzPct val="90000"/>
-              <a:buFont typeface="Wingdings" panose="05000000000000000000" pitchFamily="2" charset="2"/>
-              <a:buChar char=""/>
-              <a:tabLst/>
-              <a:defRPr sz="1400" kern="1200" spc="0" baseline="0">
-                <a:gradFill>
-                  <a:gsLst>
-                    <a:gs pos="1250">
-                      <a:schemeClr val="tx1"/>
-                    </a:gs>
-                    <a:gs pos="100000">
-                      <a:schemeClr val="tx1"/>
-                    </a:gs>
-                  </a:gsLst>
-                  <a:lin ang="5400000" scaled="0"/>
-                </a:gradFill>
-                <a:latin typeface="+mn-lt"/>
-                <a:ea typeface="+mn-ea"/>
-                <a:cs typeface="+mn-cs"/>
-              </a:defRPr>
-            </a:lvl5pPr>
-            <a:lvl6pPr marL="2565040" indent="-233186" algn="l" defTabSz="932742" rtl="0" eaLnBrk="1" latinLnBrk="0" hangingPunct="1">
-              <a:spcBef>
-                <a:spcPct val="20000"/>
-              </a:spcBef>
-              <a:buFont typeface="Arial" pitchFamily="34" charset="0"/>
-              <a:buChar char="•"/>
-              <a:defRPr sz="2000" kern="1200">
-                <a:solidFill>
-                  <a:schemeClr val="tx1"/>
-                </a:solidFill>
-                <a:latin typeface="+mn-lt"/>
-                <a:ea typeface="+mn-ea"/>
-                <a:cs typeface="+mn-cs"/>
-              </a:defRPr>
-            </a:lvl6pPr>
-            <a:lvl7pPr marL="3031412" indent="-233186" algn="l" defTabSz="932742" rtl="0" eaLnBrk="1" latinLnBrk="0" hangingPunct="1">
-              <a:spcBef>
-                <a:spcPct val="20000"/>
-              </a:spcBef>
-              <a:buFont typeface="Arial" pitchFamily="34" charset="0"/>
-              <a:buChar char="•"/>
-              <a:defRPr sz="2000" kern="1200">
-                <a:solidFill>
-                  <a:schemeClr val="tx1"/>
-                </a:solidFill>
-                <a:latin typeface="+mn-lt"/>
-                <a:ea typeface="+mn-ea"/>
-                <a:cs typeface="+mn-cs"/>
-              </a:defRPr>
-            </a:lvl7pPr>
-            <a:lvl8pPr marL="3497783" indent="-233186" algn="l" defTabSz="932742" rtl="0" eaLnBrk="1" latinLnBrk="0" hangingPunct="1">
-              <a:spcBef>
-                <a:spcPct val="20000"/>
-              </a:spcBef>
-              <a:buFont typeface="Arial" pitchFamily="34" charset="0"/>
-              <a:buChar char="•"/>
-              <a:defRPr sz="2000" kern="1200">
-                <a:solidFill>
-                  <a:schemeClr val="tx1"/>
-                </a:solidFill>
-                <a:latin typeface="+mn-lt"/>
-                <a:ea typeface="+mn-ea"/>
-                <a:cs typeface="+mn-cs"/>
-              </a:defRPr>
-            </a:lvl8pPr>
-            <a:lvl9pPr marL="3964155" indent="-233186" algn="l" defTabSz="932742" rtl="0" eaLnBrk="1" latinLnBrk="0" hangingPunct="1">
-              <a:spcBef>
-                <a:spcPct val="20000"/>
-              </a:spcBef>
-              <a:buFont typeface="Arial" pitchFamily="34" charset="0"/>
-              <a:buChar char="•"/>
-              <a:defRPr sz="2000" kern="1200">
-                <a:solidFill>
-                  <a:schemeClr val="tx1"/>
-                </a:solidFill>
-                <a:latin typeface="+mn-lt"/>
-                <a:ea typeface="+mn-ea"/>
-                <a:cs typeface="+mn-cs"/>
-              </a:defRPr>
-            </a:lvl9pPr>
-          </a:lstStyle>
-          <a:p>
-            <a:pPr marL="0" indent="0">
-              <a:buNone/>
-            </a:pPr>
-            <a:r>
-              <a:rPr lang="en-US" sz="2000" dirty="0"/>
-              <a:t>Classroom discussion</a:t>
-            </a:r>
-          </a:p>
-        </p:txBody>
-      </p:sp>
-    </p:spTree>
-    <p:extLst>
-      <p:ext uri="{BB962C8B-B14F-4D97-AF65-F5344CB8AC3E}">
-        <p14:creationId xmlns:p14="http://schemas.microsoft.com/office/powerpoint/2010/main" val="3029210555"/>
-      </p:ext>
-    </p:extLst>
-  </p:cSld>
-  <p:clrMapOvr>
-    <a:masterClrMapping/>
-  </p:clrMapOvr>
-  <p:transition>
-    <p:fade/>
-  </p:transition>
-</p:sld>
-</file>
-
-<file path=ppt/slides/slide13.xml><?xml version="1.0" encoding="utf-8"?>
-<p:sld xmlns:a="http://schemas.openxmlformats.org/drawingml/2006/main" xmlns:r="http://schemas.openxmlformats.org/officeDocument/2006/relationships" xmlns:p="http://schemas.openxmlformats.org/presentationml/2006/main">
-  <p:cSld>
-    <p:spTree>
-      <p:nvGrpSpPr>
-        <p:cNvPr id="1" name=""/>
-        <p:cNvGrpSpPr/>
-        <p:nvPr/>
-      </p:nvGrpSpPr>
-      <p:grpSpPr>
-        <a:xfrm>
-          <a:off x="0" y="0"/>
-          <a:ext cx="0" cy="0"/>
-          <a:chOff x="0" y="0"/>
-          <a:chExt cx="0" cy="0"/>
-        </a:xfrm>
-      </p:grpSpPr>
-      <p:sp>
-        <p:nvSpPr>
-          <p:cNvPr id="2" name="Title 1"/>
-          <p:cNvSpPr>
-            <a:spLocks noGrp="1"/>
-          </p:cNvSpPr>
-          <p:nvPr>
-            <p:ph type="title"/>
-          </p:nvPr>
-        </p:nvSpPr>
-        <p:spPr/>
-        <p:txBody>
-          <a:bodyPr/>
-          <a:lstStyle/>
-          <a:p>
-            <a:r>
-              <a:rPr lang="en-US" dirty="0"/>
-              <a:t>Destined for Failure</a:t>
-            </a:r>
-          </a:p>
-        </p:txBody>
-      </p:sp>
-      <p:sp>
-        <p:nvSpPr>
-          <p:cNvPr id="4" name="Content Placeholder 3"/>
-          <p:cNvSpPr>
-            <a:spLocks noGrp="1"/>
-          </p:cNvSpPr>
-          <p:nvPr>
-            <p:ph idx="1"/>
-          </p:nvPr>
-        </p:nvSpPr>
-        <p:spPr>
-          <a:xfrm>
-            <a:off x="409677" y="1189177"/>
-            <a:ext cx="11515404" cy="6352508"/>
-          </a:xfrm>
-        </p:spPr>
-        <p:txBody>
-          <a:bodyPr/>
-          <a:lstStyle/>
-          <a:p>
-            <a:pPr marL="457200" indent="-457200">
-              <a:buFont typeface="Wingdings" panose="05000000000000000000" pitchFamily="2" charset="2"/>
-              <a:buChar char="§"/>
-            </a:pPr>
-            <a:r>
-              <a:rPr lang="en-US" dirty="0"/>
-              <a:t>Underestimating complexity of integrating</a:t>
-            </a:r>
-            <a:br>
-              <a:rPr lang="en-US" dirty="0"/>
-            </a:br>
-            <a:endParaRPr lang="en-US" dirty="0"/>
-          </a:p>
-          <a:p>
-            <a:pPr marL="457200" indent="-457200">
-              <a:buFont typeface="Wingdings" panose="05000000000000000000" pitchFamily="2" charset="2"/>
-              <a:buChar char="§"/>
-            </a:pPr>
-            <a:r>
-              <a:rPr lang="en-US" dirty="0"/>
-              <a:t>Poor user experience using the integrated solution</a:t>
-            </a:r>
-            <a:br>
-              <a:rPr lang="en-US" dirty="0"/>
-            </a:br>
-            <a:endParaRPr lang="en-US" dirty="0"/>
-          </a:p>
-          <a:p>
-            <a:pPr marL="457200" indent="-457200">
-              <a:buFont typeface="Wingdings" panose="05000000000000000000" pitchFamily="2" charset="2"/>
-              <a:buChar char="§"/>
-            </a:pPr>
-            <a:r>
-              <a:rPr lang="en-US" dirty="0"/>
-              <a:t>Increasing cohesion of components to creating a fragile system</a:t>
-            </a:r>
-            <a:br>
-              <a:rPr lang="en-US" dirty="0"/>
-            </a:br>
-            <a:endParaRPr lang="en-US" dirty="0"/>
-          </a:p>
-          <a:p>
-            <a:pPr marL="457200" indent="-457200">
-              <a:buFont typeface="Wingdings" panose="05000000000000000000" pitchFamily="2" charset="2"/>
-              <a:buChar char="§"/>
-            </a:pPr>
-            <a:r>
-              <a:rPr lang="en-US" dirty="0"/>
-              <a:t>Not knowing what Microsoft Power Platform does or doesn’t do well</a:t>
-            </a:r>
-            <a:br>
-              <a:rPr lang="en-US" dirty="0"/>
-            </a:br>
-            <a:endParaRPr lang="en-US" dirty="0"/>
-          </a:p>
-          <a:p>
-            <a:pPr marL="457200" indent="-457200">
-              <a:buFont typeface="Wingdings" panose="05000000000000000000" pitchFamily="2" charset="2"/>
-              <a:buChar char="§"/>
-            </a:pPr>
-            <a:r>
-              <a:rPr lang="en-US" dirty="0"/>
-              <a:t>Not knowing what the other product does or doesn’t do well</a:t>
-            </a:r>
-            <a:br>
-              <a:rPr lang="en-US" dirty="0"/>
-            </a:br>
-            <a:endParaRPr lang="en-US" dirty="0"/>
-          </a:p>
-          <a:p>
-            <a:pPr marL="457200" indent="-457200">
-              <a:buFont typeface="Wingdings" panose="05000000000000000000" pitchFamily="2" charset="2"/>
-              <a:buChar char="§"/>
-            </a:pPr>
-            <a:r>
-              <a:rPr lang="en-US" dirty="0"/>
-              <a:t>Source data poor quality/full of duplicates and dirty data</a:t>
-            </a:r>
-          </a:p>
-          <a:p>
-            <a:endParaRPr lang="en-US" sz="3200" dirty="0"/>
-          </a:p>
-          <a:p>
-            <a:endParaRPr lang="en-US" sz="3200" dirty="0"/>
-          </a:p>
-        </p:txBody>
-      </p:sp>
-    </p:spTree>
-    <p:extLst>
-      <p:ext uri="{BB962C8B-B14F-4D97-AF65-F5344CB8AC3E}">
-        <p14:creationId xmlns:p14="http://schemas.microsoft.com/office/powerpoint/2010/main" val="2285654360"/>
-      </p:ext>
-    </p:extLst>
-  </p:cSld>
-  <p:clrMapOvr>
-    <a:masterClrMapping/>
-  </p:clrMapOvr>
-  <mc:AlternateContent xmlns:mc="http://schemas.openxmlformats.org/markup-compatibility/2006" xmlns:p14="http://schemas.microsoft.com/office/powerpoint/2010/main">
-    <mc:Choice Requires="p14">
-      <p:transition spd="med" p14:dur="700">
-        <p:fade/>
-      </p:transition>
-    </mc:Choice>
-    <mc:Fallback xmlns="">
-      <p:transition spd="med">
-        <p:fade/>
-      </p:transition>
-    </mc:Fallback>
-  </mc:AlternateContent>
-</p:sld>
-</file>
-
-<file path=ppt/slides/slide14.xml><?xml version="1.0" encoding="utf-8"?>
-<p:sld xmlns:a="http://schemas.openxmlformats.org/drawingml/2006/main" xmlns:r="http://schemas.openxmlformats.org/officeDocument/2006/relationships" xmlns:p="http://schemas.openxmlformats.org/presentationml/2006/main">
-  <p:cSld>
-    <p:spTree>
-      <p:nvGrpSpPr>
-        <p:cNvPr id="1" name=""/>
-        <p:cNvGrpSpPr/>
-        <p:nvPr/>
-      </p:nvGrpSpPr>
-      <p:grpSpPr>
-        <a:xfrm>
-          <a:off x="0" y="0"/>
-          <a:ext cx="0" cy="0"/>
-          <a:chOff x="0" y="0"/>
-          <a:chExt cx="0" cy="0"/>
-        </a:xfrm>
-      </p:grpSpPr>
-      <p:sp>
-        <p:nvSpPr>
-          <p:cNvPr id="2" name="Title 1">
-            <a:extLst>
-              <a:ext uri="{FF2B5EF4-FFF2-40B4-BE49-F238E27FC236}">
-                <a16:creationId xmlns:a16="http://schemas.microsoft.com/office/drawing/2014/main" id="{A480F83C-E7B4-4008-81BC-E54AE1C5226D}"/>
-              </a:ext>
-            </a:extLst>
-          </p:cNvPr>
-          <p:cNvSpPr>
-            <a:spLocks noGrp="1"/>
-          </p:cNvSpPr>
-          <p:nvPr>
-            <p:ph type="title"/>
-          </p:nvPr>
-        </p:nvSpPr>
-        <p:spPr/>
-        <p:txBody>
-          <a:bodyPr/>
-          <a:lstStyle/>
-          <a:p>
-            <a:r>
-              <a:rPr lang="en-US" dirty="0"/>
-              <a:t>Design integrations to be resilient </a:t>
-            </a:r>
-          </a:p>
-        </p:txBody>
-      </p:sp>
-      <p:sp>
-        <p:nvSpPr>
-          <p:cNvPr id="3" name="Text Placeholder 2">
-            <a:extLst>
-              <a:ext uri="{FF2B5EF4-FFF2-40B4-BE49-F238E27FC236}">
-                <a16:creationId xmlns:a16="http://schemas.microsoft.com/office/drawing/2014/main" id="{046386A9-6E81-4A87-AD6D-D66C411C6BDF}"/>
-              </a:ext>
-            </a:extLst>
-          </p:cNvPr>
-          <p:cNvSpPr>
-            <a:spLocks noGrp="1"/>
-          </p:cNvSpPr>
-          <p:nvPr>
-            <p:ph type="body" sz="quarter" idx="10"/>
-          </p:nvPr>
-        </p:nvSpPr>
-        <p:spPr>
-          <a:xfrm>
-            <a:off x="584200" y="1435497"/>
-            <a:ext cx="11018520" cy="3533275"/>
-          </a:xfrm>
-        </p:spPr>
-        <p:txBody>
-          <a:bodyPr/>
-          <a:lstStyle/>
-          <a:p>
-            <a:r>
-              <a:rPr lang="en-US" dirty="0"/>
-              <a:t>Expect transient errors with your integrations</a:t>
-            </a:r>
-          </a:p>
-          <a:p>
-            <a:endParaRPr lang="en-US" dirty="0"/>
-          </a:p>
-          <a:p>
-            <a:r>
-              <a:rPr lang="en-US" dirty="0"/>
-              <a:t>Include escalating retry logic with circuit breaker to eventually fail</a:t>
-            </a:r>
-          </a:p>
-          <a:p>
-            <a:endParaRPr lang="en-US" dirty="0"/>
-          </a:p>
-          <a:p>
-            <a:r>
-              <a:rPr lang="en-US" dirty="0"/>
-              <a:t>Use queuing or other loosely coupled techniques to increase resiliency </a:t>
-            </a:r>
-          </a:p>
-          <a:p>
-            <a:endParaRPr lang="en-US" dirty="0"/>
-          </a:p>
-          <a:p>
-            <a:r>
-              <a:rPr lang="en-US" dirty="0"/>
-              <a:t>Include in your designs how to handle common expected failures</a:t>
-            </a:r>
-          </a:p>
-        </p:txBody>
-      </p:sp>
-    </p:spTree>
-    <p:extLst>
-      <p:ext uri="{BB962C8B-B14F-4D97-AF65-F5344CB8AC3E}">
-        <p14:creationId xmlns:p14="http://schemas.microsoft.com/office/powerpoint/2010/main" val="1357691490"/>
-      </p:ext>
-    </p:extLst>
-  </p:cSld>
-  <p:clrMapOvr>
-    <a:masterClrMapping/>
-  </p:clrMapOvr>
-  <mc:AlternateContent xmlns:mc="http://schemas.openxmlformats.org/markup-compatibility/2006" xmlns:p14="http://schemas.microsoft.com/office/powerpoint/2010/main">
-    <mc:Choice Requires="p14">
-      <p:transition spd="med" p14:dur="700">
-        <p:fade/>
-      </p:transition>
-    </mc:Choice>
-    <mc:Fallback xmlns="">
-      <p:transition spd="med">
-        <p:fade/>
-      </p:transition>
-    </mc:Fallback>
-  </mc:AlternateContent>
-</p:sld>
-</file>
-
-<file path=ppt/slides/slide15.xml><?xml version="1.0" encoding="utf-8"?>
-<p:sld xmlns:a="http://schemas.openxmlformats.org/drawingml/2006/main" xmlns:r="http://schemas.openxmlformats.org/officeDocument/2006/relationships" xmlns:p="http://schemas.openxmlformats.org/presentationml/2006/main">
-  <p:cSld>
-    <p:spTree>
-      <p:nvGrpSpPr>
-        <p:cNvPr id="1" name=""/>
-        <p:cNvGrpSpPr/>
-        <p:nvPr/>
-      </p:nvGrpSpPr>
-      <p:grpSpPr>
-        <a:xfrm>
-          <a:off x="0" y="0"/>
-          <a:ext cx="0" cy="0"/>
-          <a:chOff x="0" y="0"/>
-          <a:chExt cx="0" cy="0"/>
-        </a:xfrm>
-      </p:grpSpPr>
-      <p:sp>
-        <p:nvSpPr>
-          <p:cNvPr id="2" name="Title 1"/>
-          <p:cNvSpPr>
-            <a:spLocks noGrp="1"/>
-          </p:cNvSpPr>
-          <p:nvPr>
-            <p:ph type="title"/>
-          </p:nvPr>
-        </p:nvSpPr>
-        <p:spPr/>
-        <p:txBody>
-          <a:bodyPr/>
-          <a:lstStyle/>
-          <a:p>
-            <a:r>
-              <a:rPr lang="en-US" dirty="0"/>
               <a:t>Finding the perfect balance</a:t>
             </a:r>
           </a:p>
@@ -33781,1321 +30921,7 @@
 </p:sld>
 </file>
 
-<file path=ppt/slides/slide16.xml><?xml version="1.0" encoding="utf-8"?>
-<p:sld xmlns:a="http://schemas.openxmlformats.org/drawingml/2006/main" xmlns:r="http://schemas.openxmlformats.org/officeDocument/2006/relationships" xmlns:p="http://schemas.openxmlformats.org/presentationml/2006/main">
-  <p:cSld>
-    <p:spTree>
-      <p:nvGrpSpPr>
-        <p:cNvPr id="1" name=""/>
-        <p:cNvGrpSpPr/>
-        <p:nvPr/>
-      </p:nvGrpSpPr>
-      <p:grpSpPr>
-        <a:xfrm>
-          <a:off x="0" y="0"/>
-          <a:ext cx="0" cy="0"/>
-          <a:chOff x="0" y="0"/>
-          <a:chExt cx="0" cy="0"/>
-        </a:xfrm>
-      </p:grpSpPr>
-      <p:sp>
-        <p:nvSpPr>
-          <p:cNvPr id="22" name="Title 21"/>
-          <p:cNvSpPr>
-            <a:spLocks noGrp="1"/>
-          </p:cNvSpPr>
-          <p:nvPr>
-            <p:ph type="title"/>
-          </p:nvPr>
-        </p:nvSpPr>
-        <p:spPr>
-          <a:xfrm>
-            <a:off x="588263" y="457200"/>
-            <a:ext cx="11018520" cy="724044"/>
-          </a:xfrm>
-        </p:spPr>
-        <p:txBody>
-          <a:bodyPr/>
-          <a:lstStyle/>
-          <a:p>
-            <a:r>
-              <a:rPr lang="en-US" sz="4705" dirty="0"/>
-              <a:t>Integration Toolset</a:t>
-            </a:r>
-          </a:p>
-        </p:txBody>
-      </p:sp>
-      <p:grpSp>
-        <p:nvGrpSpPr>
-          <p:cNvPr id="5" name="Group 4"/>
-          <p:cNvGrpSpPr/>
-          <p:nvPr/>
-        </p:nvGrpSpPr>
-        <p:grpSpPr>
-          <a:xfrm>
-            <a:off x="6197721" y="2082842"/>
-            <a:ext cx="4278050" cy="813586"/>
-            <a:chOff x="4472350" y="1224548"/>
-            <a:chExt cx="3739787" cy="813816"/>
-          </a:xfrm>
-        </p:grpSpPr>
-        <p:sp>
-          <p:nvSpPr>
-            <p:cNvPr id="18" name="Rectangle 17"/>
-            <p:cNvSpPr/>
-            <p:nvPr/>
-          </p:nvSpPr>
-          <p:spPr bwMode="auto">
-            <a:xfrm>
-              <a:off x="4472350" y="1224548"/>
-              <a:ext cx="3739787" cy="813816"/>
-            </a:xfrm>
-            <a:prstGeom prst="rect">
-              <a:avLst/>
-            </a:prstGeom>
-            <a:solidFill>
-              <a:schemeClr val="accent1"/>
-            </a:solidFill>
-            <a:ln>
-              <a:noFill/>
-              <a:headEnd type="none" w="med" len="med"/>
-              <a:tailEnd type="none" w="med" len="med"/>
-            </a:ln>
-          </p:spPr>
-          <p:style>
-            <a:lnRef idx="2">
-              <a:schemeClr val="accent2">
-                <a:shade val="50000"/>
-              </a:schemeClr>
-            </a:lnRef>
-            <a:fillRef idx="1">
-              <a:schemeClr val="accent2"/>
-            </a:fillRef>
-            <a:effectRef idx="0">
-              <a:schemeClr val="accent2"/>
-            </a:effectRef>
-            <a:fontRef idx="minor">
-              <a:schemeClr val="lt1"/>
-            </a:fontRef>
-          </p:style>
-          <p:txBody>
-            <a:bodyPr vert="horz" wrap="square" lIns="91410" tIns="274242" rIns="91410" bIns="45705" numCol="1" rtlCol="0" anchor="t" anchorCtr="0" compatLnSpc="1">
-              <a:prstTxWarp prst="textNoShape">
-                <a:avLst/>
-              </a:prstTxWarp>
-            </a:bodyPr>
-            <a:lstStyle/>
-            <a:p>
-              <a:pPr marL="696646" indent="-6346" defTabSz="914102">
-                <a:buClr>
-                  <a:srgbClr val="FFFFFF"/>
-                </a:buClr>
-              </a:pPr>
-              <a:r>
-                <a:rPr lang="en-US" sz="2400" dirty="0">
-                  <a:solidFill>
-                    <a:srgbClr val="FFFFFF"/>
-                  </a:solidFill>
-                  <a:ea typeface="Segoe UI" pitchFamily="34" charset="0"/>
-                  <a:cs typeface="Segoe UI" pitchFamily="34" charset="0"/>
-                </a:rPr>
-                <a:t>  Code Developers</a:t>
-              </a:r>
-            </a:p>
-          </p:txBody>
-        </p:sp>
-        <p:sp>
-          <p:nvSpPr>
-            <p:cNvPr id="50" name="Freeform 11"/>
-            <p:cNvSpPr>
-              <a:spLocks noEditPoints="1"/>
-            </p:cNvSpPr>
-            <p:nvPr/>
-          </p:nvSpPr>
-          <p:spPr bwMode="black">
-            <a:xfrm>
-              <a:off x="4710598" y="1351469"/>
-              <a:ext cx="453120" cy="453003"/>
-            </a:xfrm>
-            <a:custGeom>
-              <a:avLst/>
-              <a:gdLst>
-                <a:gd name="T0" fmla="*/ 213 w 709"/>
-                <a:gd name="T1" fmla="*/ 522 h 709"/>
-                <a:gd name="T2" fmla="*/ 213 w 709"/>
-                <a:gd name="T3" fmla="*/ 709 h 709"/>
-                <a:gd name="T4" fmla="*/ 0 w 709"/>
-                <a:gd name="T5" fmla="*/ 709 h 709"/>
-                <a:gd name="T6" fmla="*/ 0 w 709"/>
-                <a:gd name="T7" fmla="*/ 496 h 709"/>
-                <a:gd name="T8" fmla="*/ 88 w 709"/>
-                <a:gd name="T9" fmla="*/ 496 h 709"/>
-                <a:gd name="T10" fmla="*/ 67 w 709"/>
-                <a:gd name="T11" fmla="*/ 522 h 709"/>
-                <a:gd name="T12" fmla="*/ 213 w 709"/>
-                <a:gd name="T13" fmla="*/ 522 h 709"/>
-                <a:gd name="T14" fmla="*/ 619 w 709"/>
-                <a:gd name="T15" fmla="*/ 496 h 709"/>
-                <a:gd name="T16" fmla="*/ 643 w 709"/>
-                <a:gd name="T17" fmla="*/ 522 h 709"/>
-                <a:gd name="T18" fmla="*/ 496 w 709"/>
-                <a:gd name="T19" fmla="*/ 522 h 709"/>
-                <a:gd name="T20" fmla="*/ 496 w 709"/>
-                <a:gd name="T21" fmla="*/ 709 h 709"/>
-                <a:gd name="T22" fmla="*/ 709 w 709"/>
-                <a:gd name="T23" fmla="*/ 709 h 709"/>
-                <a:gd name="T24" fmla="*/ 709 w 709"/>
-                <a:gd name="T25" fmla="*/ 496 h 709"/>
-                <a:gd name="T26" fmla="*/ 619 w 709"/>
-                <a:gd name="T27" fmla="*/ 496 h 709"/>
-                <a:gd name="T28" fmla="*/ 355 w 709"/>
-                <a:gd name="T29" fmla="*/ 182 h 709"/>
-                <a:gd name="T30" fmla="*/ 381 w 709"/>
-                <a:gd name="T31" fmla="*/ 213 h 709"/>
-                <a:gd name="T32" fmla="*/ 461 w 709"/>
-                <a:gd name="T33" fmla="*/ 213 h 709"/>
-                <a:gd name="T34" fmla="*/ 461 w 709"/>
-                <a:gd name="T35" fmla="*/ 0 h 709"/>
-                <a:gd name="T36" fmla="*/ 248 w 709"/>
-                <a:gd name="T37" fmla="*/ 0 h 709"/>
-                <a:gd name="T38" fmla="*/ 248 w 709"/>
-                <a:gd name="T39" fmla="*/ 213 h 709"/>
-                <a:gd name="T40" fmla="*/ 329 w 709"/>
-                <a:gd name="T41" fmla="*/ 213 h 709"/>
-                <a:gd name="T42" fmla="*/ 355 w 709"/>
-                <a:gd name="T43" fmla="*/ 182 h 709"/>
-                <a:gd name="T44" fmla="*/ 123 w 709"/>
-                <a:gd name="T45" fmla="*/ 248 h 709"/>
-                <a:gd name="T46" fmla="*/ 123 w 709"/>
-                <a:gd name="T47" fmla="*/ 454 h 709"/>
-                <a:gd name="T48" fmla="*/ 298 w 709"/>
-                <a:gd name="T49" fmla="*/ 248 h 709"/>
-                <a:gd name="T50" fmla="*/ 123 w 709"/>
-                <a:gd name="T51" fmla="*/ 248 h 709"/>
-                <a:gd name="T52" fmla="*/ 355 w 709"/>
-                <a:gd name="T53" fmla="*/ 225 h 709"/>
-                <a:gd name="T54" fmla="*/ 128 w 709"/>
-                <a:gd name="T55" fmla="*/ 494 h 709"/>
-                <a:gd name="T56" fmla="*/ 248 w 709"/>
-                <a:gd name="T57" fmla="*/ 494 h 709"/>
-                <a:gd name="T58" fmla="*/ 248 w 709"/>
-                <a:gd name="T59" fmla="*/ 709 h 709"/>
-                <a:gd name="T60" fmla="*/ 461 w 709"/>
-                <a:gd name="T61" fmla="*/ 709 h 709"/>
-                <a:gd name="T62" fmla="*/ 461 w 709"/>
-                <a:gd name="T63" fmla="*/ 494 h 709"/>
-                <a:gd name="T64" fmla="*/ 581 w 709"/>
-                <a:gd name="T65" fmla="*/ 494 h 709"/>
-                <a:gd name="T66" fmla="*/ 355 w 709"/>
-                <a:gd name="T67" fmla="*/ 225 h 709"/>
-                <a:gd name="T68" fmla="*/ 584 w 709"/>
-                <a:gd name="T69" fmla="*/ 248 h 709"/>
-                <a:gd name="T70" fmla="*/ 411 w 709"/>
-                <a:gd name="T71" fmla="*/ 248 h 709"/>
-                <a:gd name="T72" fmla="*/ 584 w 709"/>
-                <a:gd name="T73" fmla="*/ 454 h 709"/>
-                <a:gd name="T74" fmla="*/ 584 w 709"/>
-                <a:gd name="T75" fmla="*/ 248 h 709"/>
-              </a:gdLst>
-              <a:ahLst/>
-              <a:cxnLst>
-                <a:cxn ang="0">
-                  <a:pos x="T0" y="T1"/>
-                </a:cxn>
-                <a:cxn ang="0">
-                  <a:pos x="T2" y="T3"/>
-                </a:cxn>
-                <a:cxn ang="0">
-                  <a:pos x="T4" y="T5"/>
-                </a:cxn>
-                <a:cxn ang="0">
-                  <a:pos x="T6" y="T7"/>
-                </a:cxn>
-                <a:cxn ang="0">
-                  <a:pos x="T8" y="T9"/>
-                </a:cxn>
-                <a:cxn ang="0">
-                  <a:pos x="T10" y="T11"/>
-                </a:cxn>
-                <a:cxn ang="0">
-                  <a:pos x="T12" y="T13"/>
-                </a:cxn>
-                <a:cxn ang="0">
-                  <a:pos x="T14" y="T15"/>
-                </a:cxn>
-                <a:cxn ang="0">
-                  <a:pos x="T16" y="T17"/>
-                </a:cxn>
-                <a:cxn ang="0">
-                  <a:pos x="T18" y="T19"/>
-                </a:cxn>
-                <a:cxn ang="0">
-                  <a:pos x="T20" y="T21"/>
-                </a:cxn>
-                <a:cxn ang="0">
-                  <a:pos x="T22" y="T23"/>
-                </a:cxn>
-                <a:cxn ang="0">
-                  <a:pos x="T24" y="T25"/>
-                </a:cxn>
-                <a:cxn ang="0">
-                  <a:pos x="T26" y="T27"/>
-                </a:cxn>
-                <a:cxn ang="0">
-                  <a:pos x="T28" y="T29"/>
-                </a:cxn>
-                <a:cxn ang="0">
-                  <a:pos x="T30" y="T31"/>
-                </a:cxn>
-                <a:cxn ang="0">
-                  <a:pos x="T32" y="T33"/>
-                </a:cxn>
-                <a:cxn ang="0">
-                  <a:pos x="T34" y="T35"/>
-                </a:cxn>
-                <a:cxn ang="0">
-                  <a:pos x="T36" y="T37"/>
-                </a:cxn>
-                <a:cxn ang="0">
-                  <a:pos x="T38" y="T39"/>
-                </a:cxn>
-                <a:cxn ang="0">
-                  <a:pos x="T40" y="T41"/>
-                </a:cxn>
-                <a:cxn ang="0">
-                  <a:pos x="T42" y="T43"/>
-                </a:cxn>
-                <a:cxn ang="0">
-                  <a:pos x="T44" y="T45"/>
-                </a:cxn>
-                <a:cxn ang="0">
-                  <a:pos x="T46" y="T47"/>
-                </a:cxn>
-                <a:cxn ang="0">
-                  <a:pos x="T48" y="T49"/>
-                </a:cxn>
-                <a:cxn ang="0">
-                  <a:pos x="T50" y="T51"/>
-                </a:cxn>
-                <a:cxn ang="0">
-                  <a:pos x="T52" y="T53"/>
-                </a:cxn>
-                <a:cxn ang="0">
-                  <a:pos x="T54" y="T55"/>
-                </a:cxn>
-                <a:cxn ang="0">
-                  <a:pos x="T56" y="T57"/>
-                </a:cxn>
-                <a:cxn ang="0">
-                  <a:pos x="T58" y="T59"/>
-                </a:cxn>
-                <a:cxn ang="0">
-                  <a:pos x="T60" y="T61"/>
-                </a:cxn>
-                <a:cxn ang="0">
-                  <a:pos x="T62" y="T63"/>
-                </a:cxn>
-                <a:cxn ang="0">
-                  <a:pos x="T64" y="T65"/>
-                </a:cxn>
-                <a:cxn ang="0">
-                  <a:pos x="T66" y="T67"/>
-                </a:cxn>
-                <a:cxn ang="0">
-                  <a:pos x="T68" y="T69"/>
-                </a:cxn>
-                <a:cxn ang="0">
-                  <a:pos x="T70" y="T71"/>
-                </a:cxn>
-                <a:cxn ang="0">
-                  <a:pos x="T72" y="T73"/>
-                </a:cxn>
-                <a:cxn ang="0">
-                  <a:pos x="T74" y="T75"/>
-                </a:cxn>
-              </a:cxnLst>
-              <a:rect l="0" t="0" r="r" b="b"/>
-              <a:pathLst>
-                <a:path w="709" h="709">
-                  <a:moveTo>
-                    <a:pt x="213" y="522"/>
-                  </a:moveTo>
-                  <a:lnTo>
-                    <a:pt x="213" y="709"/>
-                  </a:lnTo>
-                  <a:lnTo>
-                    <a:pt x="0" y="709"/>
-                  </a:lnTo>
-                  <a:lnTo>
-                    <a:pt x="0" y="496"/>
-                  </a:lnTo>
-                  <a:lnTo>
-                    <a:pt x="88" y="496"/>
-                  </a:lnTo>
-                  <a:lnTo>
-                    <a:pt x="67" y="522"/>
-                  </a:lnTo>
-                  <a:lnTo>
-                    <a:pt x="213" y="522"/>
-                  </a:lnTo>
-                  <a:close/>
-                  <a:moveTo>
-                    <a:pt x="619" y="496"/>
-                  </a:moveTo>
-                  <a:lnTo>
-                    <a:pt x="643" y="522"/>
-                  </a:lnTo>
-                  <a:lnTo>
-                    <a:pt x="496" y="522"/>
-                  </a:lnTo>
-                  <a:lnTo>
-                    <a:pt x="496" y="709"/>
-                  </a:lnTo>
-                  <a:lnTo>
-                    <a:pt x="709" y="709"/>
-                  </a:lnTo>
-                  <a:lnTo>
-                    <a:pt x="709" y="496"/>
-                  </a:lnTo>
-                  <a:lnTo>
-                    <a:pt x="619" y="496"/>
-                  </a:lnTo>
-                  <a:close/>
-                  <a:moveTo>
-                    <a:pt x="355" y="182"/>
-                  </a:moveTo>
-                  <a:lnTo>
-                    <a:pt x="381" y="213"/>
-                  </a:lnTo>
-                  <a:lnTo>
-                    <a:pt x="461" y="213"/>
-                  </a:lnTo>
-                  <a:lnTo>
-                    <a:pt x="461" y="0"/>
-                  </a:lnTo>
-                  <a:lnTo>
-                    <a:pt x="248" y="0"/>
-                  </a:lnTo>
-                  <a:lnTo>
-                    <a:pt x="248" y="213"/>
-                  </a:lnTo>
-                  <a:lnTo>
-                    <a:pt x="329" y="213"/>
-                  </a:lnTo>
-                  <a:lnTo>
-                    <a:pt x="355" y="182"/>
-                  </a:lnTo>
-                  <a:close/>
-                  <a:moveTo>
-                    <a:pt x="123" y="248"/>
-                  </a:moveTo>
-                  <a:lnTo>
-                    <a:pt x="123" y="454"/>
-                  </a:lnTo>
-                  <a:lnTo>
-                    <a:pt x="298" y="248"/>
-                  </a:lnTo>
-                  <a:lnTo>
-                    <a:pt x="123" y="248"/>
-                  </a:lnTo>
-                  <a:close/>
-                  <a:moveTo>
-                    <a:pt x="355" y="225"/>
-                  </a:moveTo>
-                  <a:lnTo>
-                    <a:pt x="128" y="494"/>
-                  </a:lnTo>
-                  <a:lnTo>
-                    <a:pt x="248" y="494"/>
-                  </a:lnTo>
-                  <a:lnTo>
-                    <a:pt x="248" y="709"/>
-                  </a:lnTo>
-                  <a:lnTo>
-                    <a:pt x="461" y="709"/>
-                  </a:lnTo>
-                  <a:lnTo>
-                    <a:pt x="461" y="494"/>
-                  </a:lnTo>
-                  <a:lnTo>
-                    <a:pt x="581" y="494"/>
-                  </a:lnTo>
-                  <a:lnTo>
-                    <a:pt x="355" y="225"/>
-                  </a:lnTo>
-                  <a:close/>
-                  <a:moveTo>
-                    <a:pt x="584" y="248"/>
-                  </a:moveTo>
-                  <a:lnTo>
-                    <a:pt x="411" y="248"/>
-                  </a:lnTo>
-                  <a:lnTo>
-                    <a:pt x="584" y="454"/>
-                  </a:lnTo>
-                  <a:lnTo>
-                    <a:pt x="584" y="248"/>
-                  </a:lnTo>
-                  <a:close/>
-                </a:path>
-              </a:pathLst>
-            </a:custGeom>
-            <a:solidFill>
-              <a:srgbClr val="FFFFFF"/>
-            </a:solidFill>
-            <a:ln>
-              <a:noFill/>
-            </a:ln>
-          </p:spPr>
-          <p:txBody>
-            <a:bodyPr vert="horz" wrap="square" lIns="82281" tIns="41141" rIns="82281" bIns="41141" numCol="1" anchor="t" anchorCtr="0" compatLnSpc="1">
-              <a:prstTxWarp prst="textNoShape">
-                <a:avLst/>
-              </a:prstTxWarp>
-            </a:bodyPr>
-            <a:lstStyle/>
-            <a:p>
-              <a:pPr defTabSz="914102"/>
-              <a:endParaRPr lang="en-US" sz="2400">
-                <a:solidFill>
-                  <a:srgbClr val="292929"/>
-                </a:solidFill>
-                <a:ea typeface="Segoe UI" pitchFamily="34" charset="0"/>
-                <a:cs typeface="Segoe UI" pitchFamily="34" charset="0"/>
-              </a:endParaRPr>
-            </a:p>
-          </p:txBody>
-        </p:sp>
-      </p:grpSp>
-      <p:sp>
-        <p:nvSpPr>
-          <p:cNvPr id="19" name="Rectangle 18"/>
-          <p:cNvSpPr/>
-          <p:nvPr/>
-        </p:nvSpPr>
-        <p:spPr bwMode="auto">
-          <a:xfrm>
-            <a:off x="1716234" y="2084554"/>
-            <a:ext cx="4376364" cy="811874"/>
-          </a:xfrm>
-          <a:prstGeom prst="rect">
-            <a:avLst/>
-          </a:prstGeom>
-          <a:solidFill>
-            <a:schemeClr val="accent4"/>
-          </a:solidFill>
-          <a:ln>
-            <a:noFill/>
-            <a:headEnd type="none" w="med" len="med"/>
-            <a:tailEnd type="none" w="med" len="med"/>
-          </a:ln>
-        </p:spPr>
-        <p:style>
-          <a:lnRef idx="2">
-            <a:schemeClr val="accent2">
-              <a:shade val="50000"/>
-            </a:schemeClr>
-          </a:lnRef>
-          <a:fillRef idx="1">
-            <a:schemeClr val="accent2"/>
-          </a:fillRef>
-          <a:effectRef idx="0">
-            <a:schemeClr val="accent2"/>
-          </a:effectRef>
-          <a:fontRef idx="minor">
-            <a:schemeClr val="lt1"/>
-          </a:fontRef>
-        </p:style>
-        <p:txBody>
-          <a:bodyPr vert="horz" wrap="square" lIns="91410" tIns="274242" rIns="91410" bIns="45705" numCol="1" rtlCol="0" anchor="t" anchorCtr="0" compatLnSpc="1">
-            <a:prstTxWarp prst="textNoShape">
-              <a:avLst/>
-            </a:prstTxWarp>
-          </a:bodyPr>
-          <a:lstStyle/>
-          <a:p>
-            <a:pPr marL="696646" indent="-6346" defTabSz="914102">
-              <a:buClr>
-                <a:srgbClr val="FFFFFF"/>
-              </a:buClr>
-            </a:pPr>
-            <a:r>
-              <a:rPr lang="en-US" sz="2400" dirty="0">
-                <a:solidFill>
-                  <a:srgbClr val="FFFFFF"/>
-                </a:solidFill>
-                <a:ea typeface="Segoe UI" pitchFamily="34" charset="0"/>
-                <a:cs typeface="Segoe UI" pitchFamily="34" charset="0"/>
-              </a:rPr>
-              <a:t>App Builders</a:t>
-            </a:r>
-          </a:p>
-        </p:txBody>
-      </p:sp>
-      <p:sp>
-        <p:nvSpPr>
-          <p:cNvPr id="23" name="Rectangle 22"/>
-          <p:cNvSpPr/>
-          <p:nvPr/>
-        </p:nvSpPr>
-        <p:spPr bwMode="auto">
-          <a:xfrm>
-            <a:off x="7909190" y="2993490"/>
-            <a:ext cx="2545945" cy="3510304"/>
-          </a:xfrm>
-          <a:prstGeom prst="rect">
-            <a:avLst/>
-          </a:prstGeom>
-          <a:solidFill>
-            <a:schemeClr val="accent1"/>
-          </a:solidFill>
-          <a:ln>
-            <a:noFill/>
-            <a:headEnd type="none" w="med" len="med"/>
-            <a:tailEnd type="none" w="med" len="med"/>
-          </a:ln>
-        </p:spPr>
-        <p:style>
-          <a:lnRef idx="2">
-            <a:schemeClr val="accent2">
-              <a:shade val="50000"/>
-            </a:schemeClr>
-          </a:lnRef>
-          <a:fillRef idx="1">
-            <a:schemeClr val="accent2"/>
-          </a:fillRef>
-          <a:effectRef idx="0">
-            <a:schemeClr val="accent2"/>
-          </a:effectRef>
-          <a:fontRef idx="minor">
-            <a:schemeClr val="lt1"/>
-          </a:fontRef>
-        </p:style>
-        <p:txBody>
-          <a:bodyPr vert="horz" wrap="square" lIns="91410" tIns="91414" rIns="91410" bIns="45705" numCol="1" rtlCol="0" anchor="t" anchorCtr="0" compatLnSpc="1">
-            <a:prstTxWarp prst="textNoShape">
-              <a:avLst/>
-            </a:prstTxWarp>
-          </a:bodyPr>
-          <a:lstStyle/>
-          <a:p>
-            <a:pPr marL="236446" lvl="1" indent="-234860" defTabSz="914102">
-              <a:lnSpc>
-                <a:spcPct val="90000"/>
-              </a:lnSpc>
-              <a:spcAft>
-                <a:spcPts val="600"/>
-              </a:spcAft>
-              <a:buClr>
-                <a:srgbClr val="FFFFFF"/>
-              </a:buClr>
-              <a:buSzPct val="90000"/>
-              <a:buFont typeface="Wingdings" pitchFamily="2" charset="2"/>
-              <a:buChar char="§"/>
-            </a:pPr>
-            <a:r>
-              <a:rPr lang="en-US" dirty="0">
-                <a:solidFill>
-                  <a:srgbClr val="FFFFFF"/>
-                </a:solidFill>
-                <a:ea typeface="Segoe UI" pitchFamily="34" charset="0"/>
-                <a:cs typeface="Segoe UI" pitchFamily="34" charset="0"/>
-              </a:rPr>
-              <a:t>External Processes</a:t>
-            </a:r>
-          </a:p>
-          <a:p>
-            <a:pPr marL="236446" lvl="1" indent="-234860" defTabSz="914102">
-              <a:lnSpc>
-                <a:spcPct val="90000"/>
-              </a:lnSpc>
-              <a:spcAft>
-                <a:spcPts val="600"/>
-              </a:spcAft>
-              <a:buClr>
-                <a:srgbClr val="FFFFFF"/>
-              </a:buClr>
-              <a:buSzPct val="90000"/>
-              <a:buFont typeface="Wingdings" pitchFamily="2" charset="2"/>
-              <a:buChar char="§"/>
-            </a:pPr>
-            <a:r>
-              <a:rPr lang="en-US" dirty="0">
-                <a:solidFill>
-                  <a:srgbClr val="FFFFFF"/>
-                </a:solidFill>
-                <a:ea typeface="Segoe UI" pitchFamily="34" charset="0"/>
-                <a:cs typeface="Segoe UI" pitchFamily="34" charset="0"/>
-              </a:rPr>
-              <a:t>Custom APIs</a:t>
-            </a:r>
-          </a:p>
-          <a:p>
-            <a:pPr marL="236446" lvl="1" indent="-234860" defTabSz="914102">
-              <a:lnSpc>
-                <a:spcPct val="90000"/>
-              </a:lnSpc>
-              <a:spcAft>
-                <a:spcPts val="600"/>
-              </a:spcAft>
-              <a:buClr>
-                <a:srgbClr val="FFFFFF"/>
-              </a:buClr>
-              <a:buSzPct val="90000"/>
-              <a:buFont typeface="Wingdings" pitchFamily="2" charset="2"/>
-              <a:buChar char="§"/>
-            </a:pPr>
-            <a:r>
-              <a:rPr lang="en-US" dirty="0">
-                <a:solidFill>
-                  <a:srgbClr val="FFFFFF"/>
-                </a:solidFill>
-                <a:ea typeface="Segoe UI" pitchFamily="34" charset="0"/>
-                <a:cs typeface="Segoe UI" pitchFamily="34" charset="0"/>
-              </a:rPr>
-              <a:t>Plug-ins</a:t>
-            </a:r>
-          </a:p>
-          <a:p>
-            <a:pPr marL="236446" lvl="1" indent="-234860" defTabSz="914102">
-              <a:lnSpc>
-                <a:spcPct val="90000"/>
-              </a:lnSpc>
-              <a:spcAft>
-                <a:spcPts val="600"/>
-              </a:spcAft>
-              <a:buClr>
-                <a:srgbClr val="FFFFFF"/>
-              </a:buClr>
-              <a:buSzPct val="90000"/>
-              <a:buFont typeface="Wingdings" pitchFamily="2" charset="2"/>
-              <a:buChar char="§"/>
-            </a:pPr>
-            <a:r>
-              <a:rPr lang="en-US" dirty="0">
-                <a:solidFill>
-                  <a:srgbClr val="FFFFFF"/>
-                </a:solidFill>
-                <a:ea typeface="Segoe UI" pitchFamily="34" charset="0"/>
-                <a:cs typeface="Segoe UI" pitchFamily="34" charset="0"/>
-              </a:rPr>
-              <a:t>Custom UI (PCF)</a:t>
-            </a:r>
-          </a:p>
-          <a:p>
-            <a:pPr marL="236446" lvl="1" indent="-234860" defTabSz="914102">
-              <a:lnSpc>
-                <a:spcPct val="90000"/>
-              </a:lnSpc>
-              <a:spcAft>
-                <a:spcPts val="600"/>
-              </a:spcAft>
-              <a:buClr>
-                <a:srgbClr val="FFFFFF"/>
-              </a:buClr>
-              <a:buSzPct val="90000"/>
-              <a:buFont typeface="Wingdings" pitchFamily="2" charset="2"/>
-              <a:buChar char="§"/>
-            </a:pPr>
-            <a:r>
-              <a:rPr lang="en-US" dirty="0">
-                <a:solidFill>
-                  <a:srgbClr val="FFFFFF"/>
-                </a:solidFill>
-                <a:ea typeface="Segoe UI" pitchFamily="34" charset="0"/>
-                <a:cs typeface="Segoe UI" pitchFamily="34" charset="0"/>
-              </a:rPr>
-              <a:t>External Clients</a:t>
-            </a:r>
-          </a:p>
-          <a:p>
-            <a:pPr marL="236446" lvl="1" indent="-234860" defTabSz="914102">
-              <a:lnSpc>
-                <a:spcPct val="90000"/>
-              </a:lnSpc>
-              <a:spcAft>
-                <a:spcPts val="600"/>
-              </a:spcAft>
-              <a:buClr>
-                <a:srgbClr val="FFFFFF"/>
-              </a:buClr>
-              <a:buSzPct val="90000"/>
-              <a:buFont typeface="Wingdings" pitchFamily="2" charset="2"/>
-              <a:buChar char="§"/>
-            </a:pPr>
-            <a:r>
-              <a:rPr lang="en-US" dirty="0">
-                <a:solidFill>
-                  <a:srgbClr val="FFFFFF"/>
-                </a:solidFill>
-                <a:ea typeface="Segoe UI" pitchFamily="34" charset="0"/>
-                <a:cs typeface="Segoe UI" pitchFamily="34" charset="0"/>
-              </a:rPr>
-              <a:t>Azure Logic Apps</a:t>
-            </a:r>
-          </a:p>
-          <a:p>
-            <a:pPr marL="236446" lvl="1" indent="-234860" defTabSz="914102">
-              <a:lnSpc>
-                <a:spcPct val="90000"/>
-              </a:lnSpc>
-              <a:spcAft>
-                <a:spcPts val="600"/>
-              </a:spcAft>
-              <a:buClr>
-                <a:srgbClr val="FFFFFF"/>
-              </a:buClr>
-              <a:buSzPct val="90000"/>
-              <a:buFont typeface="Wingdings" pitchFamily="2" charset="2"/>
-              <a:buChar char="§"/>
-            </a:pPr>
-            <a:r>
-              <a:rPr lang="en-US" dirty="0">
-                <a:solidFill>
-                  <a:srgbClr val="FFFFFF"/>
-                </a:solidFill>
-                <a:ea typeface="Segoe UI" pitchFamily="34" charset="0"/>
-                <a:cs typeface="Segoe UI" pitchFamily="34" charset="0"/>
-              </a:rPr>
-              <a:t>Azure Service Bus</a:t>
-            </a:r>
-          </a:p>
-          <a:p>
-            <a:pPr marL="236446" lvl="1" indent="-234860" defTabSz="914102">
-              <a:lnSpc>
-                <a:spcPct val="90000"/>
-              </a:lnSpc>
-              <a:spcAft>
-                <a:spcPts val="600"/>
-              </a:spcAft>
-              <a:buClr>
-                <a:srgbClr val="FFFFFF"/>
-              </a:buClr>
-              <a:buSzPct val="90000"/>
-              <a:buFont typeface="Wingdings" pitchFamily="2" charset="2"/>
-              <a:buChar char="§"/>
-            </a:pPr>
-            <a:r>
-              <a:rPr lang="en-US" dirty="0">
-                <a:solidFill>
-                  <a:srgbClr val="FFFFFF"/>
-                </a:solidFill>
-                <a:ea typeface="Segoe UI" pitchFamily="34" charset="0"/>
-                <a:cs typeface="Segoe UI" pitchFamily="34" charset="0"/>
-              </a:rPr>
-              <a:t>Virtual Entities</a:t>
-            </a:r>
-          </a:p>
-        </p:txBody>
-      </p:sp>
-      <p:sp>
-        <p:nvSpPr>
-          <p:cNvPr id="26" name="Rectangle 25"/>
-          <p:cNvSpPr/>
-          <p:nvPr/>
-        </p:nvSpPr>
-        <p:spPr bwMode="auto">
-          <a:xfrm>
-            <a:off x="4629199" y="2993490"/>
-            <a:ext cx="3137042" cy="3510304"/>
-          </a:xfrm>
-          <a:prstGeom prst="rect">
-            <a:avLst/>
-          </a:prstGeom>
-          <a:gradFill flip="none" rotWithShape="1">
-            <a:gsLst>
-              <a:gs pos="0">
-                <a:schemeClr val="accent1"/>
-              </a:gs>
-              <a:gs pos="100000">
-                <a:schemeClr val="accent4"/>
-              </a:gs>
-            </a:gsLst>
-            <a:lin ang="10800000" scaled="0"/>
-            <a:tileRect/>
-          </a:gradFill>
-          <a:ln>
-            <a:noFill/>
-            <a:headEnd type="none" w="med" len="med"/>
-            <a:tailEnd type="none" w="med" len="med"/>
-          </a:ln>
-        </p:spPr>
-        <p:style>
-          <a:lnRef idx="2">
-            <a:schemeClr val="accent2">
-              <a:shade val="50000"/>
-            </a:schemeClr>
-          </a:lnRef>
-          <a:fillRef idx="1">
-            <a:schemeClr val="accent2"/>
-          </a:fillRef>
-          <a:effectRef idx="0">
-            <a:schemeClr val="accent2"/>
-          </a:effectRef>
-          <a:fontRef idx="minor">
-            <a:schemeClr val="lt1"/>
-          </a:fontRef>
-        </p:style>
-        <p:txBody>
-          <a:bodyPr vert="horz" wrap="square" lIns="91410" tIns="91414" rIns="91410" bIns="45705" numCol="1" rtlCol="0" anchor="t" anchorCtr="0" compatLnSpc="1">
-            <a:prstTxWarp prst="textNoShape">
-              <a:avLst/>
-            </a:prstTxWarp>
-          </a:bodyPr>
-          <a:lstStyle/>
-          <a:p>
-            <a:pPr marL="236446" lvl="1" indent="-234860" defTabSz="914102">
-              <a:lnSpc>
-                <a:spcPct val="90000"/>
-              </a:lnSpc>
-              <a:spcAft>
-                <a:spcPts val="600"/>
-              </a:spcAft>
-              <a:buClr>
-                <a:srgbClr val="FFFFFF"/>
-              </a:buClr>
-              <a:buSzPct val="90000"/>
-              <a:buFont typeface="Wingdings" pitchFamily="2" charset="2"/>
-              <a:buChar char="§"/>
-            </a:pPr>
-            <a:r>
-              <a:rPr lang="en-US" dirty="0">
-                <a:solidFill>
-                  <a:srgbClr val="FFFFFF"/>
-                </a:solidFill>
-                <a:ea typeface="Segoe UI" pitchFamily="34" charset="0"/>
-                <a:cs typeface="Segoe UI" pitchFamily="34" charset="0"/>
-              </a:rPr>
-              <a:t>Power Automate flows</a:t>
-            </a:r>
-          </a:p>
-          <a:p>
-            <a:pPr marL="236446" lvl="1" indent="-234860" defTabSz="914102">
-              <a:lnSpc>
-                <a:spcPct val="90000"/>
-              </a:lnSpc>
-              <a:spcAft>
-                <a:spcPts val="600"/>
-              </a:spcAft>
-              <a:buClr>
-                <a:srgbClr val="FFFFFF"/>
-              </a:buClr>
-              <a:buSzPct val="90000"/>
-              <a:buFont typeface="Wingdings" pitchFamily="2" charset="2"/>
-              <a:buChar char="§"/>
-            </a:pPr>
-            <a:r>
-              <a:rPr lang="en-US" dirty="0">
-                <a:solidFill>
-                  <a:srgbClr val="FFFFFF"/>
-                </a:solidFill>
-                <a:ea typeface="Segoe UI" pitchFamily="34" charset="0"/>
-                <a:cs typeface="Segoe UI" pitchFamily="34" charset="0"/>
-              </a:rPr>
-              <a:t>Custom Connectors</a:t>
-            </a:r>
-          </a:p>
-          <a:p>
-            <a:pPr marL="236446" lvl="1" indent="-234860" defTabSz="914102">
-              <a:lnSpc>
-                <a:spcPct val="90000"/>
-              </a:lnSpc>
-              <a:spcAft>
-                <a:spcPts val="600"/>
-              </a:spcAft>
-              <a:buClr>
-                <a:srgbClr val="FFFFFF"/>
-              </a:buClr>
-              <a:buSzPct val="90000"/>
-              <a:buFont typeface="Wingdings" pitchFamily="2" charset="2"/>
-              <a:buChar char="§"/>
-            </a:pPr>
-            <a:r>
-              <a:rPr lang="en-US" dirty="0">
-                <a:solidFill>
-                  <a:srgbClr val="FFFFFF"/>
-                </a:solidFill>
-                <a:ea typeface="Segoe UI" pitchFamily="34" charset="0"/>
-                <a:cs typeface="Segoe UI" pitchFamily="34" charset="0"/>
-              </a:rPr>
-              <a:t>ETL Tools</a:t>
-            </a:r>
-          </a:p>
-          <a:p>
-            <a:pPr marL="236446" lvl="1" indent="-234860" defTabSz="914102">
-              <a:lnSpc>
-                <a:spcPct val="90000"/>
-              </a:lnSpc>
-              <a:spcAft>
-                <a:spcPts val="600"/>
-              </a:spcAft>
-              <a:buClr>
-                <a:srgbClr val="FFFFFF"/>
-              </a:buClr>
-              <a:buSzPct val="90000"/>
-              <a:buFont typeface="Wingdings" pitchFamily="2" charset="2"/>
-              <a:buChar char="§"/>
-            </a:pPr>
-            <a:endParaRPr lang="en-US" dirty="0">
-              <a:solidFill>
-                <a:srgbClr val="FFFFFF"/>
-              </a:solidFill>
-              <a:ea typeface="Segoe UI" pitchFamily="34" charset="0"/>
-              <a:cs typeface="Segoe UI" pitchFamily="34" charset="0"/>
-            </a:endParaRPr>
-          </a:p>
-        </p:txBody>
-      </p:sp>
-      <p:sp>
-        <p:nvSpPr>
-          <p:cNvPr id="34" name="Rectangle 33"/>
-          <p:cNvSpPr/>
-          <p:nvPr/>
-        </p:nvSpPr>
-        <p:spPr bwMode="auto">
-          <a:xfrm>
-            <a:off x="1770451" y="2993490"/>
-            <a:ext cx="2770020" cy="3510302"/>
-          </a:xfrm>
-          <a:prstGeom prst="rect">
-            <a:avLst/>
-          </a:prstGeom>
-          <a:solidFill>
-            <a:schemeClr val="accent4"/>
-          </a:solidFill>
-          <a:ln>
-            <a:noFill/>
-            <a:headEnd type="none" w="med" len="med"/>
-            <a:tailEnd type="none" w="med" len="med"/>
-          </a:ln>
-        </p:spPr>
-        <p:style>
-          <a:lnRef idx="2">
-            <a:schemeClr val="accent2">
-              <a:shade val="50000"/>
-            </a:schemeClr>
-          </a:lnRef>
-          <a:fillRef idx="1">
-            <a:schemeClr val="accent2"/>
-          </a:fillRef>
-          <a:effectRef idx="0">
-            <a:schemeClr val="accent2"/>
-          </a:effectRef>
-          <a:fontRef idx="minor">
-            <a:schemeClr val="lt1"/>
-          </a:fontRef>
-        </p:style>
-        <p:txBody>
-          <a:bodyPr vert="horz" wrap="square" lIns="91410" tIns="91414" rIns="91410" bIns="45705" numCol="1" rtlCol="0" anchor="t" anchorCtr="0" compatLnSpc="1">
-            <a:prstTxWarp prst="textNoShape">
-              <a:avLst/>
-            </a:prstTxWarp>
-          </a:bodyPr>
-          <a:lstStyle/>
-          <a:p>
-            <a:pPr marL="236446" lvl="1" indent="-234860" defTabSz="914102">
-              <a:lnSpc>
-                <a:spcPct val="90000"/>
-              </a:lnSpc>
-              <a:spcAft>
-                <a:spcPts val="600"/>
-              </a:spcAft>
-              <a:buClr>
-                <a:srgbClr val="FFFFFF"/>
-              </a:buClr>
-              <a:buSzPct val="90000"/>
-              <a:buFont typeface="Wingdings" pitchFamily="2" charset="2"/>
-              <a:buChar char="§"/>
-            </a:pPr>
-            <a:r>
-              <a:rPr lang="en-US" dirty="0">
-                <a:solidFill>
-                  <a:srgbClr val="FFFFFF"/>
-                </a:solidFill>
-                <a:ea typeface="Segoe UI" pitchFamily="34" charset="0"/>
-                <a:cs typeface="Segoe UI" pitchFamily="34" charset="0"/>
-              </a:rPr>
-              <a:t>Business Processes</a:t>
-            </a:r>
-          </a:p>
-          <a:p>
-            <a:pPr marL="236446" lvl="1" indent="-234860" defTabSz="914102">
-              <a:lnSpc>
-                <a:spcPct val="90000"/>
-              </a:lnSpc>
-              <a:spcAft>
-                <a:spcPts val="600"/>
-              </a:spcAft>
-              <a:buClr>
-                <a:srgbClr val="FFFFFF"/>
-              </a:buClr>
-              <a:buSzPct val="90000"/>
-              <a:buFont typeface="Wingdings" pitchFamily="2" charset="2"/>
-              <a:buChar char="§"/>
-            </a:pPr>
-            <a:r>
-              <a:rPr lang="en-US" dirty="0">
-                <a:solidFill>
-                  <a:srgbClr val="FFFFFF"/>
-                </a:solidFill>
-                <a:ea typeface="Segoe UI" pitchFamily="34" charset="0"/>
-                <a:cs typeface="Segoe UI" pitchFamily="34" charset="0"/>
-              </a:rPr>
-              <a:t>Data synchronization</a:t>
-            </a:r>
-          </a:p>
-          <a:p>
-            <a:pPr marL="236446" lvl="1" indent="-234860" defTabSz="914102">
-              <a:lnSpc>
-                <a:spcPct val="90000"/>
-              </a:lnSpc>
-              <a:spcAft>
-                <a:spcPts val="600"/>
-              </a:spcAft>
-              <a:buClr>
-                <a:srgbClr val="FFFFFF"/>
-              </a:buClr>
-              <a:buSzPct val="90000"/>
-              <a:buFont typeface="Wingdings" pitchFamily="2" charset="2"/>
-              <a:buChar char="§"/>
-            </a:pPr>
-            <a:r>
-              <a:rPr lang="en-US" dirty="0">
-                <a:solidFill>
-                  <a:srgbClr val="FFFFFF"/>
-                </a:solidFill>
-                <a:ea typeface="Segoe UI" pitchFamily="34" charset="0"/>
-                <a:cs typeface="Segoe UI" pitchFamily="34" charset="0"/>
-              </a:rPr>
-              <a:t>Canvas apps</a:t>
-            </a:r>
-          </a:p>
-          <a:p>
-            <a:pPr marL="236446" lvl="1" indent="-234860" defTabSz="914102">
-              <a:lnSpc>
-                <a:spcPct val="90000"/>
-              </a:lnSpc>
-              <a:spcAft>
-                <a:spcPts val="600"/>
-              </a:spcAft>
-              <a:buClr>
-                <a:srgbClr val="FFFFFF"/>
-              </a:buClr>
-              <a:buSzPct val="90000"/>
-              <a:buFont typeface="Wingdings" pitchFamily="2" charset="2"/>
-              <a:buChar char="§"/>
-            </a:pPr>
-            <a:r>
-              <a:rPr lang="en-US" dirty="0">
-                <a:solidFill>
-                  <a:srgbClr val="FFFFFF"/>
-                </a:solidFill>
-                <a:ea typeface="Segoe UI" pitchFamily="34" charset="0"/>
-                <a:cs typeface="Segoe UI" pitchFamily="34" charset="0"/>
-              </a:rPr>
-              <a:t>Embedded canvas apps</a:t>
-            </a:r>
-          </a:p>
-        </p:txBody>
-      </p:sp>
-      <p:pic>
-        <p:nvPicPr>
-          <p:cNvPr id="20" name="Picture 7" descr="\\MAGNUM\Projects\Microsoft\Cloud Power FY12\Design\Icons\PNGs\Pooled.png"/>
-          <p:cNvPicPr>
-            <a:picLocks noChangeAspect="1" noChangeArrowheads="1"/>
-          </p:cNvPicPr>
-          <p:nvPr/>
-        </p:nvPicPr>
-        <p:blipFill>
-          <a:blip r:embed="rId3" cstate="email">
-            <a:lum bright="100000"/>
-            <a:extLst>
-              <a:ext uri="{28A0092B-C50C-407E-A947-70E740481C1C}">
-                <a14:useLocalDpi xmlns:a14="http://schemas.microsoft.com/office/drawing/2010/main"/>
-              </a:ext>
-            </a:extLst>
-          </a:blip>
-          <a:stretch>
-            <a:fillRect/>
-          </a:stretch>
-        </p:blipFill>
-        <p:spPr bwMode="auto">
-          <a:xfrm>
-            <a:off x="1770451" y="2208819"/>
-            <a:ext cx="696784" cy="696784"/>
-          </a:xfrm>
-          <a:prstGeom prst="rect">
-            <a:avLst/>
-          </a:prstGeom>
-          <a:noFill/>
-        </p:spPr>
-      </p:pic>
-    </p:spTree>
-    <p:extLst>
-      <p:ext uri="{BB962C8B-B14F-4D97-AF65-F5344CB8AC3E}">
-        <p14:creationId xmlns:p14="http://schemas.microsoft.com/office/powerpoint/2010/main" val="3721902740"/>
-      </p:ext>
-    </p:extLst>
-  </p:cSld>
-  <p:clrMapOvr>
-    <a:masterClrMapping/>
-  </p:clrMapOvr>
-  <mc:AlternateContent xmlns:mc="http://schemas.openxmlformats.org/markup-compatibility/2006" xmlns:p14="http://schemas.microsoft.com/office/powerpoint/2010/main">
-    <mc:Choice Requires="p14">
-      <p:transition spd="med" p14:dur="700">
-        <p:fade/>
-      </p:transition>
-    </mc:Choice>
-    <mc:Fallback xmlns="">
-      <p:transition spd="med">
-        <p:fade/>
-      </p:transition>
-    </mc:Fallback>
-  </mc:AlternateContent>
-  <p:timing>
-    <p:tnLst>
-      <p:par>
-        <p:cTn id="1" dur="indefinite" restart="never" nodeType="tmRoot">
-          <p:childTnLst>
-            <p:seq concurrent="1" nextAc="seek">
-              <p:cTn id="2" dur="indefinite" nodeType="mainSeq">
-                <p:childTnLst>
-                  <p:par>
-                    <p:cTn id="3" fill="hold">
-                      <p:stCondLst>
-                        <p:cond delay="indefinite"/>
-                      </p:stCondLst>
-                      <p:childTnLst>
-                        <p:par>
-                          <p:cTn id="4" fill="hold">
-                            <p:stCondLst>
-                              <p:cond delay="0"/>
-                            </p:stCondLst>
-                            <p:childTnLst>
-                              <p:par>
-                                <p:cTn id="5" presetID="10" presetClass="entr" presetSubtype="0" fill="hold" grpId="0" nodeType="clickEffect">
-                                  <p:stCondLst>
-                                    <p:cond delay="0"/>
-                                  </p:stCondLst>
-                                  <p:childTnLst>
-                                    <p:set>
-                                      <p:cBhvr>
-                                        <p:cTn id="6" dur="1" fill="hold">
-                                          <p:stCondLst>
-                                            <p:cond delay="0"/>
-                                          </p:stCondLst>
-                                        </p:cTn>
-                                        <p:tgtEl>
-                                          <p:spTgt spid="26"/>
-                                        </p:tgtEl>
-                                        <p:attrNameLst>
-                                          <p:attrName>style.visibility</p:attrName>
-                                        </p:attrNameLst>
-                                      </p:cBhvr>
-                                      <p:to>
-                                        <p:strVal val="visible"/>
-                                      </p:to>
-                                    </p:set>
-                                    <p:animEffect transition="in" filter="fade">
-                                      <p:cBhvr>
-                                        <p:cTn id="7" dur="500"/>
-                                        <p:tgtEl>
-                                          <p:spTgt spid="26"/>
-                                        </p:tgtEl>
-                                      </p:cBhvr>
-                                    </p:animEffect>
-                                  </p:childTnLst>
-                                </p:cTn>
-                              </p:par>
-                            </p:childTnLst>
-                          </p:cTn>
-                        </p:par>
-                      </p:childTnLst>
-                    </p:cTn>
-                  </p:par>
-                  <p:par>
-                    <p:cTn id="8" fill="hold">
-                      <p:stCondLst>
-                        <p:cond delay="indefinite"/>
-                      </p:stCondLst>
-                      <p:childTnLst>
-                        <p:par>
-                          <p:cTn id="9" fill="hold">
-                            <p:stCondLst>
-                              <p:cond delay="0"/>
-                            </p:stCondLst>
-                            <p:childTnLst>
-                              <p:par>
-                                <p:cTn id="10" presetID="10" presetClass="entr" presetSubtype="0" fill="hold" grpId="0" nodeType="clickEffect">
-                                  <p:stCondLst>
-                                    <p:cond delay="0"/>
-                                  </p:stCondLst>
-                                  <p:childTnLst>
-                                    <p:set>
-                                      <p:cBhvr>
-                                        <p:cTn id="11" dur="1" fill="hold">
-                                          <p:stCondLst>
-                                            <p:cond delay="0"/>
-                                          </p:stCondLst>
-                                        </p:cTn>
-                                        <p:tgtEl>
-                                          <p:spTgt spid="23"/>
-                                        </p:tgtEl>
-                                        <p:attrNameLst>
-                                          <p:attrName>style.visibility</p:attrName>
-                                        </p:attrNameLst>
-                                      </p:cBhvr>
-                                      <p:to>
-                                        <p:strVal val="visible"/>
-                                      </p:to>
-                                    </p:set>
-                                    <p:animEffect transition="in" filter="fade">
-                                      <p:cBhvr>
-                                        <p:cTn id="12" dur="500"/>
-                                        <p:tgtEl>
-                                          <p:spTgt spid="23"/>
-                                        </p:tgtEl>
-                                      </p:cBhvr>
-                                    </p:animEffect>
-                                  </p:childTnLst>
-                                </p:cTn>
-                              </p:par>
-                            </p:childTnLst>
-                          </p:cTn>
-                        </p:par>
-                      </p:childTnLst>
-                    </p:cTn>
-                  </p:par>
-                </p:childTnLst>
-              </p:cTn>
-              <p:prevCondLst>
-                <p:cond evt="onPrev" delay="0">
-                  <p:tgtEl>
-                    <p:sldTgt/>
-                  </p:tgtEl>
-                </p:cond>
-              </p:prevCondLst>
-              <p:nextCondLst>
-                <p:cond evt="onNext" delay="0">
-                  <p:tgtEl>
-                    <p:sldTgt/>
-                  </p:tgtEl>
-                </p:cond>
-              </p:nextCondLst>
-            </p:seq>
-          </p:childTnLst>
-        </p:cTn>
-      </p:par>
-    </p:tnLst>
-    <p:bldLst>
-      <p:bldP spid="23" grpId="0" animBg="1"/>
-      <p:bldP spid="26" grpId="0" animBg="1"/>
-    </p:bldLst>
-  </p:timing>
-</p:sld>
-</file>
-
-<file path=ppt/slides/slide17.xml><?xml version="1.0" encoding="utf-8"?>
+<file path=ppt/slides/slide11.xml><?xml version="1.0" encoding="utf-8"?>
 <p:sld xmlns:a="http://schemas.openxmlformats.org/drawingml/2006/main" xmlns:r="http://schemas.openxmlformats.org/officeDocument/2006/relationships" xmlns:p="http://schemas.openxmlformats.org/presentationml/2006/main">
   <p:cSld>
     <p:spTree>
@@ -35165,7 +30991,7 @@
 </p:sld>
 </file>
 
-<file path=ppt/slides/slide18.xml><?xml version="1.0" encoding="utf-8"?>
+<file path=ppt/slides/slide12.xml><?xml version="1.0" encoding="utf-8"?>
 <p:sld xmlns:a="http://schemas.openxmlformats.org/drawingml/2006/main" xmlns:r="http://schemas.openxmlformats.org/officeDocument/2006/relationships" xmlns:p="http://schemas.openxmlformats.org/presentationml/2006/main">
   <p:cSld>
     <p:spTree>
@@ -35327,7 +31153,7 @@
 </p:sld>
 </file>
 
-<file path=ppt/slides/slide19.xml><?xml version="1.0" encoding="utf-8"?>
+<file path=ppt/slides/slide13.xml><?xml version="1.0" encoding="utf-8"?>
 <p:sld xmlns:a="http://schemas.openxmlformats.org/drawingml/2006/main" xmlns:r="http://schemas.openxmlformats.org/officeDocument/2006/relationships" xmlns:p="http://schemas.openxmlformats.org/presentationml/2006/main">
   <p:cSld>
     <p:spTree>
@@ -36127,196 +31953,7 @@
 </p:sld>
 </file>
 
-<file path=ppt/slides/slide2.xml><?xml version="1.0" encoding="utf-8"?>
-<p:sld xmlns:a="http://schemas.openxmlformats.org/drawingml/2006/main" xmlns:r="http://schemas.openxmlformats.org/officeDocument/2006/relationships" xmlns:p="http://schemas.openxmlformats.org/presentationml/2006/main">
-  <p:cSld>
-    <p:spTree>
-      <p:nvGrpSpPr>
-        <p:cNvPr id="1" name=""/>
-        <p:cNvGrpSpPr/>
-        <p:nvPr/>
-      </p:nvGrpSpPr>
-      <p:grpSpPr>
-        <a:xfrm>
-          <a:off x="0" y="0"/>
-          <a:ext cx="0" cy="0"/>
-          <a:chOff x="0" y="0"/>
-          <a:chExt cx="0" cy="0"/>
-        </a:xfrm>
-      </p:grpSpPr>
-      <p:sp>
-        <p:nvSpPr>
-          <p:cNvPr id="2" name="Title 1">
-            <a:extLst>
-              <a:ext uri="{FF2B5EF4-FFF2-40B4-BE49-F238E27FC236}">
-                <a16:creationId xmlns:a16="http://schemas.microsoft.com/office/drawing/2014/main" id="{27502880-FE22-46F7-B231-AFCEDB14A808}"/>
-              </a:ext>
-            </a:extLst>
-          </p:cNvPr>
-          <p:cNvSpPr>
-            <a:spLocks noGrp="1"/>
-          </p:cNvSpPr>
-          <p:nvPr>
-            <p:ph type="title"/>
-          </p:nvPr>
-        </p:nvSpPr>
-        <p:spPr/>
-        <p:txBody>
-          <a:bodyPr/>
-          <a:lstStyle/>
-          <a:p>
-            <a:r>
-              <a:rPr lang="en-US" dirty="0"/>
-              <a:t>Agenda</a:t>
-            </a:r>
-          </a:p>
-        </p:txBody>
-      </p:sp>
-      <p:sp>
-        <p:nvSpPr>
-          <p:cNvPr id="3" name="Text Placeholder 2">
-            <a:extLst>
-              <a:ext uri="{FF2B5EF4-FFF2-40B4-BE49-F238E27FC236}">
-                <a16:creationId xmlns:a16="http://schemas.microsoft.com/office/drawing/2014/main" id="{FD6CB25D-A094-4957-B719-6157F9BB1FBE}"/>
-              </a:ext>
-            </a:extLst>
-          </p:cNvPr>
-          <p:cNvSpPr>
-            <a:spLocks noGrp="1"/>
-          </p:cNvSpPr>
-          <p:nvPr>
-            <p:ph type="body" sz="quarter" idx="10"/>
-          </p:nvPr>
-        </p:nvSpPr>
-        <p:spPr>
-          <a:xfrm>
-            <a:off x="584200" y="1435497"/>
-            <a:ext cx="11018520" cy="4228593"/>
-          </a:xfrm>
-        </p:spPr>
-        <p:txBody>
-          <a:bodyPr/>
-          <a:lstStyle/>
-          <a:p>
-            <a:pPr>
-              <a:lnSpc>
-                <a:spcPct val="150000"/>
-              </a:lnSpc>
-            </a:pPr>
-            <a:r>
-              <a:rPr lang="en-US" dirty="0">
-                <a:latin typeface="Segoe UI" panose="020B0502040204020203" pitchFamily="34" charset="0"/>
-                <a:cs typeface="Segoe UI" panose="020B0502040204020203" pitchFamily="34" charset="0"/>
-              </a:rPr>
-              <a:t>Solution Architect’s role</a:t>
-            </a:r>
-          </a:p>
-          <a:p>
-            <a:pPr>
-              <a:lnSpc>
-                <a:spcPct val="150000"/>
-              </a:lnSpc>
-            </a:pPr>
-            <a:r>
-              <a:rPr lang="en-US" dirty="0">
-                <a:latin typeface="Segoe UI" panose="020B0502040204020203" pitchFamily="34" charset="0"/>
-                <a:cs typeface="Segoe UI" panose="020B0502040204020203" pitchFamily="34" charset="0"/>
-              </a:rPr>
-              <a:t>What is integration and why do we need it</a:t>
-            </a:r>
-          </a:p>
-          <a:p>
-            <a:pPr>
-              <a:lnSpc>
-                <a:spcPct val="150000"/>
-              </a:lnSpc>
-            </a:pPr>
-            <a:r>
-              <a:rPr lang="en-US" dirty="0">
-                <a:latin typeface="Segoe UI" panose="020B0502040204020203" pitchFamily="34" charset="0"/>
-                <a:cs typeface="Segoe UI" panose="020B0502040204020203" pitchFamily="34" charset="0"/>
-              </a:rPr>
-              <a:t>Platform features that enable integration</a:t>
-            </a:r>
-          </a:p>
-          <a:p>
-            <a:pPr>
-              <a:lnSpc>
-                <a:spcPct val="150000"/>
-              </a:lnSpc>
-            </a:pPr>
-            <a:r>
-              <a:rPr lang="en-US" dirty="0">
-                <a:latin typeface="Segoe UI" panose="020B0502040204020203" pitchFamily="34" charset="0"/>
-                <a:cs typeface="Segoe UI" panose="020B0502040204020203" pitchFamily="34" charset="0"/>
-              </a:rPr>
-              <a:t>Microsoft </a:t>
-            </a:r>
-            <a:r>
-              <a:rPr lang="en-US" dirty="0" err="1">
-                <a:latin typeface="Segoe UI" panose="020B0502040204020203" pitchFamily="34" charset="0"/>
-                <a:cs typeface="Segoe UI" panose="020B0502040204020203" pitchFamily="34" charset="0"/>
-              </a:rPr>
-              <a:t>Dataverse</a:t>
-            </a:r>
-            <a:r>
-              <a:rPr lang="en-US" dirty="0">
-                <a:latin typeface="Segoe UI" panose="020B0502040204020203" pitchFamily="34" charset="0"/>
-                <a:cs typeface="Segoe UI" panose="020B0502040204020203" pitchFamily="34" charset="0"/>
-              </a:rPr>
-              <a:t> Event Publishing</a:t>
-            </a:r>
-          </a:p>
-          <a:p>
-            <a:pPr>
-              <a:lnSpc>
-                <a:spcPct val="150000"/>
-              </a:lnSpc>
-            </a:pPr>
-            <a:r>
-              <a:rPr lang="en-US" dirty="0">
-                <a:latin typeface="Segoe UI" panose="020B0502040204020203" pitchFamily="34" charset="0"/>
-                <a:cs typeface="Segoe UI" panose="020B0502040204020203" pitchFamily="34" charset="0"/>
-              </a:rPr>
-              <a:t>Scenarios for group discussion</a:t>
-            </a:r>
-          </a:p>
-          <a:p>
-            <a:pPr>
-              <a:lnSpc>
-                <a:spcPct val="150000"/>
-              </a:lnSpc>
-            </a:pPr>
-            <a:endParaRPr lang="en-US" dirty="0"/>
-          </a:p>
-        </p:txBody>
-      </p:sp>
-    </p:spTree>
-    <p:extLst>
-      <p:ext uri="{BB962C8B-B14F-4D97-AF65-F5344CB8AC3E}">
-        <p14:creationId xmlns:p14="http://schemas.microsoft.com/office/powerpoint/2010/main" val="2651001892"/>
-      </p:ext>
-    </p:extLst>
-  </p:cSld>
-  <p:clrMapOvr>
-    <a:masterClrMapping/>
-  </p:clrMapOvr>
-  <mc:AlternateContent xmlns:mc="http://schemas.openxmlformats.org/markup-compatibility/2006" xmlns:p14="http://schemas.microsoft.com/office/powerpoint/2010/main">
-    <mc:Choice Requires="p14">
-      <p:transition spd="med" p14:dur="700">
-        <p:fade/>
-      </p:transition>
-    </mc:Choice>
-    <mc:Fallback xmlns="">
-      <p:transition spd="med">
-        <p:fade/>
-      </p:transition>
-    </mc:Fallback>
-  </mc:AlternateContent>
-</p:sld>
-</file>
-
-<file path=ppt/slides/slide20.xml><?xml version="1.0" encoding="utf-8"?>
+<file path=ppt/slides/slide14.xml><?xml version="1.0" encoding="utf-8"?>
 <p:sld xmlns:a="http://schemas.openxmlformats.org/drawingml/2006/main" xmlns:r="http://schemas.openxmlformats.org/officeDocument/2006/relationships" xmlns:p="http://schemas.openxmlformats.org/presentationml/2006/main">
   <p:cSld>
     <p:spTree>
@@ -36575,7 +32212,7 @@
 </p:sld>
 </file>
 
-<file path=ppt/slides/slide21.xml><?xml version="1.0" encoding="utf-8"?>
+<file path=ppt/slides/slide15.xml><?xml version="1.0" encoding="utf-8"?>
 <p:sld xmlns:a="http://schemas.openxmlformats.org/drawingml/2006/main" xmlns:r="http://schemas.openxmlformats.org/officeDocument/2006/relationships" xmlns:p="http://schemas.openxmlformats.org/presentationml/2006/main">
   <p:cSld>
     <p:spTree>
@@ -36890,7 +32527,7 @@
 </p:sld>
 </file>
 
-<file path=ppt/slides/slide22.xml><?xml version="1.0" encoding="utf-8"?>
+<file path=ppt/slides/slide16.xml><?xml version="1.0" encoding="utf-8"?>
 <p:sld xmlns:a="http://schemas.openxmlformats.org/drawingml/2006/main" xmlns:r="http://schemas.openxmlformats.org/officeDocument/2006/relationships" xmlns:p="http://schemas.openxmlformats.org/presentationml/2006/main">
   <p:cSld>
     <p:spTree>
@@ -38115,7 +33752,7 @@
 </p:sld>
 </file>
 
-<file path=ppt/slides/slide23.xml><?xml version="1.0" encoding="utf-8"?>
+<file path=ppt/slides/slide17.xml><?xml version="1.0" encoding="utf-8"?>
 <p:sld xmlns:a="http://schemas.openxmlformats.org/drawingml/2006/main" xmlns:r="http://schemas.openxmlformats.org/officeDocument/2006/relationships" xmlns:p="http://schemas.openxmlformats.org/presentationml/2006/main">
   <p:cSld>
     <p:spTree>
@@ -38275,7 +33912,7 @@
 </p:sld>
 </file>
 
-<file path=ppt/slides/slide24.xml><?xml version="1.0" encoding="utf-8"?>
+<file path=ppt/slides/slide18.xml><?xml version="1.0" encoding="utf-8"?>
 <p:sld xmlns:a="http://schemas.openxmlformats.org/drawingml/2006/main" xmlns:r="http://schemas.openxmlformats.org/officeDocument/2006/relationships" xmlns:p="http://schemas.openxmlformats.org/presentationml/2006/main">
   <p:cSld>
     <p:spTree>
@@ -38426,7 +34063,7 @@
 </p:sld>
 </file>
 
-<file path=ppt/slides/slide25.xml><?xml version="1.0" encoding="utf-8"?>
+<file path=ppt/slides/slide19.xml><?xml version="1.0" encoding="utf-8"?>
 <p:sld xmlns:a="http://schemas.openxmlformats.org/drawingml/2006/main" xmlns:r="http://schemas.openxmlformats.org/officeDocument/2006/relationships" xmlns:p="http://schemas.openxmlformats.org/presentationml/2006/main">
   <p:cSld>
     <p:spTree>
@@ -38585,7 +34222,196 @@
 </p:sld>
 </file>
 
-<file path=ppt/slides/slide26.xml><?xml version="1.0" encoding="utf-8"?>
+<file path=ppt/slides/slide2.xml><?xml version="1.0" encoding="utf-8"?>
+<p:sld xmlns:a="http://schemas.openxmlformats.org/drawingml/2006/main" xmlns:r="http://schemas.openxmlformats.org/officeDocument/2006/relationships" xmlns:p="http://schemas.openxmlformats.org/presentationml/2006/main">
+  <p:cSld>
+    <p:spTree>
+      <p:nvGrpSpPr>
+        <p:cNvPr id="1" name=""/>
+        <p:cNvGrpSpPr/>
+        <p:nvPr/>
+      </p:nvGrpSpPr>
+      <p:grpSpPr>
+        <a:xfrm>
+          <a:off x="0" y="0"/>
+          <a:ext cx="0" cy="0"/>
+          <a:chOff x="0" y="0"/>
+          <a:chExt cx="0" cy="0"/>
+        </a:xfrm>
+      </p:grpSpPr>
+      <p:sp>
+        <p:nvSpPr>
+          <p:cNvPr id="2" name="Title 1">
+            <a:extLst>
+              <a:ext uri="{FF2B5EF4-FFF2-40B4-BE49-F238E27FC236}">
+                <a16:creationId xmlns:a16="http://schemas.microsoft.com/office/drawing/2014/main" id="{27502880-FE22-46F7-B231-AFCEDB14A808}"/>
+              </a:ext>
+            </a:extLst>
+          </p:cNvPr>
+          <p:cNvSpPr>
+            <a:spLocks noGrp="1"/>
+          </p:cNvSpPr>
+          <p:nvPr>
+            <p:ph type="title"/>
+          </p:nvPr>
+        </p:nvSpPr>
+        <p:spPr/>
+        <p:txBody>
+          <a:bodyPr/>
+          <a:lstStyle/>
+          <a:p>
+            <a:r>
+              <a:rPr lang="en-US" dirty="0"/>
+              <a:t>Agenda</a:t>
+            </a:r>
+          </a:p>
+        </p:txBody>
+      </p:sp>
+      <p:sp>
+        <p:nvSpPr>
+          <p:cNvPr id="3" name="Text Placeholder 2">
+            <a:extLst>
+              <a:ext uri="{FF2B5EF4-FFF2-40B4-BE49-F238E27FC236}">
+                <a16:creationId xmlns:a16="http://schemas.microsoft.com/office/drawing/2014/main" id="{FD6CB25D-A094-4957-B719-6157F9BB1FBE}"/>
+              </a:ext>
+            </a:extLst>
+          </p:cNvPr>
+          <p:cNvSpPr>
+            <a:spLocks noGrp="1"/>
+          </p:cNvSpPr>
+          <p:nvPr>
+            <p:ph type="body" sz="quarter" idx="10"/>
+          </p:nvPr>
+        </p:nvSpPr>
+        <p:spPr>
+          <a:xfrm>
+            <a:off x="584200" y="1435497"/>
+            <a:ext cx="11018520" cy="4228593"/>
+          </a:xfrm>
+        </p:spPr>
+        <p:txBody>
+          <a:bodyPr/>
+          <a:lstStyle/>
+          <a:p>
+            <a:pPr>
+              <a:lnSpc>
+                <a:spcPct val="150000"/>
+              </a:lnSpc>
+            </a:pPr>
+            <a:r>
+              <a:rPr lang="en-US" dirty="0">
+                <a:latin typeface="Segoe UI" panose="020B0502040204020203" pitchFamily="34" charset="0"/>
+                <a:cs typeface="Segoe UI" panose="020B0502040204020203" pitchFamily="34" charset="0"/>
+              </a:rPr>
+              <a:t>Solution Architect’s role</a:t>
+            </a:r>
+          </a:p>
+          <a:p>
+            <a:pPr>
+              <a:lnSpc>
+                <a:spcPct val="150000"/>
+              </a:lnSpc>
+            </a:pPr>
+            <a:r>
+              <a:rPr lang="en-US" dirty="0">
+                <a:latin typeface="Segoe UI" panose="020B0502040204020203" pitchFamily="34" charset="0"/>
+                <a:cs typeface="Segoe UI" panose="020B0502040204020203" pitchFamily="34" charset="0"/>
+              </a:rPr>
+              <a:t>What is integration and why do we need it</a:t>
+            </a:r>
+          </a:p>
+          <a:p>
+            <a:pPr>
+              <a:lnSpc>
+                <a:spcPct val="150000"/>
+              </a:lnSpc>
+            </a:pPr>
+            <a:r>
+              <a:rPr lang="en-US" dirty="0">
+                <a:latin typeface="Segoe UI" panose="020B0502040204020203" pitchFamily="34" charset="0"/>
+                <a:cs typeface="Segoe UI" panose="020B0502040204020203" pitchFamily="34" charset="0"/>
+              </a:rPr>
+              <a:t>Platform features that enable integration</a:t>
+            </a:r>
+          </a:p>
+          <a:p>
+            <a:pPr>
+              <a:lnSpc>
+                <a:spcPct val="150000"/>
+              </a:lnSpc>
+            </a:pPr>
+            <a:r>
+              <a:rPr lang="en-US" dirty="0">
+                <a:latin typeface="Segoe UI" panose="020B0502040204020203" pitchFamily="34" charset="0"/>
+                <a:cs typeface="Segoe UI" panose="020B0502040204020203" pitchFamily="34" charset="0"/>
+              </a:rPr>
+              <a:t>Microsoft </a:t>
+            </a:r>
+            <a:r>
+              <a:rPr lang="en-US" dirty="0" err="1">
+                <a:latin typeface="Segoe UI" panose="020B0502040204020203" pitchFamily="34" charset="0"/>
+                <a:cs typeface="Segoe UI" panose="020B0502040204020203" pitchFamily="34" charset="0"/>
+              </a:rPr>
+              <a:t>Dataverse</a:t>
+            </a:r>
+            <a:r>
+              <a:rPr lang="en-US" dirty="0">
+                <a:latin typeface="Segoe UI" panose="020B0502040204020203" pitchFamily="34" charset="0"/>
+                <a:cs typeface="Segoe UI" panose="020B0502040204020203" pitchFamily="34" charset="0"/>
+              </a:rPr>
+              <a:t> Event Publishing</a:t>
+            </a:r>
+          </a:p>
+          <a:p>
+            <a:pPr>
+              <a:lnSpc>
+                <a:spcPct val="150000"/>
+              </a:lnSpc>
+            </a:pPr>
+            <a:r>
+              <a:rPr lang="en-US" dirty="0">
+                <a:latin typeface="Segoe UI" panose="020B0502040204020203" pitchFamily="34" charset="0"/>
+                <a:cs typeface="Segoe UI" panose="020B0502040204020203" pitchFamily="34" charset="0"/>
+              </a:rPr>
+              <a:t>Scenarios for group discussion</a:t>
+            </a:r>
+          </a:p>
+          <a:p>
+            <a:pPr>
+              <a:lnSpc>
+                <a:spcPct val="150000"/>
+              </a:lnSpc>
+            </a:pPr>
+            <a:endParaRPr lang="en-US" dirty="0"/>
+          </a:p>
+        </p:txBody>
+      </p:sp>
+    </p:spTree>
+    <p:extLst>
+      <p:ext uri="{BB962C8B-B14F-4D97-AF65-F5344CB8AC3E}">
+        <p14:creationId xmlns:p14="http://schemas.microsoft.com/office/powerpoint/2010/main" val="2651001892"/>
+      </p:ext>
+    </p:extLst>
+  </p:cSld>
+  <p:clrMapOvr>
+    <a:masterClrMapping/>
+  </p:clrMapOvr>
+  <mc:AlternateContent xmlns:mc="http://schemas.openxmlformats.org/markup-compatibility/2006" xmlns:p14="http://schemas.microsoft.com/office/powerpoint/2010/main">
+    <mc:Choice Requires="p14">
+      <p:transition spd="med" p14:dur="700">
+        <p:fade/>
+      </p:transition>
+    </mc:Choice>
+    <mc:Fallback xmlns="">
+      <p:transition spd="med">
+        <p:fade/>
+      </p:transition>
+    </mc:Fallback>
+  </mc:AlternateContent>
+</p:sld>
+</file>
+
+<file path=ppt/slides/slide20.xml><?xml version="1.0" encoding="utf-8"?>
 <p:sld xmlns:a="http://schemas.openxmlformats.org/drawingml/2006/main" xmlns:r="http://schemas.openxmlformats.org/officeDocument/2006/relationships" xmlns:p="http://schemas.openxmlformats.org/presentationml/2006/main">
   <p:cSld>
     <p:spTree>
@@ -39324,7 +35150,7 @@
 </p:sld>
 </file>
 
-<file path=ppt/slides/slide27.xml><?xml version="1.0" encoding="utf-8"?>
+<file path=ppt/slides/slide21.xml><?xml version="1.0" encoding="utf-8"?>
 <p:sld xmlns:a="http://schemas.openxmlformats.org/drawingml/2006/main" xmlns:r="http://schemas.openxmlformats.org/officeDocument/2006/relationships" xmlns:p="http://schemas.openxmlformats.org/presentationml/2006/main">
   <p:cSld>
     <p:spTree>
@@ -39913,8 +35739,8 @@
 </p:sld>
 </file>
 
-<file path=ppt/slides/slide28.xml><?xml version="1.0" encoding="utf-8"?>
-<p:sld xmlns:a="http://schemas.openxmlformats.org/drawingml/2006/main" xmlns:r="http://schemas.openxmlformats.org/officeDocument/2006/relationships" xmlns:p="http://schemas.openxmlformats.org/presentationml/2006/main" show="0">
+<file path=ppt/slides/slide22.xml><?xml version="1.0" encoding="utf-8"?>
+<p:sld xmlns:a="http://schemas.openxmlformats.org/drawingml/2006/main" xmlns:r="http://schemas.openxmlformats.org/officeDocument/2006/relationships" xmlns:p="http://schemas.openxmlformats.org/presentationml/2006/main">
   <p:cSld>
     <p:spTree>
       <p:nvGrpSpPr>
@@ -39932,10 +35758,10 @@
       </p:grpSpPr>
       <p:sp>
         <p:nvSpPr>
-          <p:cNvPr id="2" name="Title 1">
+          <p:cNvPr id="4" name="Title 3">
             <a:extLst>
               <a:ext uri="{FF2B5EF4-FFF2-40B4-BE49-F238E27FC236}">
-                <a16:creationId xmlns:a16="http://schemas.microsoft.com/office/drawing/2014/main" id="{433C55F7-A3FB-4ACD-8B1E-E3B341664F4C}"/>
+                <a16:creationId xmlns:a16="http://schemas.microsoft.com/office/drawing/2014/main" id="{75FD6677-8670-40B2-84A9-EDEAA9F2740F}"/>
               </a:ext>
             </a:extLst>
           </p:cNvPr>
@@ -39951,16 +35777,19 @@
           <a:bodyPr/>
           <a:lstStyle/>
           <a:p>
-            <a:endParaRPr lang="en-US"/>
+            <a:r>
+              <a:rPr lang="en-US" dirty="0"/>
+              <a:t>Wrapping up</a:t>
+            </a:r>
           </a:p>
         </p:txBody>
       </p:sp>
       <p:sp>
         <p:nvSpPr>
-          <p:cNvPr id="3" name="Text Placeholder 2">
+          <p:cNvPr id="5" name="Text Placeholder 4">
             <a:extLst>
               <a:ext uri="{FF2B5EF4-FFF2-40B4-BE49-F238E27FC236}">
-                <a16:creationId xmlns:a16="http://schemas.microsoft.com/office/drawing/2014/main" id="{5121AC12-DCAB-41B8-963C-2660E031FD9E}"/>
+                <a16:creationId xmlns:a16="http://schemas.microsoft.com/office/drawing/2014/main" id="{14265B04-CC3A-44F9-A375-7DB894B11938}"/>
               </a:ext>
             </a:extLst>
           </p:cNvPr>
@@ -39971,42 +35800,69 @@
             <p:ph type="body" sz="quarter" idx="10"/>
           </p:nvPr>
         </p:nvSpPr>
-        <p:spPr/>
+        <p:spPr>
+          <a:xfrm>
+            <a:off x="584200" y="1302494"/>
+            <a:ext cx="11018520" cy="3791807"/>
+          </a:xfrm>
+        </p:spPr>
         <p:txBody>
           <a:bodyPr/>
           <a:lstStyle/>
           <a:p>
-            <a:endParaRPr lang="en-US"/>
+            <a:r>
+              <a:rPr lang="en-US" dirty="0"/>
+              <a:t>Integrations helps use build a more complete solution that provide a better user experience/value than if the solutions were used individually</a:t>
+            </a:r>
+          </a:p>
+          <a:p>
+            <a:endParaRPr lang="en-US" dirty="0"/>
+          </a:p>
+          <a:p>
+            <a:r>
+              <a:rPr lang="en-US" dirty="0"/>
+              <a:t>The Solution Architect must balance the integration techniques used to ensure a good user experience and availability of the solution</a:t>
+            </a:r>
+          </a:p>
+          <a:p>
+            <a:pPr marL="0" indent="0">
+              <a:buNone/>
+            </a:pPr>
+            <a:endParaRPr lang="en-US" dirty="0"/>
+          </a:p>
+          <a:p>
+            <a:endParaRPr lang="en-US" dirty="0"/>
           </a:p>
         </p:txBody>
       </p:sp>
     </p:spTree>
     <p:extLst>
       <p:ext uri="{BB962C8B-B14F-4D97-AF65-F5344CB8AC3E}">
-        <p14:creationId xmlns:p14="http://schemas.microsoft.com/office/powerpoint/2010/main" val="477990988"/>
+        <p14:creationId xmlns:p14="http://schemas.microsoft.com/office/powerpoint/2010/main" val="3426318060"/>
       </p:ext>
     </p:extLst>
   </p:cSld>
   <p:clrMapOvr>
     <a:masterClrMapping/>
   </p:clrMapOvr>
-  <p:transition>
-    <p:fade/>
-  </p:transition>
+  <mc:AlternateContent xmlns:mc="http://schemas.openxmlformats.org/markup-compatibility/2006" xmlns:p14="http://schemas.microsoft.com/office/powerpoint/2010/main">
+    <mc:Choice Requires="p14">
+      <p:transition spd="med" p14:dur="700">
+        <p:fade/>
+      </p:transition>
+    </mc:Choice>
+    <mc:Fallback xmlns="">
+      <p:transition spd="med">
+        <p:fade/>
+      </p:transition>
+    </mc:Fallback>
+  </mc:AlternateContent>
 </p:sld>
 </file>
 
-<file path=ppt/slides/slide29.xml><?xml version="1.0" encoding="utf-8"?>
+<file path=ppt/slides/slide23.xml><?xml version="1.0" encoding="utf-8"?>
 <p:sld xmlns:a="http://schemas.openxmlformats.org/drawingml/2006/main" xmlns:r="http://schemas.openxmlformats.org/officeDocument/2006/relationships" xmlns:p="http://schemas.openxmlformats.org/presentationml/2006/main">
   <p:cSld>
-    <p:bg>
-      <p:bgPr>
-        <a:solidFill>
-          <a:schemeClr val="bg2"/>
-        </a:solidFill>
-        <a:effectLst/>
-      </p:bgPr>
-    </p:bg>
     <p:spTree>
       <p:nvGrpSpPr>
         <p:cNvPr id="1" name=""/>
@@ -40021,95 +35877,10 @@
           <a:chExt cx="0" cy="0"/>
         </a:xfrm>
       </p:grpSpPr>
-      <p:sp>
-        <p:nvSpPr>
-          <p:cNvPr id="2" name="Title 1">
-            <a:extLst>
-              <a:ext uri="{FF2B5EF4-FFF2-40B4-BE49-F238E27FC236}">
-                <a16:creationId xmlns:a16="http://schemas.microsoft.com/office/drawing/2014/main" id="{1E93EA31-7887-4100-AA04-23A702131C3E}"/>
-              </a:ext>
-            </a:extLst>
-          </p:cNvPr>
-          <p:cNvSpPr>
-            <a:spLocks noGrp="1"/>
-          </p:cNvSpPr>
-          <p:nvPr>
-            <p:ph type="title"/>
-          </p:nvPr>
-        </p:nvSpPr>
-        <p:spPr/>
-        <p:txBody>
-          <a:bodyPr/>
-          <a:lstStyle/>
-          <a:p>
-            <a:r>
-              <a:rPr lang="en-US" dirty="0"/>
-              <a:t>Scenario: Property Environmental Hazard data</a:t>
-            </a:r>
-          </a:p>
-        </p:txBody>
-      </p:sp>
-      <p:sp>
-        <p:nvSpPr>
-          <p:cNvPr id="3" name="Text Placeholder 2">
-            <a:extLst>
-              <a:ext uri="{FF2B5EF4-FFF2-40B4-BE49-F238E27FC236}">
-                <a16:creationId xmlns:a16="http://schemas.microsoft.com/office/drawing/2014/main" id="{6E0E0E60-7DC3-4338-95B0-3D4B59BDC75C}"/>
-              </a:ext>
-            </a:extLst>
-          </p:cNvPr>
-          <p:cNvSpPr>
-            <a:spLocks noGrp="1"/>
-          </p:cNvSpPr>
-          <p:nvPr>
-            <p:ph type="body" sz="quarter" idx="10"/>
-          </p:nvPr>
-        </p:nvSpPr>
-        <p:spPr>
-          <a:xfrm>
-            <a:off x="584200" y="1435497"/>
-            <a:ext cx="11018520" cy="4825937"/>
-          </a:xfrm>
-        </p:spPr>
-        <p:txBody>
-          <a:bodyPr/>
-          <a:lstStyle/>
-          <a:p>
-            <a:r>
-              <a:rPr lang="en-US" dirty="0"/>
-              <a:t>Your client has licensed property environment hazard data and would like an indicator on each property if a hazard exists and what the hazard is, and the date last reported.</a:t>
-            </a:r>
-          </a:p>
-          <a:p>
-            <a:endParaRPr lang="en-US" dirty="0"/>
-          </a:p>
-          <a:p>
-            <a:r>
-              <a:rPr lang="en-US" dirty="0"/>
-              <a:t>You are meeting with the data provider contact what questions do you have?</a:t>
-            </a:r>
-          </a:p>
-          <a:p>
-            <a:endParaRPr lang="en-US" dirty="0"/>
-          </a:p>
-          <a:p>
-            <a:r>
-              <a:rPr lang="en-US" dirty="0"/>
-              <a:t>How would you design this integration?</a:t>
-            </a:r>
-          </a:p>
-          <a:p>
-            <a:endParaRPr lang="en-US" dirty="0"/>
-          </a:p>
-          <a:p>
-            <a:endParaRPr lang="en-US" dirty="0"/>
-          </a:p>
-        </p:txBody>
-      </p:sp>
     </p:spTree>
     <p:extLst>
       <p:ext uri="{BB962C8B-B14F-4D97-AF65-F5344CB8AC3E}">
-        <p14:creationId xmlns:p14="http://schemas.microsoft.com/office/powerpoint/2010/main" val="4117035320"/>
+        <p14:creationId xmlns:p14="http://schemas.microsoft.com/office/powerpoint/2010/main" val="2402828649"/>
       </p:ext>
     </p:extLst>
   </p:cSld>
@@ -40278,1271 +36049,7 @@
 </p:sld>
 </file>
 
-<file path=ppt/slides/slide30.xml><?xml version="1.0" encoding="utf-8"?>
-<p:sld xmlns:a="http://schemas.openxmlformats.org/drawingml/2006/main" xmlns:r="http://schemas.openxmlformats.org/officeDocument/2006/relationships" xmlns:p="http://schemas.openxmlformats.org/presentationml/2006/main">
-  <p:cSld>
-    <p:bg>
-      <p:bgPr>
-        <a:solidFill>
-          <a:schemeClr val="bg2"/>
-        </a:solidFill>
-        <a:effectLst/>
-      </p:bgPr>
-    </p:bg>
-    <p:spTree>
-      <p:nvGrpSpPr>
-        <p:cNvPr id="1" name=""/>
-        <p:cNvGrpSpPr/>
-        <p:nvPr/>
-      </p:nvGrpSpPr>
-      <p:grpSpPr>
-        <a:xfrm>
-          <a:off x="0" y="0"/>
-          <a:ext cx="0" cy="0"/>
-          <a:chOff x="0" y="0"/>
-          <a:chExt cx="0" cy="0"/>
-        </a:xfrm>
-      </p:grpSpPr>
-      <p:sp>
-        <p:nvSpPr>
-          <p:cNvPr id="2" name="Title 1">
-            <a:extLst>
-              <a:ext uri="{FF2B5EF4-FFF2-40B4-BE49-F238E27FC236}">
-                <a16:creationId xmlns:a16="http://schemas.microsoft.com/office/drawing/2014/main" id="{0735AAED-6935-45A8-800D-F67120CCDA81}"/>
-              </a:ext>
-            </a:extLst>
-          </p:cNvPr>
-          <p:cNvSpPr>
-            <a:spLocks noGrp="1"/>
-          </p:cNvSpPr>
-          <p:nvPr>
-            <p:ph type="title"/>
-          </p:nvPr>
-        </p:nvSpPr>
-        <p:spPr/>
-        <p:txBody>
-          <a:bodyPr/>
-          <a:lstStyle/>
-          <a:p>
-            <a:r>
-              <a:rPr lang="en-US" dirty="0"/>
-              <a:t>Scenario: Access to Property Tax Authority </a:t>
-            </a:r>
-          </a:p>
-        </p:txBody>
-      </p:sp>
-      <p:sp>
-        <p:nvSpPr>
-          <p:cNvPr id="3" name="Text Placeholder 2">
-            <a:extLst>
-              <a:ext uri="{FF2B5EF4-FFF2-40B4-BE49-F238E27FC236}">
-                <a16:creationId xmlns:a16="http://schemas.microsoft.com/office/drawing/2014/main" id="{7F06BBFA-EDBC-46E5-AFB1-0B86797FE6CD}"/>
-              </a:ext>
-            </a:extLst>
-          </p:cNvPr>
-          <p:cNvSpPr>
-            <a:spLocks noGrp="1"/>
-          </p:cNvSpPr>
-          <p:nvPr>
-            <p:ph type="body" sz="quarter" idx="10"/>
-          </p:nvPr>
-        </p:nvSpPr>
-        <p:spPr>
-          <a:xfrm>
-            <a:off x="584200" y="1435497"/>
-            <a:ext cx="11018520" cy="4308872"/>
-          </a:xfrm>
-        </p:spPr>
-        <p:txBody>
-          <a:bodyPr/>
-          <a:lstStyle/>
-          <a:p>
-            <a:r>
-              <a:rPr lang="en-US" dirty="0"/>
-              <a:t>You need to be able to show the current property tax amount and the amount of the last payment in the app when the user views a property.</a:t>
-            </a:r>
-          </a:p>
-          <a:p>
-            <a:endParaRPr lang="en-US" dirty="0"/>
-          </a:p>
-          <a:p>
-            <a:r>
-              <a:rPr lang="en-US" dirty="0"/>
-              <a:t>You are meeting with the tax authority contact what questions do you have?</a:t>
-            </a:r>
-          </a:p>
-          <a:p>
-            <a:endParaRPr lang="en-US" dirty="0"/>
-          </a:p>
-          <a:p>
-            <a:r>
-              <a:rPr lang="en-US" dirty="0"/>
-              <a:t>How would you design this integration?</a:t>
-            </a:r>
-          </a:p>
-          <a:p>
-            <a:endParaRPr lang="en-US" dirty="0"/>
-          </a:p>
-        </p:txBody>
-      </p:sp>
-    </p:spTree>
-    <p:extLst>
-      <p:ext uri="{BB962C8B-B14F-4D97-AF65-F5344CB8AC3E}">
-        <p14:creationId xmlns:p14="http://schemas.microsoft.com/office/powerpoint/2010/main" val="3208542483"/>
-      </p:ext>
-    </p:extLst>
-  </p:cSld>
-  <p:clrMapOvr>
-    <a:masterClrMapping/>
-  </p:clrMapOvr>
-  <mc:AlternateContent xmlns:mc="http://schemas.openxmlformats.org/markup-compatibility/2006" xmlns:p14="http://schemas.microsoft.com/office/powerpoint/2010/main">
-    <mc:Choice Requires="p14">
-      <p:transition spd="med" p14:dur="700">
-        <p:fade/>
-      </p:transition>
-    </mc:Choice>
-    <mc:Fallback xmlns="">
-      <p:transition spd="med">
-        <p:fade/>
-      </p:transition>
-    </mc:Fallback>
-  </mc:AlternateContent>
-</p:sld>
-</file>
-
-<file path=ppt/slides/slide31.xml><?xml version="1.0" encoding="utf-8"?>
-<p:sld xmlns:a="http://schemas.openxmlformats.org/drawingml/2006/main" xmlns:r="http://schemas.openxmlformats.org/officeDocument/2006/relationships" xmlns:p="http://schemas.openxmlformats.org/presentationml/2006/main">
-  <p:cSld>
-    <p:bg>
-      <p:bgPr>
-        <a:solidFill>
-          <a:schemeClr val="bg2"/>
-        </a:solidFill>
-        <a:effectLst/>
-      </p:bgPr>
-    </p:bg>
-    <p:spTree>
-      <p:nvGrpSpPr>
-        <p:cNvPr id="1" name=""/>
-        <p:cNvGrpSpPr/>
-        <p:nvPr/>
-      </p:nvGrpSpPr>
-      <p:grpSpPr>
-        <a:xfrm>
-          <a:off x="0" y="0"/>
-          <a:ext cx="0" cy="0"/>
-          <a:chOff x="0" y="0"/>
-          <a:chExt cx="0" cy="0"/>
-        </a:xfrm>
-      </p:grpSpPr>
-      <p:sp>
-        <p:nvSpPr>
-          <p:cNvPr id="2" name="Title 1">
-            <a:extLst>
-              <a:ext uri="{FF2B5EF4-FFF2-40B4-BE49-F238E27FC236}">
-                <a16:creationId xmlns:a16="http://schemas.microsoft.com/office/drawing/2014/main" id="{F597F137-60A9-4B64-BF19-C94D5A7FF6B8}"/>
-              </a:ext>
-            </a:extLst>
-          </p:cNvPr>
-          <p:cNvSpPr>
-            <a:spLocks noGrp="1"/>
-          </p:cNvSpPr>
-          <p:nvPr>
-            <p:ph type="title"/>
-          </p:nvPr>
-        </p:nvSpPr>
-        <p:spPr/>
-        <p:txBody>
-          <a:bodyPr/>
-          <a:lstStyle/>
-          <a:p>
-            <a:r>
-              <a:rPr lang="en-US" dirty="0"/>
-              <a:t>Scenario: Outsourced customer support</a:t>
-            </a:r>
-          </a:p>
-        </p:txBody>
-      </p:sp>
-      <p:sp>
-        <p:nvSpPr>
-          <p:cNvPr id="3" name="Text Placeholder 2">
-            <a:extLst>
-              <a:ext uri="{FF2B5EF4-FFF2-40B4-BE49-F238E27FC236}">
-                <a16:creationId xmlns:a16="http://schemas.microsoft.com/office/drawing/2014/main" id="{AFCCC275-1646-4D41-BC53-6E32A11EEE8B}"/>
-              </a:ext>
-            </a:extLst>
-          </p:cNvPr>
-          <p:cNvSpPr>
-            <a:spLocks noGrp="1"/>
-          </p:cNvSpPr>
-          <p:nvPr>
-            <p:ph type="body" sz="quarter" idx="10"/>
-          </p:nvPr>
-        </p:nvSpPr>
-        <p:spPr>
-          <a:xfrm>
-            <a:off x="584200" y="1435497"/>
-            <a:ext cx="11018520" cy="2240613"/>
-          </a:xfrm>
-        </p:spPr>
-        <p:txBody>
-          <a:bodyPr/>
-          <a:lstStyle/>
-          <a:p>
-            <a:r>
-              <a:rPr lang="en-US" dirty="0"/>
-              <a:t>Contoso has outsourced support to a 3</a:t>
-            </a:r>
-            <a:r>
-              <a:rPr lang="en-US" baseline="30000" dirty="0"/>
-              <a:t>rd</a:t>
-            </a:r>
-            <a:r>
-              <a:rPr lang="en-US" dirty="0"/>
-              <a:t> party firm. New and changed customers needs to be transmitted to the 3</a:t>
-            </a:r>
-            <a:r>
-              <a:rPr lang="en-US" baseline="30000" dirty="0"/>
-              <a:t>rd</a:t>
-            </a:r>
-            <a:r>
-              <a:rPr lang="en-US" dirty="0"/>
-              <a:t> party.</a:t>
-            </a:r>
-            <a:br>
-              <a:rPr lang="en-US" dirty="0"/>
-            </a:br>
-            <a:endParaRPr lang="en-US" dirty="0"/>
-          </a:p>
-          <a:p>
-            <a:r>
-              <a:rPr lang="en-US" dirty="0"/>
-              <a:t>Any problems with the transmission must be reported to Contoso’s manager</a:t>
-            </a:r>
-          </a:p>
-        </p:txBody>
-      </p:sp>
-    </p:spTree>
-    <p:extLst>
-      <p:ext uri="{BB962C8B-B14F-4D97-AF65-F5344CB8AC3E}">
-        <p14:creationId xmlns:p14="http://schemas.microsoft.com/office/powerpoint/2010/main" val="1702531911"/>
-      </p:ext>
-    </p:extLst>
-  </p:cSld>
-  <p:clrMapOvr>
-    <a:masterClrMapping/>
-  </p:clrMapOvr>
-  <mc:AlternateContent xmlns:mc="http://schemas.openxmlformats.org/markup-compatibility/2006" xmlns:p14="http://schemas.microsoft.com/office/powerpoint/2010/main">
-    <mc:Choice Requires="p14">
-      <p:transition spd="med" p14:dur="700">
-        <p:fade/>
-      </p:transition>
-    </mc:Choice>
-    <mc:Fallback xmlns="">
-      <p:transition spd="med">
-        <p:fade/>
-      </p:transition>
-    </mc:Fallback>
-  </mc:AlternateContent>
-</p:sld>
-</file>
-
-<file path=ppt/slides/slide32.xml><?xml version="1.0" encoding="utf-8"?>
-<p:sld xmlns:a="http://schemas.openxmlformats.org/drawingml/2006/main" xmlns:r="http://schemas.openxmlformats.org/officeDocument/2006/relationships" xmlns:p="http://schemas.openxmlformats.org/presentationml/2006/main">
-  <p:cSld>
-    <p:bg>
-      <p:bgPr>
-        <a:solidFill>
-          <a:schemeClr val="bg1">
-            <a:lumMod val="85000"/>
-          </a:schemeClr>
-        </a:solidFill>
-        <a:effectLst/>
-      </p:bgPr>
-    </p:bg>
-    <p:spTree>
-      <p:nvGrpSpPr>
-        <p:cNvPr id="1" name=""/>
-        <p:cNvGrpSpPr/>
-        <p:nvPr/>
-      </p:nvGrpSpPr>
-      <p:grpSpPr>
-        <a:xfrm>
-          <a:off x="0" y="0"/>
-          <a:ext cx="0" cy="0"/>
-          <a:chOff x="0" y="0"/>
-          <a:chExt cx="0" cy="0"/>
-        </a:xfrm>
-      </p:grpSpPr>
-      <p:sp>
-        <p:nvSpPr>
-          <p:cNvPr id="2" name="Title 1">
-            <a:extLst>
-              <a:ext uri="{FF2B5EF4-FFF2-40B4-BE49-F238E27FC236}">
-                <a16:creationId xmlns:a16="http://schemas.microsoft.com/office/drawing/2014/main" id="{DB4D2E07-20C8-4998-BFA3-8E0DD3943822}"/>
-              </a:ext>
-            </a:extLst>
-          </p:cNvPr>
-          <p:cNvSpPr>
-            <a:spLocks noGrp="1"/>
-          </p:cNvSpPr>
-          <p:nvPr>
-            <p:ph type="title"/>
-          </p:nvPr>
-        </p:nvSpPr>
-        <p:spPr/>
-        <p:txBody>
-          <a:bodyPr/>
-          <a:lstStyle/>
-          <a:p>
-            <a:r>
-              <a:rPr lang="en-US" dirty="0"/>
-              <a:t>Scenario: Customer Referral </a:t>
-            </a:r>
-          </a:p>
-        </p:txBody>
-      </p:sp>
-      <p:sp>
-        <p:nvSpPr>
-          <p:cNvPr id="3" name="Text Placeholder 2">
-            <a:extLst>
-              <a:ext uri="{FF2B5EF4-FFF2-40B4-BE49-F238E27FC236}">
-                <a16:creationId xmlns:a16="http://schemas.microsoft.com/office/drawing/2014/main" id="{856387B5-50BE-4967-83D5-A846AF1950C0}"/>
-              </a:ext>
-            </a:extLst>
-          </p:cNvPr>
-          <p:cNvSpPr>
-            <a:spLocks noGrp="1"/>
-          </p:cNvSpPr>
-          <p:nvPr>
-            <p:ph type="body" sz="quarter" idx="10"/>
-          </p:nvPr>
-        </p:nvSpPr>
-        <p:spPr>
-          <a:xfrm>
-            <a:off x="584200" y="1435497"/>
-            <a:ext cx="11018520" cy="4776692"/>
-          </a:xfrm>
-        </p:spPr>
-        <p:txBody>
-          <a:bodyPr/>
-          <a:lstStyle/>
-          <a:p>
-            <a:r>
-              <a:rPr lang="en-US" dirty="0"/>
-              <a:t>Another division at </a:t>
-            </a:r>
-            <a:r>
-              <a:rPr lang="en-US" dirty="0" err="1"/>
-              <a:t>Woodgrove</a:t>
-            </a:r>
-            <a:r>
-              <a:rPr lang="en-US" dirty="0"/>
-              <a:t> wants to send customer referrals</a:t>
-            </a:r>
-          </a:p>
-          <a:p>
-            <a:endParaRPr lang="en-US" dirty="0"/>
-          </a:p>
-          <a:p>
-            <a:r>
-              <a:rPr lang="en-US" dirty="0"/>
-              <a:t>They have asked for API access to send the referral automatically from their system</a:t>
-            </a:r>
-          </a:p>
-          <a:p>
-            <a:r>
-              <a:rPr lang="en-US" dirty="0"/>
-              <a:t>Your referral creation process:</a:t>
-            </a:r>
-          </a:p>
-          <a:p>
-            <a:pPr lvl="1"/>
-            <a:r>
-              <a:rPr lang="en-US" dirty="0"/>
-              <a:t>Create Account if name doesn’t exist</a:t>
-            </a:r>
-          </a:p>
-          <a:p>
-            <a:pPr lvl="1"/>
-            <a:r>
-              <a:rPr lang="en-US" dirty="0"/>
-              <a:t>Create an Opportunity </a:t>
-            </a:r>
-          </a:p>
-          <a:p>
-            <a:pPr lvl="1"/>
-            <a:r>
-              <a:rPr lang="en-US" dirty="0"/>
-              <a:t>Assign the opportunity to the sales team based on region</a:t>
-            </a:r>
-          </a:p>
-          <a:p>
-            <a:pPr lvl="1"/>
-            <a:r>
-              <a:rPr lang="en-US" dirty="0"/>
-              <a:t>Create a task for the account research team to research the company </a:t>
-            </a:r>
-          </a:p>
-          <a:p>
-            <a:pPr lvl="1"/>
-            <a:endParaRPr lang="en-US" dirty="0"/>
-          </a:p>
-          <a:p>
-            <a:r>
-              <a:rPr lang="en-US" dirty="0"/>
-              <a:t>How would you enable this to happen?</a:t>
-            </a:r>
-          </a:p>
-        </p:txBody>
-      </p:sp>
-    </p:spTree>
-    <p:extLst>
-      <p:ext uri="{BB962C8B-B14F-4D97-AF65-F5344CB8AC3E}">
-        <p14:creationId xmlns:p14="http://schemas.microsoft.com/office/powerpoint/2010/main" val="3038768536"/>
-      </p:ext>
-    </p:extLst>
-  </p:cSld>
-  <p:clrMapOvr>
-    <a:masterClrMapping/>
-  </p:clrMapOvr>
-  <mc:AlternateContent xmlns:mc="http://schemas.openxmlformats.org/markup-compatibility/2006" xmlns:p14="http://schemas.microsoft.com/office/powerpoint/2010/main">
-    <mc:Choice Requires="p14">
-      <p:transition spd="med" p14:dur="700">
-        <p:fade/>
-      </p:transition>
-    </mc:Choice>
-    <mc:Fallback xmlns="">
-      <p:transition spd="med">
-        <p:fade/>
-      </p:transition>
-    </mc:Fallback>
-  </mc:AlternateContent>
-</p:sld>
-</file>
-
-<file path=ppt/slides/slide33.xml><?xml version="1.0" encoding="utf-8"?>
-<p:sld xmlns:a="http://schemas.openxmlformats.org/drawingml/2006/main" xmlns:r="http://schemas.openxmlformats.org/officeDocument/2006/relationships" xmlns:p="http://schemas.openxmlformats.org/presentationml/2006/main">
-  <p:cSld>
-    <p:spTree>
-      <p:nvGrpSpPr>
-        <p:cNvPr id="1" name=""/>
-        <p:cNvGrpSpPr/>
-        <p:nvPr/>
-      </p:nvGrpSpPr>
-      <p:grpSpPr>
-        <a:xfrm>
-          <a:off x="0" y="0"/>
-          <a:ext cx="0" cy="0"/>
-          <a:chOff x="0" y="0"/>
-          <a:chExt cx="0" cy="0"/>
-        </a:xfrm>
-      </p:grpSpPr>
-      <p:sp>
-        <p:nvSpPr>
-          <p:cNvPr id="4" name="Title 3">
-            <a:extLst>
-              <a:ext uri="{FF2B5EF4-FFF2-40B4-BE49-F238E27FC236}">
-                <a16:creationId xmlns:a16="http://schemas.microsoft.com/office/drawing/2014/main" id="{75FD6677-8670-40B2-84A9-EDEAA9F2740F}"/>
-              </a:ext>
-            </a:extLst>
-          </p:cNvPr>
-          <p:cNvSpPr>
-            <a:spLocks noGrp="1"/>
-          </p:cNvSpPr>
-          <p:nvPr>
-            <p:ph type="title"/>
-          </p:nvPr>
-        </p:nvSpPr>
-        <p:spPr/>
-        <p:txBody>
-          <a:bodyPr/>
-          <a:lstStyle/>
-          <a:p>
-            <a:r>
-              <a:rPr lang="en-US" dirty="0"/>
-              <a:t>Wrapping up</a:t>
-            </a:r>
-          </a:p>
-        </p:txBody>
-      </p:sp>
-      <p:sp>
-        <p:nvSpPr>
-          <p:cNvPr id="5" name="Text Placeholder 4">
-            <a:extLst>
-              <a:ext uri="{FF2B5EF4-FFF2-40B4-BE49-F238E27FC236}">
-                <a16:creationId xmlns:a16="http://schemas.microsoft.com/office/drawing/2014/main" id="{14265B04-CC3A-44F9-A375-7DB894B11938}"/>
-              </a:ext>
-            </a:extLst>
-          </p:cNvPr>
-          <p:cNvSpPr>
-            <a:spLocks noGrp="1"/>
-          </p:cNvSpPr>
-          <p:nvPr>
-            <p:ph type="body" sz="quarter" idx="10"/>
-          </p:nvPr>
-        </p:nvSpPr>
-        <p:spPr>
-          <a:xfrm>
-            <a:off x="584200" y="1302494"/>
-            <a:ext cx="11018520" cy="3791807"/>
-          </a:xfrm>
-        </p:spPr>
-        <p:txBody>
-          <a:bodyPr/>
-          <a:lstStyle/>
-          <a:p>
-            <a:r>
-              <a:rPr lang="en-US" dirty="0"/>
-              <a:t>Integrations helps use build a more complete solution that provide a better user experience/value than if the solutions were used individually</a:t>
-            </a:r>
-          </a:p>
-          <a:p>
-            <a:endParaRPr lang="en-US" dirty="0"/>
-          </a:p>
-          <a:p>
-            <a:r>
-              <a:rPr lang="en-US" dirty="0"/>
-              <a:t>The Solution Architect must balance the integration techniques used to ensure a good user experience and availability of the solution</a:t>
-            </a:r>
-          </a:p>
-          <a:p>
-            <a:pPr marL="0" indent="0">
-              <a:buNone/>
-            </a:pPr>
-            <a:endParaRPr lang="en-US" dirty="0"/>
-          </a:p>
-          <a:p>
-            <a:endParaRPr lang="en-US" dirty="0"/>
-          </a:p>
-        </p:txBody>
-      </p:sp>
-    </p:spTree>
-    <p:extLst>
-      <p:ext uri="{BB962C8B-B14F-4D97-AF65-F5344CB8AC3E}">
-        <p14:creationId xmlns:p14="http://schemas.microsoft.com/office/powerpoint/2010/main" val="3426318060"/>
-      </p:ext>
-    </p:extLst>
-  </p:cSld>
-  <p:clrMapOvr>
-    <a:masterClrMapping/>
-  </p:clrMapOvr>
-  <mc:AlternateContent xmlns:mc="http://schemas.openxmlformats.org/markup-compatibility/2006" xmlns:p14="http://schemas.microsoft.com/office/powerpoint/2010/main">
-    <mc:Choice Requires="p14">
-      <p:transition spd="med" p14:dur="700">
-        <p:fade/>
-      </p:transition>
-    </mc:Choice>
-    <mc:Fallback xmlns="">
-      <p:transition spd="med">
-        <p:fade/>
-      </p:transition>
-    </mc:Fallback>
-  </mc:AlternateContent>
-</p:sld>
-</file>
-
-<file path=ppt/slides/slide34.xml><?xml version="1.0" encoding="utf-8"?>
-<p:sld xmlns:a="http://schemas.openxmlformats.org/drawingml/2006/main" xmlns:r="http://schemas.openxmlformats.org/officeDocument/2006/relationships" xmlns:p="http://schemas.openxmlformats.org/presentationml/2006/main">
-  <p:cSld>
-    <p:spTree>
-      <p:nvGrpSpPr>
-        <p:cNvPr id="1" name=""/>
-        <p:cNvGrpSpPr/>
-        <p:nvPr/>
-      </p:nvGrpSpPr>
-      <p:grpSpPr>
-        <a:xfrm>
-          <a:off x="0" y="0"/>
-          <a:ext cx="0" cy="0"/>
-          <a:chOff x="0" y="0"/>
-          <a:chExt cx="0" cy="0"/>
-        </a:xfrm>
-      </p:grpSpPr>
-    </p:spTree>
-    <p:extLst>
-      <p:ext uri="{BB962C8B-B14F-4D97-AF65-F5344CB8AC3E}">
-        <p14:creationId xmlns:p14="http://schemas.microsoft.com/office/powerpoint/2010/main" val="2402828649"/>
-      </p:ext>
-    </p:extLst>
-  </p:cSld>
-  <p:clrMapOvr>
-    <a:masterClrMapping/>
-  </p:clrMapOvr>
-  <mc:AlternateContent xmlns:mc="http://schemas.openxmlformats.org/markup-compatibility/2006" xmlns:p14="http://schemas.microsoft.com/office/powerpoint/2010/main">
-    <mc:Choice Requires="p14">
-      <p:transition spd="med" p14:dur="700">
-        <p:fade/>
-      </p:transition>
-    </mc:Choice>
-    <mc:Fallback xmlns="">
-      <p:transition spd="med">
-        <p:fade/>
-      </p:transition>
-    </mc:Fallback>
-  </mc:AlternateContent>
-</p:sld>
-</file>
-
 <file path=ppt/slides/slide4.xml><?xml version="1.0" encoding="utf-8"?>
-<p:sld xmlns:a="http://schemas.openxmlformats.org/drawingml/2006/main" xmlns:r="http://schemas.openxmlformats.org/officeDocument/2006/relationships" xmlns:p="http://schemas.openxmlformats.org/presentationml/2006/main">
-  <p:cSld>
-    <p:spTree>
-      <p:nvGrpSpPr>
-        <p:cNvPr id="1" name=""/>
-        <p:cNvGrpSpPr/>
-        <p:nvPr/>
-      </p:nvGrpSpPr>
-      <p:grpSpPr>
-        <a:xfrm>
-          <a:off x="0" y="0"/>
-          <a:ext cx="0" cy="0"/>
-          <a:chOff x="0" y="0"/>
-          <a:chExt cx="0" cy="0"/>
-        </a:xfrm>
-      </p:grpSpPr>
-      <p:sp>
-        <p:nvSpPr>
-          <p:cNvPr id="3" name="Title 2">
-            <a:extLst>
-              <a:ext uri="{FF2B5EF4-FFF2-40B4-BE49-F238E27FC236}">
-                <a16:creationId xmlns:a16="http://schemas.microsoft.com/office/drawing/2014/main" id="{94B66D65-1505-4518-AA61-625E6AF93527}"/>
-              </a:ext>
-            </a:extLst>
-          </p:cNvPr>
-          <p:cNvSpPr>
-            <a:spLocks noGrp="1"/>
-          </p:cNvSpPr>
-          <p:nvPr>
-            <p:ph type="title"/>
-          </p:nvPr>
-        </p:nvSpPr>
-        <p:spPr>
-          <a:xfrm>
-            <a:off x="463884" y="840016"/>
-            <a:ext cx="4160520" cy="861774"/>
-          </a:xfrm>
-        </p:spPr>
-        <p:txBody>
-          <a:bodyPr/>
-          <a:lstStyle/>
-          <a:p>
-            <a:r>
-              <a:rPr lang="en-US" dirty="0"/>
-              <a:t>What is integration and why do we do it?</a:t>
-            </a:r>
-          </a:p>
-        </p:txBody>
-      </p:sp>
-      <p:sp>
-        <p:nvSpPr>
-          <p:cNvPr id="2" name="Picture Placeholder 1">
-            <a:extLst>
-              <a:ext uri="{FF2B5EF4-FFF2-40B4-BE49-F238E27FC236}">
-                <a16:creationId xmlns:a16="http://schemas.microsoft.com/office/drawing/2014/main" id="{E2CF35B3-5EBA-428D-8938-33E51D673439}"/>
-              </a:ext>
-            </a:extLst>
-          </p:cNvPr>
-          <p:cNvSpPr>
-            <a:spLocks noGrp="1"/>
-          </p:cNvSpPr>
-          <p:nvPr>
-            <p:ph type="pic" sz="quarter" idx="11"/>
-          </p:nvPr>
-        </p:nvSpPr>
-        <p:spPr/>
-      </p:sp>
-      <p:sp>
-        <p:nvSpPr>
-          <p:cNvPr id="4" name="manager" title="Icon of three people with lines connecting them">
-            <a:extLst>
-              <a:ext uri="{FF2B5EF4-FFF2-40B4-BE49-F238E27FC236}">
-                <a16:creationId xmlns:a16="http://schemas.microsoft.com/office/drawing/2014/main" id="{21EF23D8-BEC9-4C1D-9F0B-79BC537F039E}"/>
-              </a:ext>
-            </a:extLst>
-          </p:cNvPr>
-          <p:cNvSpPr>
-            <a:spLocks noChangeAspect="1" noEditPoints="1"/>
-          </p:cNvSpPr>
-          <p:nvPr/>
-        </p:nvSpPr>
-        <p:spPr bwMode="auto">
-          <a:xfrm>
-            <a:off x="7855800" y="2219246"/>
-            <a:ext cx="1814400" cy="1828800"/>
-          </a:xfrm>
-          <a:custGeom>
-            <a:avLst/>
-            <a:gdLst>
-              <a:gd name="T0" fmla="*/ 128 w 348"/>
-              <a:gd name="T1" fmla="*/ 46 h 352"/>
-              <a:gd name="T2" fmla="*/ 174 w 348"/>
-              <a:gd name="T3" fmla="*/ 0 h 352"/>
-              <a:gd name="T4" fmla="*/ 220 w 348"/>
-              <a:gd name="T5" fmla="*/ 46 h 352"/>
-              <a:gd name="T6" fmla="*/ 174 w 348"/>
-              <a:gd name="T7" fmla="*/ 91 h 352"/>
-              <a:gd name="T8" fmla="*/ 128 w 348"/>
-              <a:gd name="T9" fmla="*/ 46 h 352"/>
-              <a:gd name="T10" fmla="*/ 231 w 348"/>
-              <a:gd name="T11" fmla="*/ 148 h 352"/>
-              <a:gd name="T12" fmla="*/ 174 w 348"/>
-              <a:gd name="T13" fmla="*/ 91 h 352"/>
-              <a:gd name="T14" fmla="*/ 117 w 348"/>
-              <a:gd name="T15" fmla="*/ 148 h 352"/>
-              <a:gd name="T16" fmla="*/ 57 w 348"/>
-              <a:gd name="T17" fmla="*/ 295 h 352"/>
-              <a:gd name="T18" fmla="*/ 102 w 348"/>
-              <a:gd name="T19" fmla="*/ 249 h 352"/>
-              <a:gd name="T20" fmla="*/ 57 w 348"/>
-              <a:gd name="T21" fmla="*/ 204 h 352"/>
-              <a:gd name="T22" fmla="*/ 11 w 348"/>
-              <a:gd name="T23" fmla="*/ 249 h 352"/>
-              <a:gd name="T24" fmla="*/ 57 w 348"/>
-              <a:gd name="T25" fmla="*/ 295 h 352"/>
-              <a:gd name="T26" fmla="*/ 114 w 348"/>
-              <a:gd name="T27" fmla="*/ 352 h 352"/>
-              <a:gd name="T28" fmla="*/ 57 w 348"/>
-              <a:gd name="T29" fmla="*/ 295 h 352"/>
-              <a:gd name="T30" fmla="*/ 0 w 348"/>
-              <a:gd name="T31" fmla="*/ 352 h 352"/>
-              <a:gd name="T32" fmla="*/ 291 w 348"/>
-              <a:gd name="T33" fmla="*/ 295 h 352"/>
-              <a:gd name="T34" fmla="*/ 337 w 348"/>
-              <a:gd name="T35" fmla="*/ 249 h 352"/>
-              <a:gd name="T36" fmla="*/ 291 w 348"/>
-              <a:gd name="T37" fmla="*/ 204 h 352"/>
-              <a:gd name="T38" fmla="*/ 246 w 348"/>
-              <a:gd name="T39" fmla="*/ 249 h 352"/>
-              <a:gd name="T40" fmla="*/ 291 w 348"/>
-              <a:gd name="T41" fmla="*/ 295 h 352"/>
-              <a:gd name="T42" fmla="*/ 348 w 348"/>
-              <a:gd name="T43" fmla="*/ 352 h 352"/>
-              <a:gd name="T44" fmla="*/ 291 w 348"/>
-              <a:gd name="T45" fmla="*/ 295 h 352"/>
-              <a:gd name="T46" fmla="*/ 234 w 348"/>
-              <a:gd name="T47" fmla="*/ 352 h 352"/>
-              <a:gd name="T48" fmla="*/ 224 w 348"/>
-              <a:gd name="T49" fmla="*/ 219 h 352"/>
-              <a:gd name="T50" fmla="*/ 174 w 348"/>
-              <a:gd name="T51" fmla="*/ 169 h 352"/>
-              <a:gd name="T52" fmla="*/ 124 w 348"/>
-              <a:gd name="T53" fmla="*/ 219 h 352"/>
-            </a:gdLst>
-            <a:ahLst/>
-            <a:cxnLst>
-              <a:cxn ang="0">
-                <a:pos x="T0" y="T1"/>
-              </a:cxn>
-              <a:cxn ang="0">
-                <a:pos x="T2" y="T3"/>
-              </a:cxn>
-              <a:cxn ang="0">
-                <a:pos x="T4" y="T5"/>
-              </a:cxn>
-              <a:cxn ang="0">
-                <a:pos x="T6" y="T7"/>
-              </a:cxn>
-              <a:cxn ang="0">
-                <a:pos x="T8" y="T9"/>
-              </a:cxn>
-              <a:cxn ang="0">
-                <a:pos x="T10" y="T11"/>
-              </a:cxn>
-              <a:cxn ang="0">
-                <a:pos x="T12" y="T13"/>
-              </a:cxn>
-              <a:cxn ang="0">
-                <a:pos x="T14" y="T15"/>
-              </a:cxn>
-              <a:cxn ang="0">
-                <a:pos x="T16" y="T17"/>
-              </a:cxn>
-              <a:cxn ang="0">
-                <a:pos x="T18" y="T19"/>
-              </a:cxn>
-              <a:cxn ang="0">
-                <a:pos x="T20" y="T21"/>
-              </a:cxn>
-              <a:cxn ang="0">
-                <a:pos x="T22" y="T23"/>
-              </a:cxn>
-              <a:cxn ang="0">
-                <a:pos x="T24" y="T25"/>
-              </a:cxn>
-              <a:cxn ang="0">
-                <a:pos x="T26" y="T27"/>
-              </a:cxn>
-              <a:cxn ang="0">
-                <a:pos x="T28" y="T29"/>
-              </a:cxn>
-              <a:cxn ang="0">
-                <a:pos x="T30" y="T31"/>
-              </a:cxn>
-              <a:cxn ang="0">
-                <a:pos x="T32" y="T33"/>
-              </a:cxn>
-              <a:cxn ang="0">
-                <a:pos x="T34" y="T35"/>
-              </a:cxn>
-              <a:cxn ang="0">
-                <a:pos x="T36" y="T37"/>
-              </a:cxn>
-              <a:cxn ang="0">
-                <a:pos x="T38" y="T39"/>
-              </a:cxn>
-              <a:cxn ang="0">
-                <a:pos x="T40" y="T41"/>
-              </a:cxn>
-              <a:cxn ang="0">
-                <a:pos x="T42" y="T43"/>
-              </a:cxn>
-              <a:cxn ang="0">
-                <a:pos x="T44" y="T45"/>
-              </a:cxn>
-              <a:cxn ang="0">
-                <a:pos x="T46" y="T47"/>
-              </a:cxn>
-              <a:cxn ang="0">
-                <a:pos x="T48" y="T49"/>
-              </a:cxn>
-              <a:cxn ang="0">
-                <a:pos x="T50" y="T51"/>
-              </a:cxn>
-              <a:cxn ang="0">
-                <a:pos x="T52" y="T53"/>
-              </a:cxn>
-            </a:cxnLst>
-            <a:rect l="0" t="0" r="r" b="b"/>
-            <a:pathLst>
-              <a:path w="348" h="352">
-                <a:moveTo>
-                  <a:pt x="128" y="46"/>
-                </a:moveTo>
-                <a:cubicBezTo>
-                  <a:pt x="128" y="20"/>
-                  <a:pt x="149" y="0"/>
-                  <a:pt x="174" y="0"/>
-                </a:cubicBezTo>
-                <a:cubicBezTo>
-                  <a:pt x="199" y="0"/>
-                  <a:pt x="220" y="20"/>
-                  <a:pt x="220" y="46"/>
-                </a:cubicBezTo>
-                <a:cubicBezTo>
-                  <a:pt x="220" y="71"/>
-                  <a:pt x="199" y="91"/>
-                  <a:pt x="174" y="91"/>
-                </a:cubicBezTo>
-                <a:cubicBezTo>
-                  <a:pt x="149" y="91"/>
-                  <a:pt x="128" y="71"/>
-                  <a:pt x="128" y="46"/>
-                </a:cubicBezTo>
-                <a:close/>
-                <a:moveTo>
-                  <a:pt x="231" y="148"/>
-                </a:moveTo>
-                <a:cubicBezTo>
-                  <a:pt x="231" y="117"/>
-                  <a:pt x="206" y="91"/>
-                  <a:pt x="174" y="91"/>
-                </a:cubicBezTo>
-                <a:cubicBezTo>
-                  <a:pt x="142" y="91"/>
-                  <a:pt x="117" y="117"/>
-                  <a:pt x="117" y="148"/>
-                </a:cubicBezTo>
-                <a:moveTo>
-                  <a:pt x="57" y="295"/>
-                </a:moveTo>
-                <a:cubicBezTo>
-                  <a:pt x="82" y="295"/>
-                  <a:pt x="102" y="275"/>
-                  <a:pt x="102" y="249"/>
-                </a:cubicBezTo>
-                <a:cubicBezTo>
-                  <a:pt x="102" y="224"/>
-                  <a:pt x="82" y="204"/>
-                  <a:pt x="57" y="204"/>
-                </a:cubicBezTo>
-                <a:cubicBezTo>
-                  <a:pt x="32" y="204"/>
-                  <a:pt x="11" y="224"/>
-                  <a:pt x="11" y="249"/>
-                </a:cubicBezTo>
-                <a:cubicBezTo>
-                  <a:pt x="11" y="275"/>
-                  <a:pt x="32" y="295"/>
-                  <a:pt x="57" y="295"/>
-                </a:cubicBezTo>
-                <a:close/>
-                <a:moveTo>
-                  <a:pt x="114" y="352"/>
-                </a:moveTo>
-                <a:cubicBezTo>
-                  <a:pt x="114" y="320"/>
-                  <a:pt x="88" y="295"/>
-                  <a:pt x="57" y="295"/>
-                </a:cubicBezTo>
-                <a:cubicBezTo>
-                  <a:pt x="25" y="295"/>
-                  <a:pt x="0" y="320"/>
-                  <a:pt x="0" y="352"/>
-                </a:cubicBezTo>
-                <a:moveTo>
-                  <a:pt x="291" y="295"/>
-                </a:moveTo>
-                <a:cubicBezTo>
-                  <a:pt x="316" y="295"/>
-                  <a:pt x="337" y="275"/>
-                  <a:pt x="337" y="249"/>
-                </a:cubicBezTo>
-                <a:cubicBezTo>
-                  <a:pt x="337" y="224"/>
-                  <a:pt x="316" y="204"/>
-                  <a:pt x="291" y="204"/>
-                </a:cubicBezTo>
-                <a:cubicBezTo>
-                  <a:pt x="266" y="204"/>
-                  <a:pt x="246" y="224"/>
-                  <a:pt x="246" y="249"/>
-                </a:cubicBezTo>
-                <a:cubicBezTo>
-                  <a:pt x="246" y="275"/>
-                  <a:pt x="266" y="295"/>
-                  <a:pt x="291" y="295"/>
-                </a:cubicBezTo>
-                <a:close/>
-                <a:moveTo>
-                  <a:pt x="348" y="352"/>
-                </a:moveTo>
-                <a:cubicBezTo>
-                  <a:pt x="348" y="320"/>
-                  <a:pt x="323" y="295"/>
-                  <a:pt x="291" y="295"/>
-                </a:cubicBezTo>
-                <a:cubicBezTo>
-                  <a:pt x="260" y="295"/>
-                  <a:pt x="234" y="320"/>
-                  <a:pt x="234" y="352"/>
-                </a:cubicBezTo>
-                <a:moveTo>
-                  <a:pt x="224" y="219"/>
-                </a:moveTo>
-                <a:cubicBezTo>
-                  <a:pt x="174" y="169"/>
-                  <a:pt x="174" y="169"/>
-                  <a:pt x="174" y="169"/>
-                </a:cubicBezTo>
-                <a:cubicBezTo>
-                  <a:pt x="124" y="219"/>
-                  <a:pt x="124" y="219"/>
-                  <a:pt x="124" y="219"/>
-                </a:cubicBezTo>
-              </a:path>
-            </a:pathLst>
-          </a:custGeom>
-          <a:solidFill>
-            <a:schemeClr val="accent2"/>
-          </a:solidFill>
-          <a:ln w="15875" cap="sq">
-            <a:solidFill>
-              <a:schemeClr val="bg2"/>
-            </a:solidFill>
-            <a:prstDash val="solid"/>
-            <a:miter lim="800000"/>
-            <a:headEnd/>
-            <a:tailEnd/>
-          </a:ln>
-        </p:spPr>
-        <p:txBody>
-          <a:bodyPr vert="horz" wrap="square" lIns="91440" tIns="45720" rIns="91440" bIns="45720" numCol="1" anchor="t" anchorCtr="0" compatLnSpc="1">
-            <a:prstTxWarp prst="textNoShape">
-              <a:avLst/>
-            </a:prstTxWarp>
-          </a:bodyPr>
-          <a:lstStyle/>
-          <a:p>
-            <a:endParaRPr lang="en-US" dirty="0"/>
-          </a:p>
-        </p:txBody>
-      </p:sp>
-      <p:sp>
-        <p:nvSpPr>
-          <p:cNvPr id="5" name="Text Placeholder 2">
-            <a:extLst>
-              <a:ext uri="{FF2B5EF4-FFF2-40B4-BE49-F238E27FC236}">
-                <a16:creationId xmlns:a16="http://schemas.microsoft.com/office/drawing/2014/main" id="{EBCB8940-300F-47D0-AAB2-2EDA4199A3E5}"/>
-              </a:ext>
-            </a:extLst>
-          </p:cNvPr>
-          <p:cNvSpPr txBox="1">
-            <a:spLocks/>
-          </p:cNvSpPr>
-          <p:nvPr/>
-        </p:nvSpPr>
-        <p:spPr>
-          <a:xfrm>
-            <a:off x="457200" y="5758041"/>
-            <a:ext cx="4162425" cy="307777"/>
-          </a:xfrm>
-          <a:prstGeom prst="rect">
-            <a:avLst/>
-          </a:prstGeom>
-        </p:spPr>
-        <p:txBody>
-          <a:bodyPr/>
-          <a:lstStyle>
-            <a:lvl1pPr marL="228600" marR="0" indent="-228600" algn="l" defTabSz="932742" rtl="0" eaLnBrk="1" fontAlgn="auto" latinLnBrk="0" hangingPunct="1">
-              <a:lnSpc>
-                <a:spcPct val="100000"/>
-              </a:lnSpc>
-              <a:spcBef>
-                <a:spcPct val="20000"/>
-              </a:spcBef>
-              <a:spcAft>
-                <a:spcPts val="0"/>
-              </a:spcAft>
-              <a:buClrTx/>
-              <a:buSzPct val="90000"/>
-              <a:buFont typeface="Wingdings" panose="05000000000000000000" pitchFamily="2" charset="2"/>
-              <a:buChar char=""/>
-              <a:tabLst/>
-              <a:defRPr sz="2800" kern="1200" spc="0" baseline="0">
-                <a:gradFill>
-                  <a:gsLst>
-                    <a:gs pos="1250">
-                      <a:schemeClr val="tx1"/>
-                    </a:gs>
-                    <a:gs pos="100000">
-                      <a:schemeClr val="tx1"/>
-                    </a:gs>
-                  </a:gsLst>
-                  <a:lin ang="5400000" scaled="0"/>
-                </a:gradFill>
-                <a:latin typeface="+mn-lt"/>
-                <a:ea typeface="+mn-ea"/>
-                <a:cs typeface="Segoe UI Semilight" panose="020B0402040204020203" pitchFamily="34" charset="0"/>
-              </a:defRPr>
-            </a:lvl1pPr>
-            <a:lvl2pPr marL="457200" marR="0" indent="-228600" algn="l" defTabSz="932742" rtl="0" eaLnBrk="1" fontAlgn="auto" latinLnBrk="0" hangingPunct="1">
-              <a:lnSpc>
-                <a:spcPct val="100000"/>
-              </a:lnSpc>
-              <a:spcBef>
-                <a:spcPct val="20000"/>
-              </a:spcBef>
-              <a:spcAft>
-                <a:spcPts val="0"/>
-              </a:spcAft>
-              <a:buClrTx/>
-              <a:buSzPct val="90000"/>
-              <a:buFont typeface="Wingdings" panose="05000000000000000000" pitchFamily="2" charset="2"/>
-              <a:buChar char=""/>
-              <a:tabLst/>
-              <a:defRPr sz="2000" kern="1200" spc="0" baseline="0">
-                <a:gradFill>
-                  <a:gsLst>
-                    <a:gs pos="1250">
-                      <a:schemeClr val="tx1"/>
-                    </a:gs>
-                    <a:gs pos="100000">
-                      <a:schemeClr val="tx1"/>
-                    </a:gs>
-                  </a:gsLst>
-                  <a:lin ang="5400000" scaled="0"/>
-                </a:gradFill>
-                <a:latin typeface="+mn-lt"/>
-                <a:ea typeface="+mn-ea"/>
-                <a:cs typeface="+mn-cs"/>
-              </a:defRPr>
-            </a:lvl2pPr>
-            <a:lvl3pPr marL="657225" marR="0" indent="-200025" algn="l" defTabSz="932742" rtl="0" eaLnBrk="1" fontAlgn="auto" latinLnBrk="0" hangingPunct="1">
-              <a:lnSpc>
-                <a:spcPct val="100000"/>
-              </a:lnSpc>
-              <a:spcBef>
-                <a:spcPct val="20000"/>
-              </a:spcBef>
-              <a:spcAft>
-                <a:spcPts val="0"/>
-              </a:spcAft>
-              <a:buClrTx/>
-              <a:buSzPct val="90000"/>
-              <a:buFont typeface="Wingdings" panose="05000000000000000000" pitchFamily="2" charset="2"/>
-              <a:buChar char=""/>
-              <a:tabLst/>
-              <a:defRPr sz="1600" kern="1200" spc="0" baseline="0">
-                <a:gradFill>
-                  <a:gsLst>
-                    <a:gs pos="1250">
-                      <a:schemeClr val="tx1"/>
-                    </a:gs>
-                    <a:gs pos="100000">
-                      <a:schemeClr val="tx1"/>
-                    </a:gs>
-                  </a:gsLst>
-                  <a:lin ang="5400000" scaled="0"/>
-                </a:gradFill>
-                <a:latin typeface="+mn-lt"/>
-                <a:ea typeface="+mn-ea"/>
-                <a:cs typeface="+mn-cs"/>
-              </a:defRPr>
-            </a:lvl3pPr>
-            <a:lvl4pPr marL="842963" marR="0" indent="-180975" algn="l" defTabSz="932742" rtl="0" eaLnBrk="1" fontAlgn="auto" latinLnBrk="0" hangingPunct="1">
-              <a:lnSpc>
-                <a:spcPct val="100000"/>
-              </a:lnSpc>
-              <a:spcBef>
-                <a:spcPct val="20000"/>
-              </a:spcBef>
-              <a:spcAft>
-                <a:spcPts val="0"/>
-              </a:spcAft>
-              <a:buClrTx/>
-              <a:buSzPct val="90000"/>
-              <a:buFont typeface="Wingdings" panose="05000000000000000000" pitchFamily="2" charset="2"/>
-              <a:buChar char=""/>
-              <a:tabLst/>
-              <a:defRPr sz="1400" kern="1200" spc="0" baseline="0">
-                <a:gradFill>
-                  <a:gsLst>
-                    <a:gs pos="1250">
-                      <a:schemeClr val="tx1"/>
-                    </a:gs>
-                    <a:gs pos="100000">
-                      <a:schemeClr val="tx1"/>
-                    </a:gs>
-                  </a:gsLst>
-                  <a:lin ang="5400000" scaled="0"/>
-                </a:gradFill>
-                <a:latin typeface="+mn-lt"/>
-                <a:ea typeface="+mn-ea"/>
-                <a:cs typeface="+mn-cs"/>
-              </a:defRPr>
-            </a:lvl4pPr>
-            <a:lvl5pPr marL="1023938" marR="0" indent="-168275" algn="l" defTabSz="932742" rtl="0" eaLnBrk="1" fontAlgn="auto" latinLnBrk="0" hangingPunct="1">
-              <a:lnSpc>
-                <a:spcPct val="100000"/>
-              </a:lnSpc>
-              <a:spcBef>
-                <a:spcPct val="20000"/>
-              </a:spcBef>
-              <a:spcAft>
-                <a:spcPts val="0"/>
-              </a:spcAft>
-              <a:buClrTx/>
-              <a:buSzPct val="90000"/>
-              <a:buFont typeface="Wingdings" panose="05000000000000000000" pitchFamily="2" charset="2"/>
-              <a:buChar char=""/>
-              <a:tabLst/>
-              <a:defRPr sz="1400" kern="1200" spc="0" baseline="0">
-                <a:gradFill>
-                  <a:gsLst>
-                    <a:gs pos="1250">
-                      <a:schemeClr val="tx1"/>
-                    </a:gs>
-                    <a:gs pos="100000">
-                      <a:schemeClr val="tx1"/>
-                    </a:gs>
-                  </a:gsLst>
-                  <a:lin ang="5400000" scaled="0"/>
-                </a:gradFill>
-                <a:latin typeface="+mn-lt"/>
-                <a:ea typeface="+mn-ea"/>
-                <a:cs typeface="+mn-cs"/>
-              </a:defRPr>
-            </a:lvl5pPr>
-            <a:lvl6pPr marL="2565040" indent="-233186" algn="l" defTabSz="932742" rtl="0" eaLnBrk="1" latinLnBrk="0" hangingPunct="1">
-              <a:spcBef>
-                <a:spcPct val="20000"/>
-              </a:spcBef>
-              <a:buFont typeface="Arial" pitchFamily="34" charset="0"/>
-              <a:buChar char="•"/>
-              <a:defRPr sz="2000" kern="1200">
-                <a:solidFill>
-                  <a:schemeClr val="tx1"/>
-                </a:solidFill>
-                <a:latin typeface="+mn-lt"/>
-                <a:ea typeface="+mn-ea"/>
-                <a:cs typeface="+mn-cs"/>
-              </a:defRPr>
-            </a:lvl6pPr>
-            <a:lvl7pPr marL="3031412" indent="-233186" algn="l" defTabSz="932742" rtl="0" eaLnBrk="1" latinLnBrk="0" hangingPunct="1">
-              <a:spcBef>
-                <a:spcPct val="20000"/>
-              </a:spcBef>
-              <a:buFont typeface="Arial" pitchFamily="34" charset="0"/>
-              <a:buChar char="•"/>
-              <a:defRPr sz="2000" kern="1200">
-                <a:solidFill>
-                  <a:schemeClr val="tx1"/>
-                </a:solidFill>
-                <a:latin typeface="+mn-lt"/>
-                <a:ea typeface="+mn-ea"/>
-                <a:cs typeface="+mn-cs"/>
-              </a:defRPr>
-            </a:lvl7pPr>
-            <a:lvl8pPr marL="3497783" indent="-233186" algn="l" defTabSz="932742" rtl="0" eaLnBrk="1" latinLnBrk="0" hangingPunct="1">
-              <a:spcBef>
-                <a:spcPct val="20000"/>
-              </a:spcBef>
-              <a:buFont typeface="Arial" pitchFamily="34" charset="0"/>
-              <a:buChar char="•"/>
-              <a:defRPr sz="2000" kern="1200">
-                <a:solidFill>
-                  <a:schemeClr val="tx1"/>
-                </a:solidFill>
-                <a:latin typeface="+mn-lt"/>
-                <a:ea typeface="+mn-ea"/>
-                <a:cs typeface="+mn-cs"/>
-              </a:defRPr>
-            </a:lvl8pPr>
-            <a:lvl9pPr marL="3964155" indent="-233186" algn="l" defTabSz="932742" rtl="0" eaLnBrk="1" latinLnBrk="0" hangingPunct="1">
-              <a:spcBef>
-                <a:spcPct val="20000"/>
-              </a:spcBef>
-              <a:buFont typeface="Arial" pitchFamily="34" charset="0"/>
-              <a:buChar char="•"/>
-              <a:defRPr sz="2000" kern="1200">
-                <a:solidFill>
-                  <a:schemeClr val="tx1"/>
-                </a:solidFill>
-                <a:latin typeface="+mn-lt"/>
-                <a:ea typeface="+mn-ea"/>
-                <a:cs typeface="+mn-cs"/>
-              </a:defRPr>
-            </a:lvl9pPr>
-          </a:lstStyle>
-          <a:p>
-            <a:pPr marL="0" indent="0">
-              <a:buNone/>
-            </a:pPr>
-            <a:r>
-              <a:rPr lang="en-US" sz="2000" dirty="0"/>
-              <a:t>Classroom discussion</a:t>
-            </a:r>
-          </a:p>
-        </p:txBody>
-      </p:sp>
-    </p:spTree>
-    <p:extLst>
-      <p:ext uri="{BB962C8B-B14F-4D97-AF65-F5344CB8AC3E}">
-        <p14:creationId xmlns:p14="http://schemas.microsoft.com/office/powerpoint/2010/main" val="3982706283"/>
-      </p:ext>
-    </p:extLst>
-  </p:cSld>
-  <p:clrMapOvr>
-    <a:masterClrMapping/>
-  </p:clrMapOvr>
-  <p:transition>
-    <p:fade/>
-  </p:transition>
-</p:sld>
-</file>
-
-<file path=ppt/slides/slide5.xml><?xml version="1.0" encoding="utf-8"?>
 <p:sld xmlns:a="http://schemas.openxmlformats.org/drawingml/2006/main" xmlns:r="http://schemas.openxmlformats.org/officeDocument/2006/relationships" xmlns:p="http://schemas.openxmlformats.org/presentationml/2006/main">
   <p:cSld>
     <p:spTree>
@@ -47117,7 +41624,7 @@
 </p:sld>
 </file>
 
-<file path=ppt/slides/slide6.xml><?xml version="1.0" encoding="utf-8"?>
+<file path=ppt/slides/slide5.xml><?xml version="1.0" encoding="utf-8"?>
 <p:sld xmlns:a="http://schemas.openxmlformats.org/drawingml/2006/main" xmlns:r="http://schemas.openxmlformats.org/officeDocument/2006/relationships" xmlns:p="http://schemas.openxmlformats.org/presentationml/2006/main">
   <p:cSld>
     <p:spTree>
@@ -47249,7 +41756,7 @@
 </p:sld>
 </file>
 
-<file path=ppt/slides/slide7.xml><?xml version="1.0" encoding="utf-8"?>
+<file path=ppt/slides/slide6.xml><?xml version="1.0" encoding="utf-8"?>
 <p:sld xmlns:a="http://schemas.openxmlformats.org/drawingml/2006/main" xmlns:r="http://schemas.openxmlformats.org/officeDocument/2006/relationships" xmlns:p="http://schemas.openxmlformats.org/presentationml/2006/main">
   <p:cSld>
     <p:spTree>
@@ -47397,7 +41904,7 @@
 </p:sld>
 </file>
 
-<file path=ppt/slides/slide8.xml><?xml version="1.0" encoding="utf-8"?>
+<file path=ppt/slides/slide7.xml><?xml version="1.0" encoding="utf-8"?>
 <p:sld xmlns:a="http://schemas.openxmlformats.org/drawingml/2006/main" xmlns:r="http://schemas.openxmlformats.org/officeDocument/2006/relationships" xmlns:p="http://schemas.openxmlformats.org/presentationml/2006/main">
   <p:cSld>
     <p:spTree>
@@ -47488,6 +41995,172 @@
 </p:sld>
 </file>
 
+<file path=ppt/slides/slide8.xml><?xml version="1.0" encoding="utf-8"?>
+<p:sld xmlns:a="http://schemas.openxmlformats.org/drawingml/2006/main" xmlns:r="http://schemas.openxmlformats.org/officeDocument/2006/relationships" xmlns:p="http://schemas.openxmlformats.org/presentationml/2006/main">
+  <p:cSld>
+    <p:spTree>
+      <p:nvGrpSpPr>
+        <p:cNvPr id="1" name=""/>
+        <p:cNvGrpSpPr/>
+        <p:nvPr/>
+      </p:nvGrpSpPr>
+      <p:grpSpPr>
+        <a:xfrm>
+          <a:off x="0" y="0"/>
+          <a:ext cx="0" cy="0"/>
+          <a:chOff x="0" y="0"/>
+          <a:chExt cx="0" cy="0"/>
+        </a:xfrm>
+      </p:grpSpPr>
+      <p:sp>
+        <p:nvSpPr>
+          <p:cNvPr id="2" name="Title 1">
+            <a:extLst>
+              <a:ext uri="{FF2B5EF4-FFF2-40B4-BE49-F238E27FC236}">
+                <a16:creationId xmlns:a16="http://schemas.microsoft.com/office/drawing/2014/main" id="{6C841B39-DB91-4534-AE2D-871F094398D2}"/>
+              </a:ext>
+            </a:extLst>
+          </p:cNvPr>
+          <p:cNvSpPr>
+            <a:spLocks noGrp="1"/>
+          </p:cNvSpPr>
+          <p:nvPr>
+            <p:ph type="title"/>
+          </p:nvPr>
+        </p:nvSpPr>
+        <p:spPr/>
+        <p:txBody>
+          <a:bodyPr/>
+          <a:lstStyle/>
+          <a:p>
+            <a:r>
+              <a:rPr lang="en-US" dirty="0"/>
+              <a:t>Integration influencers</a:t>
+            </a:r>
+          </a:p>
+        </p:txBody>
+      </p:sp>
+      <p:sp>
+        <p:nvSpPr>
+          <p:cNvPr id="3" name="Text Placeholder 2">
+            <a:extLst>
+              <a:ext uri="{FF2B5EF4-FFF2-40B4-BE49-F238E27FC236}">
+                <a16:creationId xmlns:a16="http://schemas.microsoft.com/office/drawing/2014/main" id="{E66AA6B0-04CF-4867-B43C-BE6DC3A3D6A3}"/>
+              </a:ext>
+            </a:extLst>
+          </p:cNvPr>
+          <p:cNvSpPr>
+            <a:spLocks noGrp="1"/>
+          </p:cNvSpPr>
+          <p:nvPr>
+            <p:ph type="body" sz="quarter" idx="10"/>
+          </p:nvPr>
+        </p:nvSpPr>
+        <p:spPr>
+          <a:xfrm>
+            <a:off x="584200" y="1435497"/>
+            <a:ext cx="11018520" cy="5416868"/>
+          </a:xfrm>
+        </p:spPr>
+        <p:txBody>
+          <a:bodyPr/>
+          <a:lstStyle/>
+          <a:p>
+            <a:pPr marL="457200" indent="-457200"/>
+            <a:r>
+              <a:rPr lang="en-US" dirty="0"/>
+              <a:t>Volume of data being moved/accessed</a:t>
+            </a:r>
+          </a:p>
+          <a:p>
+            <a:pPr marL="685800" lvl="1" indent="-457200"/>
+            <a:r>
+              <a:rPr lang="en-US" dirty="0"/>
+              <a:t>Type of data- reference or actionable</a:t>
+            </a:r>
+            <a:br>
+              <a:rPr lang="en-US" dirty="0"/>
+            </a:br>
+            <a:endParaRPr lang="en-US" dirty="0"/>
+          </a:p>
+          <a:p>
+            <a:pPr marL="457200" indent="-457200"/>
+            <a:r>
+              <a:rPr lang="en-US" dirty="0"/>
+              <a:t>Latency to access or work with other system</a:t>
+            </a:r>
+            <a:br>
+              <a:rPr lang="en-US" dirty="0"/>
+            </a:br>
+            <a:endParaRPr lang="en-US" dirty="0"/>
+          </a:p>
+          <a:p>
+            <a:pPr marL="457200" indent="-457200"/>
+            <a:r>
+              <a:rPr lang="en-US" dirty="0"/>
+              <a:t>Reliability requirements</a:t>
+            </a:r>
+            <a:br>
+              <a:rPr lang="en-US" dirty="0"/>
+            </a:br>
+            <a:endParaRPr lang="en-US" dirty="0"/>
+          </a:p>
+          <a:p>
+            <a:pPr marL="457200" indent="-457200"/>
+            <a:r>
+              <a:rPr lang="en-US" dirty="0"/>
+              <a:t>Impact of duplication of data or functionality</a:t>
+            </a:r>
+            <a:br>
+              <a:rPr lang="en-US" dirty="0"/>
+            </a:br>
+            <a:endParaRPr lang="en-US" dirty="0"/>
+          </a:p>
+          <a:p>
+            <a:pPr marL="457200" indent="-457200"/>
+            <a:r>
+              <a:rPr lang="en-US" dirty="0"/>
+              <a:t>Fit with existing Microsoft Power Platform capability</a:t>
+            </a:r>
+            <a:br>
+              <a:rPr lang="en-US" dirty="0"/>
+            </a:br>
+            <a:endParaRPr lang="en-US" dirty="0"/>
+          </a:p>
+          <a:p>
+            <a:pPr marL="457200" indent="-457200"/>
+            <a:r>
+              <a:rPr lang="en-US" dirty="0"/>
+              <a:t>Cost/Time/Resources</a:t>
+            </a:r>
+          </a:p>
+        </p:txBody>
+      </p:sp>
+    </p:spTree>
+    <p:extLst>
+      <p:ext uri="{BB962C8B-B14F-4D97-AF65-F5344CB8AC3E}">
+        <p14:creationId xmlns:p14="http://schemas.microsoft.com/office/powerpoint/2010/main" val="389249297"/>
+      </p:ext>
+    </p:extLst>
+  </p:cSld>
+  <p:clrMapOvr>
+    <a:masterClrMapping/>
+  </p:clrMapOvr>
+  <mc:AlternateContent xmlns:mc="http://schemas.openxmlformats.org/markup-compatibility/2006" xmlns:p14="http://schemas.microsoft.com/office/powerpoint/2010/main">
+    <mc:Choice Requires="p14">
+      <p:transition spd="med" p14:dur="700">
+        <p:fade/>
+      </p:transition>
+    </mc:Choice>
+    <mc:Fallback xmlns="">
+      <p:transition spd="med">
+        <p:fade/>
+      </p:transition>
+    </mc:Fallback>
+  </mc:AlternateContent>
+</p:sld>
+</file>
+
 <file path=ppt/slides/slide9.xml><?xml version="1.0" encoding="utf-8"?>
 <p:sld xmlns:a="http://schemas.openxmlformats.org/drawingml/2006/main" xmlns:r="http://schemas.openxmlformats.org/officeDocument/2006/relationships" xmlns:p="http://schemas.openxmlformats.org/presentationml/2006/main">
   <p:cSld>
@@ -47507,13 +42180,7 @@
       </p:grpSpPr>
       <p:sp>
         <p:nvSpPr>
-          <p:cNvPr id="3" name="Title 2">
-            <a:extLst>
-              <a:ext uri="{FF2B5EF4-FFF2-40B4-BE49-F238E27FC236}">
-                <a16:creationId xmlns:a16="http://schemas.microsoft.com/office/drawing/2014/main" id="{04A2F86E-2D36-4156-AD35-499B5264EAF4}"/>
-              </a:ext>
-            </a:extLst>
-          </p:cNvPr>
+          <p:cNvPr id="2" name="Title 1"/>
           <p:cNvSpPr>
             <a:spLocks noGrp="1"/>
           </p:cNvSpPr>
@@ -47528,616 +42195,140 @@
           <a:p>
             <a:r>
               <a:rPr lang="en-US" dirty="0"/>
-              <a:t>What are common integration challenges?</a:t>
+              <a:t>Destined for Failure</a:t>
             </a:r>
           </a:p>
         </p:txBody>
       </p:sp>
       <p:sp>
         <p:nvSpPr>
-          <p:cNvPr id="2" name="Picture Placeholder 1">
-            <a:extLst>
-              <a:ext uri="{FF2B5EF4-FFF2-40B4-BE49-F238E27FC236}">
-                <a16:creationId xmlns:a16="http://schemas.microsoft.com/office/drawing/2014/main" id="{876790E2-D811-496C-884D-49DEA2231C67}"/>
-              </a:ext>
-            </a:extLst>
-          </p:cNvPr>
+          <p:cNvPr id="4" name="Content Placeholder 3"/>
           <p:cNvSpPr>
             <a:spLocks noGrp="1"/>
           </p:cNvSpPr>
           <p:nvPr>
-            <p:ph type="pic" sz="quarter" idx="11"/>
+            <p:ph idx="1"/>
           </p:nvPr>
-        </p:nvSpPr>
-        <p:spPr/>
-      </p:sp>
-      <p:sp>
-        <p:nvSpPr>
-          <p:cNvPr id="4" name="manager" title="Icon of three people with lines connecting them">
-            <a:extLst>
-              <a:ext uri="{FF2B5EF4-FFF2-40B4-BE49-F238E27FC236}">
-                <a16:creationId xmlns:a16="http://schemas.microsoft.com/office/drawing/2014/main" id="{092D55E2-09DA-4F71-A603-7FB11743CFB7}"/>
-              </a:ext>
-            </a:extLst>
-          </p:cNvPr>
-          <p:cNvSpPr>
-            <a:spLocks noChangeAspect="1" noEditPoints="1"/>
-          </p:cNvSpPr>
-          <p:nvPr/>
-        </p:nvSpPr>
-        <p:spPr bwMode="auto">
-          <a:xfrm>
-            <a:off x="7855800" y="2219246"/>
-            <a:ext cx="1814400" cy="1828800"/>
-          </a:xfrm>
-          <a:custGeom>
-            <a:avLst/>
-            <a:gdLst>
-              <a:gd name="T0" fmla="*/ 128 w 348"/>
-              <a:gd name="T1" fmla="*/ 46 h 352"/>
-              <a:gd name="T2" fmla="*/ 174 w 348"/>
-              <a:gd name="T3" fmla="*/ 0 h 352"/>
-              <a:gd name="T4" fmla="*/ 220 w 348"/>
-              <a:gd name="T5" fmla="*/ 46 h 352"/>
-              <a:gd name="T6" fmla="*/ 174 w 348"/>
-              <a:gd name="T7" fmla="*/ 91 h 352"/>
-              <a:gd name="T8" fmla="*/ 128 w 348"/>
-              <a:gd name="T9" fmla="*/ 46 h 352"/>
-              <a:gd name="T10" fmla="*/ 231 w 348"/>
-              <a:gd name="T11" fmla="*/ 148 h 352"/>
-              <a:gd name="T12" fmla="*/ 174 w 348"/>
-              <a:gd name="T13" fmla="*/ 91 h 352"/>
-              <a:gd name="T14" fmla="*/ 117 w 348"/>
-              <a:gd name="T15" fmla="*/ 148 h 352"/>
-              <a:gd name="T16" fmla="*/ 57 w 348"/>
-              <a:gd name="T17" fmla="*/ 295 h 352"/>
-              <a:gd name="T18" fmla="*/ 102 w 348"/>
-              <a:gd name="T19" fmla="*/ 249 h 352"/>
-              <a:gd name="T20" fmla="*/ 57 w 348"/>
-              <a:gd name="T21" fmla="*/ 204 h 352"/>
-              <a:gd name="T22" fmla="*/ 11 w 348"/>
-              <a:gd name="T23" fmla="*/ 249 h 352"/>
-              <a:gd name="T24" fmla="*/ 57 w 348"/>
-              <a:gd name="T25" fmla="*/ 295 h 352"/>
-              <a:gd name="T26" fmla="*/ 114 w 348"/>
-              <a:gd name="T27" fmla="*/ 352 h 352"/>
-              <a:gd name="T28" fmla="*/ 57 w 348"/>
-              <a:gd name="T29" fmla="*/ 295 h 352"/>
-              <a:gd name="T30" fmla="*/ 0 w 348"/>
-              <a:gd name="T31" fmla="*/ 352 h 352"/>
-              <a:gd name="T32" fmla="*/ 291 w 348"/>
-              <a:gd name="T33" fmla="*/ 295 h 352"/>
-              <a:gd name="T34" fmla="*/ 337 w 348"/>
-              <a:gd name="T35" fmla="*/ 249 h 352"/>
-              <a:gd name="T36" fmla="*/ 291 w 348"/>
-              <a:gd name="T37" fmla="*/ 204 h 352"/>
-              <a:gd name="T38" fmla="*/ 246 w 348"/>
-              <a:gd name="T39" fmla="*/ 249 h 352"/>
-              <a:gd name="T40" fmla="*/ 291 w 348"/>
-              <a:gd name="T41" fmla="*/ 295 h 352"/>
-              <a:gd name="T42" fmla="*/ 348 w 348"/>
-              <a:gd name="T43" fmla="*/ 352 h 352"/>
-              <a:gd name="T44" fmla="*/ 291 w 348"/>
-              <a:gd name="T45" fmla="*/ 295 h 352"/>
-              <a:gd name="T46" fmla="*/ 234 w 348"/>
-              <a:gd name="T47" fmla="*/ 352 h 352"/>
-              <a:gd name="T48" fmla="*/ 224 w 348"/>
-              <a:gd name="T49" fmla="*/ 219 h 352"/>
-              <a:gd name="T50" fmla="*/ 174 w 348"/>
-              <a:gd name="T51" fmla="*/ 169 h 352"/>
-              <a:gd name="T52" fmla="*/ 124 w 348"/>
-              <a:gd name="T53" fmla="*/ 219 h 352"/>
-            </a:gdLst>
-            <a:ahLst/>
-            <a:cxnLst>
-              <a:cxn ang="0">
-                <a:pos x="T0" y="T1"/>
-              </a:cxn>
-              <a:cxn ang="0">
-                <a:pos x="T2" y="T3"/>
-              </a:cxn>
-              <a:cxn ang="0">
-                <a:pos x="T4" y="T5"/>
-              </a:cxn>
-              <a:cxn ang="0">
-                <a:pos x="T6" y="T7"/>
-              </a:cxn>
-              <a:cxn ang="0">
-                <a:pos x="T8" y="T9"/>
-              </a:cxn>
-              <a:cxn ang="0">
-                <a:pos x="T10" y="T11"/>
-              </a:cxn>
-              <a:cxn ang="0">
-                <a:pos x="T12" y="T13"/>
-              </a:cxn>
-              <a:cxn ang="0">
-                <a:pos x="T14" y="T15"/>
-              </a:cxn>
-              <a:cxn ang="0">
-                <a:pos x="T16" y="T17"/>
-              </a:cxn>
-              <a:cxn ang="0">
-                <a:pos x="T18" y="T19"/>
-              </a:cxn>
-              <a:cxn ang="0">
-                <a:pos x="T20" y="T21"/>
-              </a:cxn>
-              <a:cxn ang="0">
-                <a:pos x="T22" y="T23"/>
-              </a:cxn>
-              <a:cxn ang="0">
-                <a:pos x="T24" y="T25"/>
-              </a:cxn>
-              <a:cxn ang="0">
-                <a:pos x="T26" y="T27"/>
-              </a:cxn>
-              <a:cxn ang="0">
-                <a:pos x="T28" y="T29"/>
-              </a:cxn>
-              <a:cxn ang="0">
-                <a:pos x="T30" y="T31"/>
-              </a:cxn>
-              <a:cxn ang="0">
-                <a:pos x="T32" y="T33"/>
-              </a:cxn>
-              <a:cxn ang="0">
-                <a:pos x="T34" y="T35"/>
-              </a:cxn>
-              <a:cxn ang="0">
-                <a:pos x="T36" y="T37"/>
-              </a:cxn>
-              <a:cxn ang="0">
-                <a:pos x="T38" y="T39"/>
-              </a:cxn>
-              <a:cxn ang="0">
-                <a:pos x="T40" y="T41"/>
-              </a:cxn>
-              <a:cxn ang="0">
-                <a:pos x="T42" y="T43"/>
-              </a:cxn>
-              <a:cxn ang="0">
-                <a:pos x="T44" y="T45"/>
-              </a:cxn>
-              <a:cxn ang="0">
-                <a:pos x="T46" y="T47"/>
-              </a:cxn>
-              <a:cxn ang="0">
-                <a:pos x="T48" y="T49"/>
-              </a:cxn>
-              <a:cxn ang="0">
-                <a:pos x="T50" y="T51"/>
-              </a:cxn>
-              <a:cxn ang="0">
-                <a:pos x="T52" y="T53"/>
-              </a:cxn>
-            </a:cxnLst>
-            <a:rect l="0" t="0" r="r" b="b"/>
-            <a:pathLst>
-              <a:path w="348" h="352">
-                <a:moveTo>
-                  <a:pt x="128" y="46"/>
-                </a:moveTo>
-                <a:cubicBezTo>
-                  <a:pt x="128" y="20"/>
-                  <a:pt x="149" y="0"/>
-                  <a:pt x="174" y="0"/>
-                </a:cubicBezTo>
-                <a:cubicBezTo>
-                  <a:pt x="199" y="0"/>
-                  <a:pt x="220" y="20"/>
-                  <a:pt x="220" y="46"/>
-                </a:cubicBezTo>
-                <a:cubicBezTo>
-                  <a:pt x="220" y="71"/>
-                  <a:pt x="199" y="91"/>
-                  <a:pt x="174" y="91"/>
-                </a:cubicBezTo>
-                <a:cubicBezTo>
-                  <a:pt x="149" y="91"/>
-                  <a:pt x="128" y="71"/>
-                  <a:pt x="128" y="46"/>
-                </a:cubicBezTo>
-                <a:close/>
-                <a:moveTo>
-                  <a:pt x="231" y="148"/>
-                </a:moveTo>
-                <a:cubicBezTo>
-                  <a:pt x="231" y="117"/>
-                  <a:pt x="206" y="91"/>
-                  <a:pt x="174" y="91"/>
-                </a:cubicBezTo>
-                <a:cubicBezTo>
-                  <a:pt x="142" y="91"/>
-                  <a:pt x="117" y="117"/>
-                  <a:pt x="117" y="148"/>
-                </a:cubicBezTo>
-                <a:moveTo>
-                  <a:pt x="57" y="295"/>
-                </a:moveTo>
-                <a:cubicBezTo>
-                  <a:pt x="82" y="295"/>
-                  <a:pt x="102" y="275"/>
-                  <a:pt x="102" y="249"/>
-                </a:cubicBezTo>
-                <a:cubicBezTo>
-                  <a:pt x="102" y="224"/>
-                  <a:pt x="82" y="204"/>
-                  <a:pt x="57" y="204"/>
-                </a:cubicBezTo>
-                <a:cubicBezTo>
-                  <a:pt x="32" y="204"/>
-                  <a:pt x="11" y="224"/>
-                  <a:pt x="11" y="249"/>
-                </a:cubicBezTo>
-                <a:cubicBezTo>
-                  <a:pt x="11" y="275"/>
-                  <a:pt x="32" y="295"/>
-                  <a:pt x="57" y="295"/>
-                </a:cubicBezTo>
-                <a:close/>
-                <a:moveTo>
-                  <a:pt x="114" y="352"/>
-                </a:moveTo>
-                <a:cubicBezTo>
-                  <a:pt x="114" y="320"/>
-                  <a:pt x="88" y="295"/>
-                  <a:pt x="57" y="295"/>
-                </a:cubicBezTo>
-                <a:cubicBezTo>
-                  <a:pt x="25" y="295"/>
-                  <a:pt x="0" y="320"/>
-                  <a:pt x="0" y="352"/>
-                </a:cubicBezTo>
-                <a:moveTo>
-                  <a:pt x="291" y="295"/>
-                </a:moveTo>
-                <a:cubicBezTo>
-                  <a:pt x="316" y="295"/>
-                  <a:pt x="337" y="275"/>
-                  <a:pt x="337" y="249"/>
-                </a:cubicBezTo>
-                <a:cubicBezTo>
-                  <a:pt x="337" y="224"/>
-                  <a:pt x="316" y="204"/>
-                  <a:pt x="291" y="204"/>
-                </a:cubicBezTo>
-                <a:cubicBezTo>
-                  <a:pt x="266" y="204"/>
-                  <a:pt x="246" y="224"/>
-                  <a:pt x="246" y="249"/>
-                </a:cubicBezTo>
-                <a:cubicBezTo>
-                  <a:pt x="246" y="275"/>
-                  <a:pt x="266" y="295"/>
-                  <a:pt x="291" y="295"/>
-                </a:cubicBezTo>
-                <a:close/>
-                <a:moveTo>
-                  <a:pt x="348" y="352"/>
-                </a:moveTo>
-                <a:cubicBezTo>
-                  <a:pt x="348" y="320"/>
-                  <a:pt x="323" y="295"/>
-                  <a:pt x="291" y="295"/>
-                </a:cubicBezTo>
-                <a:cubicBezTo>
-                  <a:pt x="260" y="295"/>
-                  <a:pt x="234" y="320"/>
-                  <a:pt x="234" y="352"/>
-                </a:cubicBezTo>
-                <a:moveTo>
-                  <a:pt x="224" y="219"/>
-                </a:moveTo>
-                <a:cubicBezTo>
-                  <a:pt x="174" y="169"/>
-                  <a:pt x="174" y="169"/>
-                  <a:pt x="174" y="169"/>
-                </a:cubicBezTo>
-                <a:cubicBezTo>
-                  <a:pt x="124" y="219"/>
-                  <a:pt x="124" y="219"/>
-                  <a:pt x="124" y="219"/>
-                </a:cubicBezTo>
-              </a:path>
-            </a:pathLst>
-          </a:custGeom>
-          <a:solidFill>
-            <a:schemeClr val="accent2"/>
-          </a:solidFill>
-          <a:ln w="15875" cap="sq">
-            <a:solidFill>
-              <a:schemeClr val="bg2"/>
-            </a:solidFill>
-            <a:prstDash val="solid"/>
-            <a:miter lim="800000"/>
-            <a:headEnd/>
-            <a:tailEnd/>
-          </a:ln>
-        </p:spPr>
-        <p:txBody>
-          <a:bodyPr vert="horz" wrap="square" lIns="91440" tIns="45720" rIns="91440" bIns="45720" numCol="1" anchor="t" anchorCtr="0" compatLnSpc="1">
-            <a:prstTxWarp prst="textNoShape">
-              <a:avLst/>
-            </a:prstTxWarp>
-          </a:bodyPr>
-          <a:lstStyle/>
-          <a:p>
-            <a:endParaRPr lang="en-US" dirty="0"/>
-          </a:p>
-        </p:txBody>
-      </p:sp>
-      <p:sp>
-        <p:nvSpPr>
-          <p:cNvPr id="5" name="Text Placeholder 2">
-            <a:extLst>
-              <a:ext uri="{FF2B5EF4-FFF2-40B4-BE49-F238E27FC236}">
-                <a16:creationId xmlns:a16="http://schemas.microsoft.com/office/drawing/2014/main" id="{32CC9DFB-7CAC-4BC3-94DD-E8B4B65F701E}"/>
-              </a:ext>
-            </a:extLst>
-          </p:cNvPr>
-          <p:cNvSpPr txBox="1">
-            <a:spLocks/>
-          </p:cNvSpPr>
-          <p:nvPr/>
         </p:nvSpPr>
         <p:spPr>
           <a:xfrm>
-            <a:off x="457200" y="5758041"/>
-            <a:ext cx="4162425" cy="307777"/>
+            <a:off x="409677" y="1189177"/>
+            <a:ext cx="11515404" cy="6352508"/>
           </a:xfrm>
-          <a:prstGeom prst="rect">
-            <a:avLst/>
-          </a:prstGeom>
         </p:spPr>
         <p:txBody>
           <a:bodyPr/>
-          <a:lstStyle>
-            <a:lvl1pPr marL="228600" marR="0" indent="-228600" algn="l" defTabSz="932742" rtl="0" eaLnBrk="1" fontAlgn="auto" latinLnBrk="0" hangingPunct="1">
-              <a:lnSpc>
-                <a:spcPct val="100000"/>
-              </a:lnSpc>
-              <a:spcBef>
-                <a:spcPct val="20000"/>
-              </a:spcBef>
-              <a:spcAft>
-                <a:spcPts val="0"/>
-              </a:spcAft>
-              <a:buClrTx/>
-              <a:buSzPct val="90000"/>
+          <a:lstStyle/>
+          <a:p>
+            <a:pPr marL="457200" indent="-457200">
               <a:buFont typeface="Wingdings" panose="05000000000000000000" pitchFamily="2" charset="2"/>
-              <a:buChar char=""/>
-              <a:tabLst/>
-              <a:defRPr sz="2800" kern="1200" spc="0" baseline="0">
-                <a:gradFill>
-                  <a:gsLst>
-                    <a:gs pos="1250">
-                      <a:schemeClr val="tx1"/>
-                    </a:gs>
-                    <a:gs pos="100000">
-                      <a:schemeClr val="tx1"/>
-                    </a:gs>
-                  </a:gsLst>
-                  <a:lin ang="5400000" scaled="0"/>
-                </a:gradFill>
-                <a:latin typeface="+mn-lt"/>
-                <a:ea typeface="+mn-ea"/>
-                <a:cs typeface="Segoe UI Semilight" panose="020B0402040204020203" pitchFamily="34" charset="0"/>
-              </a:defRPr>
-            </a:lvl1pPr>
-            <a:lvl2pPr marL="457200" marR="0" indent="-228600" algn="l" defTabSz="932742" rtl="0" eaLnBrk="1" fontAlgn="auto" latinLnBrk="0" hangingPunct="1">
-              <a:lnSpc>
-                <a:spcPct val="100000"/>
-              </a:lnSpc>
-              <a:spcBef>
-                <a:spcPct val="20000"/>
-              </a:spcBef>
-              <a:spcAft>
-                <a:spcPts val="0"/>
-              </a:spcAft>
-              <a:buClrTx/>
-              <a:buSzPct val="90000"/>
+              <a:buChar char="§"/>
+            </a:pPr>
+            <a:r>
+              <a:rPr lang="en-US" dirty="0"/>
+              <a:t>Underestimating complexity of integrating</a:t>
+            </a:r>
+            <a:br>
+              <a:rPr lang="en-US" dirty="0"/>
+            </a:br>
+            <a:endParaRPr lang="en-US" dirty="0"/>
+          </a:p>
+          <a:p>
+            <a:pPr marL="457200" indent="-457200">
               <a:buFont typeface="Wingdings" panose="05000000000000000000" pitchFamily="2" charset="2"/>
-              <a:buChar char=""/>
-              <a:tabLst/>
-              <a:defRPr sz="2000" kern="1200" spc="0" baseline="0">
-                <a:gradFill>
-                  <a:gsLst>
-                    <a:gs pos="1250">
-                      <a:schemeClr val="tx1"/>
-                    </a:gs>
-                    <a:gs pos="100000">
-                      <a:schemeClr val="tx1"/>
-                    </a:gs>
-                  </a:gsLst>
-                  <a:lin ang="5400000" scaled="0"/>
-                </a:gradFill>
-                <a:latin typeface="+mn-lt"/>
-                <a:ea typeface="+mn-ea"/>
-                <a:cs typeface="+mn-cs"/>
-              </a:defRPr>
-            </a:lvl2pPr>
-            <a:lvl3pPr marL="657225" marR="0" indent="-200025" algn="l" defTabSz="932742" rtl="0" eaLnBrk="1" fontAlgn="auto" latinLnBrk="0" hangingPunct="1">
-              <a:lnSpc>
-                <a:spcPct val="100000"/>
-              </a:lnSpc>
-              <a:spcBef>
-                <a:spcPct val="20000"/>
-              </a:spcBef>
-              <a:spcAft>
-                <a:spcPts val="0"/>
-              </a:spcAft>
-              <a:buClrTx/>
-              <a:buSzPct val="90000"/>
+              <a:buChar char="§"/>
+            </a:pPr>
+            <a:r>
+              <a:rPr lang="en-US" dirty="0"/>
+              <a:t>Poor user experience using the integrated solution</a:t>
+            </a:r>
+            <a:br>
+              <a:rPr lang="en-US" dirty="0"/>
+            </a:br>
+            <a:endParaRPr lang="en-US" dirty="0"/>
+          </a:p>
+          <a:p>
+            <a:pPr marL="457200" indent="-457200">
               <a:buFont typeface="Wingdings" panose="05000000000000000000" pitchFamily="2" charset="2"/>
-              <a:buChar char=""/>
-              <a:tabLst/>
-              <a:defRPr sz="1600" kern="1200" spc="0" baseline="0">
-                <a:gradFill>
-                  <a:gsLst>
-                    <a:gs pos="1250">
-                      <a:schemeClr val="tx1"/>
-                    </a:gs>
-                    <a:gs pos="100000">
-                      <a:schemeClr val="tx1"/>
-                    </a:gs>
-                  </a:gsLst>
-                  <a:lin ang="5400000" scaled="0"/>
-                </a:gradFill>
-                <a:latin typeface="+mn-lt"/>
-                <a:ea typeface="+mn-ea"/>
-                <a:cs typeface="+mn-cs"/>
-              </a:defRPr>
-            </a:lvl3pPr>
-            <a:lvl4pPr marL="842963" marR="0" indent="-180975" algn="l" defTabSz="932742" rtl="0" eaLnBrk="1" fontAlgn="auto" latinLnBrk="0" hangingPunct="1">
-              <a:lnSpc>
-                <a:spcPct val="100000"/>
-              </a:lnSpc>
-              <a:spcBef>
-                <a:spcPct val="20000"/>
-              </a:spcBef>
-              <a:spcAft>
-                <a:spcPts val="0"/>
-              </a:spcAft>
-              <a:buClrTx/>
-              <a:buSzPct val="90000"/>
+              <a:buChar char="§"/>
+            </a:pPr>
+            <a:r>
+              <a:rPr lang="en-US" dirty="0"/>
+              <a:t>Increasing cohesion of components to creating a fragile system</a:t>
+            </a:r>
+            <a:br>
+              <a:rPr lang="en-US" dirty="0"/>
+            </a:br>
+            <a:endParaRPr lang="en-US" dirty="0"/>
+          </a:p>
+          <a:p>
+            <a:pPr marL="457200" indent="-457200">
               <a:buFont typeface="Wingdings" panose="05000000000000000000" pitchFamily="2" charset="2"/>
-              <a:buChar char=""/>
-              <a:tabLst/>
-              <a:defRPr sz="1400" kern="1200" spc="0" baseline="0">
-                <a:gradFill>
-                  <a:gsLst>
-                    <a:gs pos="1250">
-                      <a:schemeClr val="tx1"/>
-                    </a:gs>
-                    <a:gs pos="100000">
-                      <a:schemeClr val="tx1"/>
-                    </a:gs>
-                  </a:gsLst>
-                  <a:lin ang="5400000" scaled="0"/>
-                </a:gradFill>
-                <a:latin typeface="+mn-lt"/>
-                <a:ea typeface="+mn-ea"/>
-                <a:cs typeface="+mn-cs"/>
-              </a:defRPr>
-            </a:lvl4pPr>
-            <a:lvl5pPr marL="1023938" marR="0" indent="-168275" algn="l" defTabSz="932742" rtl="0" eaLnBrk="1" fontAlgn="auto" latinLnBrk="0" hangingPunct="1">
-              <a:lnSpc>
-                <a:spcPct val="100000"/>
-              </a:lnSpc>
-              <a:spcBef>
-                <a:spcPct val="20000"/>
-              </a:spcBef>
-              <a:spcAft>
-                <a:spcPts val="0"/>
-              </a:spcAft>
-              <a:buClrTx/>
-              <a:buSzPct val="90000"/>
+              <a:buChar char="§"/>
+            </a:pPr>
+            <a:r>
+              <a:rPr lang="en-US" dirty="0"/>
+              <a:t>Not knowing what Microsoft Power Platform does or doesn’t do well</a:t>
+            </a:r>
+            <a:br>
+              <a:rPr lang="en-US" dirty="0"/>
+            </a:br>
+            <a:endParaRPr lang="en-US" dirty="0"/>
+          </a:p>
+          <a:p>
+            <a:pPr marL="457200" indent="-457200">
               <a:buFont typeface="Wingdings" panose="05000000000000000000" pitchFamily="2" charset="2"/>
-              <a:buChar char=""/>
-              <a:tabLst/>
-              <a:defRPr sz="1400" kern="1200" spc="0" baseline="0">
-                <a:gradFill>
-                  <a:gsLst>
-                    <a:gs pos="1250">
-                      <a:schemeClr val="tx1"/>
-                    </a:gs>
-                    <a:gs pos="100000">
-                      <a:schemeClr val="tx1"/>
-                    </a:gs>
-                  </a:gsLst>
-                  <a:lin ang="5400000" scaled="0"/>
-                </a:gradFill>
-                <a:latin typeface="+mn-lt"/>
-                <a:ea typeface="+mn-ea"/>
-                <a:cs typeface="+mn-cs"/>
-              </a:defRPr>
-            </a:lvl5pPr>
-            <a:lvl6pPr marL="2565040" indent="-233186" algn="l" defTabSz="932742" rtl="0" eaLnBrk="1" latinLnBrk="0" hangingPunct="1">
-              <a:spcBef>
-                <a:spcPct val="20000"/>
-              </a:spcBef>
-              <a:buFont typeface="Arial" pitchFamily="34" charset="0"/>
-              <a:buChar char="•"/>
-              <a:defRPr sz="2000" kern="1200">
-                <a:solidFill>
-                  <a:schemeClr val="tx1"/>
-                </a:solidFill>
-                <a:latin typeface="+mn-lt"/>
-                <a:ea typeface="+mn-ea"/>
-                <a:cs typeface="+mn-cs"/>
-              </a:defRPr>
-            </a:lvl6pPr>
-            <a:lvl7pPr marL="3031412" indent="-233186" algn="l" defTabSz="932742" rtl="0" eaLnBrk="1" latinLnBrk="0" hangingPunct="1">
-              <a:spcBef>
-                <a:spcPct val="20000"/>
-              </a:spcBef>
-              <a:buFont typeface="Arial" pitchFamily="34" charset="0"/>
-              <a:buChar char="•"/>
-              <a:defRPr sz="2000" kern="1200">
-                <a:solidFill>
-                  <a:schemeClr val="tx1"/>
-                </a:solidFill>
-                <a:latin typeface="+mn-lt"/>
-                <a:ea typeface="+mn-ea"/>
-                <a:cs typeface="+mn-cs"/>
-              </a:defRPr>
-            </a:lvl7pPr>
-            <a:lvl8pPr marL="3497783" indent="-233186" algn="l" defTabSz="932742" rtl="0" eaLnBrk="1" latinLnBrk="0" hangingPunct="1">
-              <a:spcBef>
-                <a:spcPct val="20000"/>
-              </a:spcBef>
-              <a:buFont typeface="Arial" pitchFamily="34" charset="0"/>
-              <a:buChar char="•"/>
-              <a:defRPr sz="2000" kern="1200">
-                <a:solidFill>
-                  <a:schemeClr val="tx1"/>
-                </a:solidFill>
-                <a:latin typeface="+mn-lt"/>
-                <a:ea typeface="+mn-ea"/>
-                <a:cs typeface="+mn-cs"/>
-              </a:defRPr>
-            </a:lvl8pPr>
-            <a:lvl9pPr marL="3964155" indent="-233186" algn="l" defTabSz="932742" rtl="0" eaLnBrk="1" latinLnBrk="0" hangingPunct="1">
-              <a:spcBef>
-                <a:spcPct val="20000"/>
-              </a:spcBef>
-              <a:buFont typeface="Arial" pitchFamily="34" charset="0"/>
-              <a:buChar char="•"/>
-              <a:defRPr sz="2000" kern="1200">
-                <a:solidFill>
-                  <a:schemeClr val="tx1"/>
-                </a:solidFill>
-                <a:latin typeface="+mn-lt"/>
-                <a:ea typeface="+mn-ea"/>
-                <a:cs typeface="+mn-cs"/>
-              </a:defRPr>
-            </a:lvl9pPr>
-          </a:lstStyle>
-          <a:p>
-            <a:pPr marL="0" indent="0">
-              <a:buNone/>
+              <a:buChar char="§"/>
             </a:pPr>
             <a:r>
-              <a:rPr lang="en-US" sz="2000" dirty="0"/>
-              <a:t>Classroom discussion</a:t>
-            </a:r>
+              <a:rPr lang="en-US" dirty="0"/>
+              <a:t>Not knowing what the other product does or doesn’t do well</a:t>
+            </a:r>
+            <a:br>
+              <a:rPr lang="en-US" dirty="0"/>
+            </a:br>
+            <a:endParaRPr lang="en-US" dirty="0"/>
+          </a:p>
+          <a:p>
+            <a:pPr marL="457200" indent="-457200">
+              <a:buFont typeface="Wingdings" panose="05000000000000000000" pitchFamily="2" charset="2"/>
+              <a:buChar char="§"/>
+            </a:pPr>
+            <a:r>
+              <a:rPr lang="en-US" dirty="0"/>
+              <a:t>Source data poor quality/full of duplicates and dirty data</a:t>
+            </a:r>
+          </a:p>
+          <a:p>
+            <a:endParaRPr lang="en-US" sz="3200" dirty="0"/>
+          </a:p>
+          <a:p>
+            <a:endParaRPr lang="en-US" sz="3200" dirty="0"/>
           </a:p>
         </p:txBody>
       </p:sp>
     </p:spTree>
     <p:extLst>
       <p:ext uri="{BB962C8B-B14F-4D97-AF65-F5344CB8AC3E}">
-        <p14:creationId xmlns:p14="http://schemas.microsoft.com/office/powerpoint/2010/main" val="3935717174"/>
+        <p14:creationId xmlns:p14="http://schemas.microsoft.com/office/powerpoint/2010/main" val="2285654360"/>
       </p:ext>
     </p:extLst>
   </p:cSld>
   <p:clrMapOvr>
     <a:masterClrMapping/>
   </p:clrMapOvr>
-  <p:transition>
-    <p:fade/>
-  </p:transition>
+  <mc:AlternateContent xmlns:mc="http://schemas.openxmlformats.org/markup-compatibility/2006" xmlns:p14="http://schemas.microsoft.com/office/powerpoint/2010/main">
+    <mc:Choice Requires="p14">
+      <p:transition spd="med" p14:dur="700">
+        <p:fade/>
+      </p:transition>
+    </mc:Choice>
+    <mc:Fallback xmlns="">
+      <p:transition spd="med">
+        <p:fade/>
+      </p:transition>
+    </mc:Fallback>
+  </mc:AlternateContent>
 </p:sld>
 </file>
 
@@ -49294,20 +43485,20 @@
 </file>
 
 <file path=customXml/item1.xml><?xml version="1.0" encoding="utf-8"?>
-<p:properties xmlns:p="http://schemas.microsoft.com/office/2006/metadata/properties" xmlns:xsi="http://www.w3.org/2001/XMLSchema-instance" xmlns:pc="http://schemas.microsoft.com/office/infopath/2007/PartnerControls">
-  <documentManagement>
-    <MediaServiceKeyPoints xmlns="f0391fbe-9a8a-45b6-bc24-0f8c01e689a4" xsi:nil="true"/>
-  </documentManagement>
-</p:properties>
-</file>
-
-<file path=customXml/item2.xml><?xml version="1.0" encoding="utf-8"?>
 <?mso-contentType ?>
 <FormTemplates xmlns="http://schemas.microsoft.com/sharepoint/v3/contenttype/forms">
   <Display>DocumentLibraryForm</Display>
   <Edit>DocumentLibraryForm</Edit>
   <New>DocumentLibraryForm</New>
 </FormTemplates>
+</file>
+
+<file path=customXml/item2.xml><?xml version="1.0" encoding="utf-8"?>
+<p:properties xmlns:p="http://schemas.microsoft.com/office/2006/metadata/properties" xmlns:xsi="http://www.w3.org/2001/XMLSchema-instance" xmlns:pc="http://schemas.microsoft.com/office/infopath/2007/PartnerControls">
+  <documentManagement>
+    <MediaServiceKeyPoints xmlns="f0391fbe-9a8a-45b6-bc24-0f8c01e689a4" xsi:nil="true"/>
+  </documentManagement>
+</p:properties>
 </file>
 
 <file path=customXml/item3.xml><?xml version="1.0" encoding="utf-8"?>
@@ -49463,6 +43654,14 @@
 </file>
 
 <file path=customXml/itemProps1.xml><?xml version="1.0" encoding="utf-8"?>
+<ds:datastoreItem xmlns:ds="http://schemas.openxmlformats.org/officeDocument/2006/customXml" ds:itemID="{758FDAC0-319D-4A54-8D8E-1D42CB1F8004}">
+  <ds:schemaRefs>
+    <ds:schemaRef ds:uri="http://schemas.microsoft.com/sharepoint/v3/contenttype/forms"/>
+  </ds:schemaRefs>
+</ds:datastoreItem>
+</file>
+
+<file path=customXml/itemProps2.xml><?xml version="1.0" encoding="utf-8"?>
 <ds:datastoreItem xmlns:ds="http://schemas.openxmlformats.org/officeDocument/2006/customXml" ds:itemID="{F990F116-B58F-4255-B05B-DA3808E0E5C6}">
   <ds:schemaRefs>
     <ds:schemaRef ds:uri="2aa56320-926b-491c-9590-85cdc5addfcb"/>
@@ -49477,14 +43676,6 @@
     <ds:schemaRef ds:uri="http://schemas.openxmlformats.org/package/2006/metadata/core-properties"/>
     <ds:schemaRef ds:uri="http://www.w3.org/XML/1998/namespace"/>
     <ds:schemaRef ds:uri="f0391fbe-9a8a-45b6-bc24-0f8c01e689a4"/>
-  </ds:schemaRefs>
-</ds:datastoreItem>
-</file>
-
-<file path=customXml/itemProps2.xml><?xml version="1.0" encoding="utf-8"?>
-<ds:datastoreItem xmlns:ds="http://schemas.openxmlformats.org/officeDocument/2006/customXml" ds:itemID="{758FDAC0-319D-4A54-8D8E-1D42CB1F8004}">
-  <ds:schemaRefs>
-    <ds:schemaRef ds:uri="http://schemas.microsoft.com/sharepoint/v3/contenttype/forms"/>
   </ds:schemaRefs>
 </ds:datastoreItem>
 </file>
